--- a/doc/meetings/general/Projet_7map_final.pptx
+++ b/doc/meetings/general/Projet_7map_final.pptx
@@ -4,18 +4,27 @@
   <p:sldMasterIdLst>
     <p:sldMasterId id="2147483648" r:id="rId1"/>
   </p:sldMasterIdLst>
+  <p:notesMasterIdLst>
+    <p:notesMasterId r:id="rId13"/>
+  </p:notesMasterIdLst>
   <p:sldIdLst>
-    <p:sldId id="256" r:id="rId2"/>
-    <p:sldId id="257" r:id="rId3"/>
-    <p:sldId id="258" r:id="rId4"/>
-    <p:sldId id="260" r:id="rId5"/>
-    <p:sldId id="261" r:id="rId6"/>
-    <p:sldId id="262" r:id="rId7"/>
-    <p:sldId id="259" r:id="rId8"/>
-    <p:sldId id="263" r:id="rId9"/>
+    <p:sldId id="267" r:id="rId2"/>
+    <p:sldId id="258" r:id="rId3"/>
+    <p:sldId id="257" r:id="rId4"/>
+    <p:sldId id="264" r:id="rId5"/>
+    <p:sldId id="260" r:id="rId6"/>
+    <p:sldId id="269" r:id="rId7"/>
+    <p:sldId id="266" r:id="rId8"/>
+    <p:sldId id="270" r:id="rId9"/>
+    <p:sldId id="259" r:id="rId10"/>
+    <p:sldId id="263" r:id="rId11"/>
+    <p:sldId id="268" r:id="rId12"/>
   </p:sldIdLst>
   <p:sldSz cx="12192000" cy="6858000"/>
   <p:notesSz cx="6858000" cy="9144000"/>
+  <p:custDataLst>
+    <p:tags r:id="rId14"/>
+  </p:custDataLst>
   <p:defaultTextStyle>
     <a:defPPr>
       <a:defRPr lang="fr-FR"/>
@@ -119,6 +128,2205 @@
 </p:presentation>
 </file>
 
+<file path=ppt/charts/chart1.xml><?xml version="1.0" encoding="utf-8"?>
+<c:chartSpace xmlns:c="http://schemas.openxmlformats.org/drawingml/2006/chart" xmlns:a="http://schemas.openxmlformats.org/drawingml/2006/main" xmlns:r="http://schemas.openxmlformats.org/officeDocument/2006/relationships" xmlns:c16r2="http://schemas.microsoft.com/office/drawing/2015/06/chart">
+  <c:date1904 val="0"/>
+  <c:lang val="fr-FR"/>
+  <c:roundedCorners val="0"/>
+  <mc:AlternateContent xmlns:mc="http://schemas.openxmlformats.org/markup-compatibility/2006">
+    <mc:Choice xmlns:c14="http://schemas.microsoft.com/office/drawing/2007/8/2/chart" Requires="c14">
+      <c14:style val="102"/>
+    </mc:Choice>
+    <mc:Fallback>
+      <c:style val="2"/>
+    </mc:Fallback>
+  </mc:AlternateContent>
+  <c:chart>
+    <c:autoTitleDeleted val="1"/>
+    <c:plotArea>
+      <c:layout/>
+      <c:barChart>
+        <c:barDir val="col"/>
+        <c:grouping val="clustered"/>
+        <c:varyColors val="0"/>
+        <c:ser>
+          <c:idx val="0"/>
+          <c:order val="0"/>
+          <c:tx>
+            <c:strRef>
+              <c:f>Feuil1!$B$1</c:f>
+              <c:strCache>
+                <c:ptCount val="1"/>
+                <c:pt idx="0">
+                  <c:v>Vélocité</c:v>
+                </c:pt>
+              </c:strCache>
+            </c:strRef>
+          </c:tx>
+          <c:spPr>
+            <a:solidFill>
+              <a:srgbClr val="2157AE"/>
+            </a:solidFill>
+            <a:ln>
+              <a:noFill/>
+            </a:ln>
+            <a:effectLst/>
+          </c:spPr>
+          <c:invertIfNegative val="0"/>
+          <c:cat>
+            <c:strRef>
+              <c:f>Feuil1!$A$2:$A$4</c:f>
+              <c:strCache>
+                <c:ptCount val="3"/>
+                <c:pt idx="0">
+                  <c:v>Itération 1</c:v>
+                </c:pt>
+                <c:pt idx="1">
+                  <c:v>Itération 2</c:v>
+                </c:pt>
+                <c:pt idx="2">
+                  <c:v>Itération 3</c:v>
+                </c:pt>
+              </c:strCache>
+            </c:strRef>
+          </c:cat>
+          <c:val>
+            <c:numRef>
+              <c:f>Feuil1!$B$2:$B$4</c:f>
+              <c:numCache>
+                <c:formatCode>General</c:formatCode>
+                <c:ptCount val="3"/>
+                <c:pt idx="0">
+                  <c:v>30</c:v>
+                </c:pt>
+                <c:pt idx="1">
+                  <c:v>40</c:v>
+                </c:pt>
+                <c:pt idx="2">
+                  <c:v>80</c:v>
+                </c:pt>
+              </c:numCache>
+            </c:numRef>
+          </c:val>
+          <c:extLst>
+            <c:ext xmlns:c16="http://schemas.microsoft.com/office/drawing/2014/chart" uri="{C3380CC4-5D6E-409C-BE32-E72D297353CC}">
+              <c16:uniqueId val="{00000000-C178-4B1E-82CA-ED64C0383D55}"/>
+            </c:ext>
+          </c:extLst>
+        </c:ser>
+        <c:dLbls>
+          <c:showLegendKey val="0"/>
+          <c:showVal val="0"/>
+          <c:showCatName val="0"/>
+          <c:showSerName val="0"/>
+          <c:showPercent val="0"/>
+          <c:showBubbleSize val="0"/>
+        </c:dLbls>
+        <c:gapWidth val="219"/>
+        <c:axId val="706359488"/>
+        <c:axId val="706346176"/>
+      </c:barChart>
+      <c:lineChart>
+        <c:grouping val="standard"/>
+        <c:varyColors val="0"/>
+        <c:ser>
+          <c:idx val="1"/>
+          <c:order val="1"/>
+          <c:tx>
+            <c:strRef>
+              <c:f>Feuil1!$C$1</c:f>
+              <c:strCache>
+                <c:ptCount val="1"/>
+                <c:pt idx="0">
+                  <c:v>Dérivée</c:v>
+                </c:pt>
+              </c:strCache>
+            </c:strRef>
+          </c:tx>
+          <c:spPr>
+            <a:ln w="28575" cap="rnd">
+              <a:solidFill>
+                <a:srgbClr val="27AE60"/>
+              </a:solidFill>
+              <a:round/>
+            </a:ln>
+            <a:effectLst/>
+          </c:spPr>
+          <c:marker>
+            <c:symbol val="none"/>
+          </c:marker>
+          <c:cat>
+            <c:strRef>
+              <c:f>Feuil1!$A$2:$A$4</c:f>
+              <c:strCache>
+                <c:ptCount val="3"/>
+                <c:pt idx="0">
+                  <c:v>Itération 1</c:v>
+                </c:pt>
+                <c:pt idx="1">
+                  <c:v>Itération 2</c:v>
+                </c:pt>
+                <c:pt idx="2">
+                  <c:v>Itération 3</c:v>
+                </c:pt>
+              </c:strCache>
+            </c:strRef>
+          </c:cat>
+          <c:val>
+            <c:numRef>
+              <c:f>Feuil1!$C$2:$C$4</c:f>
+              <c:numCache>
+                <c:formatCode>General</c:formatCode>
+                <c:ptCount val="3"/>
+                <c:pt idx="0">
+                  <c:v>30</c:v>
+                </c:pt>
+                <c:pt idx="1">
+                  <c:v>10</c:v>
+                </c:pt>
+                <c:pt idx="2">
+                  <c:v>40</c:v>
+                </c:pt>
+              </c:numCache>
+            </c:numRef>
+          </c:val>
+          <c:smooth val="0"/>
+          <c:extLst>
+            <c:ext xmlns:c16="http://schemas.microsoft.com/office/drawing/2014/chart" uri="{C3380CC4-5D6E-409C-BE32-E72D297353CC}">
+              <c16:uniqueId val="{00000001-C178-4B1E-82CA-ED64C0383D55}"/>
+            </c:ext>
+          </c:extLst>
+        </c:ser>
+        <c:dLbls>
+          <c:showLegendKey val="0"/>
+          <c:showVal val="0"/>
+          <c:showCatName val="0"/>
+          <c:showSerName val="0"/>
+          <c:showPercent val="0"/>
+          <c:showBubbleSize val="0"/>
+        </c:dLbls>
+        <c:marker val="1"/>
+        <c:smooth val="0"/>
+        <c:axId val="706359488"/>
+        <c:axId val="706346176"/>
+      </c:lineChart>
+      <c:catAx>
+        <c:axId val="706359488"/>
+        <c:scaling>
+          <c:orientation val="minMax"/>
+        </c:scaling>
+        <c:delete val="0"/>
+        <c:axPos val="b"/>
+        <c:numFmt formatCode="General" sourceLinked="1"/>
+        <c:majorTickMark val="out"/>
+        <c:minorTickMark val="none"/>
+        <c:tickLblPos val="nextTo"/>
+        <c:spPr>
+          <a:noFill/>
+          <a:ln w="9525" cap="flat" cmpd="sng" algn="ctr">
+            <a:solidFill>
+              <a:schemeClr val="tx1">
+                <a:lumMod val="15000"/>
+                <a:lumOff val="85000"/>
+              </a:schemeClr>
+            </a:solidFill>
+            <a:round/>
+          </a:ln>
+          <a:effectLst/>
+        </c:spPr>
+        <c:txPr>
+          <a:bodyPr rot="-60000000" spcFirstLastPara="1" vertOverflow="ellipsis" vert="horz" wrap="square" anchor="ctr" anchorCtr="1"/>
+          <a:lstStyle/>
+          <a:p>
+            <a:pPr>
+              <a:defRPr sz="1197" b="0" i="0" u="none" strike="noStrike" kern="1200" baseline="0">
+                <a:solidFill>
+                  <a:schemeClr val="tx1">
+                    <a:lumMod val="65000"/>
+                    <a:lumOff val="35000"/>
+                  </a:schemeClr>
+                </a:solidFill>
+                <a:latin typeface="+mn-lt"/>
+                <a:ea typeface="+mn-ea"/>
+                <a:cs typeface="+mn-cs"/>
+              </a:defRPr>
+            </a:pPr>
+            <a:endParaRPr lang="es-ES"/>
+          </a:p>
+        </c:txPr>
+        <c:crossAx val="706346176"/>
+        <c:crosses val="autoZero"/>
+        <c:auto val="1"/>
+        <c:lblAlgn val="ctr"/>
+        <c:lblOffset val="100"/>
+        <c:noMultiLvlLbl val="0"/>
+      </c:catAx>
+      <c:valAx>
+        <c:axId val="706346176"/>
+        <c:scaling>
+          <c:orientation val="minMax"/>
+        </c:scaling>
+        <c:delete val="0"/>
+        <c:axPos val="l"/>
+        <c:majorGridlines>
+          <c:spPr>
+            <a:ln w="9525" cap="flat" cmpd="sng" algn="ctr">
+              <a:solidFill>
+                <a:schemeClr val="tx1">
+                  <a:lumMod val="15000"/>
+                  <a:lumOff val="85000"/>
+                </a:schemeClr>
+              </a:solidFill>
+              <a:round/>
+            </a:ln>
+            <a:effectLst/>
+          </c:spPr>
+        </c:majorGridlines>
+        <c:numFmt formatCode="General" sourceLinked="1"/>
+        <c:majorTickMark val="out"/>
+        <c:minorTickMark val="none"/>
+        <c:tickLblPos val="nextTo"/>
+        <c:spPr>
+          <a:noFill/>
+          <a:ln>
+            <a:noFill/>
+          </a:ln>
+          <a:effectLst/>
+        </c:spPr>
+        <c:txPr>
+          <a:bodyPr rot="-60000000" spcFirstLastPara="1" vertOverflow="ellipsis" vert="horz" wrap="square" anchor="ctr" anchorCtr="1"/>
+          <a:lstStyle/>
+          <a:p>
+            <a:pPr>
+              <a:defRPr sz="1197" b="0" i="0" u="none" strike="noStrike" kern="1200" baseline="0">
+                <a:solidFill>
+                  <a:schemeClr val="tx1">
+                    <a:lumMod val="65000"/>
+                    <a:lumOff val="35000"/>
+                  </a:schemeClr>
+                </a:solidFill>
+                <a:latin typeface="+mn-lt"/>
+                <a:ea typeface="+mn-ea"/>
+                <a:cs typeface="+mn-cs"/>
+              </a:defRPr>
+            </a:pPr>
+            <a:endParaRPr lang="es-ES"/>
+          </a:p>
+        </c:txPr>
+        <c:crossAx val="706359488"/>
+        <c:crosses val="autoZero"/>
+        <c:crossBetween val="between"/>
+      </c:valAx>
+      <c:spPr>
+        <a:noFill/>
+        <a:ln>
+          <a:noFill/>
+        </a:ln>
+        <a:effectLst/>
+      </c:spPr>
+    </c:plotArea>
+    <c:legend>
+      <c:legendPos val="b"/>
+      <c:overlay val="0"/>
+      <c:spPr>
+        <a:noFill/>
+        <a:ln>
+          <a:noFill/>
+        </a:ln>
+        <a:effectLst/>
+      </c:spPr>
+      <c:txPr>
+        <a:bodyPr rot="0" spcFirstLastPara="1" vertOverflow="ellipsis" vert="horz" wrap="square" anchor="ctr" anchorCtr="1"/>
+        <a:lstStyle/>
+        <a:p>
+          <a:pPr>
+            <a:defRPr sz="1197" b="0" i="0" u="none" strike="noStrike" kern="1200" baseline="0">
+              <a:solidFill>
+                <a:schemeClr val="tx1">
+                  <a:lumMod val="65000"/>
+                  <a:lumOff val="35000"/>
+                </a:schemeClr>
+              </a:solidFill>
+              <a:latin typeface="+mn-lt"/>
+              <a:ea typeface="+mn-ea"/>
+              <a:cs typeface="+mn-cs"/>
+            </a:defRPr>
+          </a:pPr>
+          <a:endParaRPr lang="es-ES"/>
+        </a:p>
+      </c:txPr>
+    </c:legend>
+    <c:plotVisOnly val="1"/>
+    <c:dispBlanksAs val="gap"/>
+    <c:extLst>
+      <c:ext xmlns:c16r3="http://schemas.microsoft.com/office/drawing/2017/03/chart" uri="{56B9EC1D-385E-4148-901F-78D8002777C0}">
+        <c16r3:dataDisplayOptions16>
+          <c16r3:dispNaAsBlank val="1"/>
+        </c16r3:dataDisplayOptions16>
+      </c:ext>
+    </c:extLst>
+    <c:showDLblsOverMax val="0"/>
+  </c:chart>
+  <c:spPr>
+    <a:noFill/>
+    <a:ln>
+      <a:noFill/>
+    </a:ln>
+    <a:effectLst/>
+  </c:spPr>
+  <c:txPr>
+    <a:bodyPr/>
+    <a:lstStyle/>
+    <a:p>
+      <a:pPr>
+        <a:defRPr/>
+      </a:pPr>
+      <a:endParaRPr lang="es-ES"/>
+    </a:p>
+  </c:txPr>
+  <c:externalData r:id="rId3">
+    <c:autoUpdate val="0"/>
+  </c:externalData>
+</c:chartSpace>
+</file>
+
+<file path=ppt/charts/colors1.xml><?xml version="1.0" encoding="utf-8"?>
+<cs:colorStyle xmlns:cs="http://schemas.microsoft.com/office/drawing/2012/chartStyle" xmlns:a="http://schemas.openxmlformats.org/drawingml/2006/main" meth="cycle" id="10">
+  <a:schemeClr val="accent1"/>
+  <a:schemeClr val="accent2"/>
+  <a:schemeClr val="accent3"/>
+  <a:schemeClr val="accent4"/>
+  <a:schemeClr val="accent5"/>
+  <a:schemeClr val="accent6"/>
+  <cs:variation/>
+  <cs:variation>
+    <a:lumMod val="60000"/>
+  </cs:variation>
+  <cs:variation>
+    <a:lumMod val="80000"/>
+    <a:lumOff val="20000"/>
+  </cs:variation>
+  <cs:variation>
+    <a:lumMod val="80000"/>
+  </cs:variation>
+  <cs:variation>
+    <a:lumMod val="60000"/>
+    <a:lumOff val="40000"/>
+  </cs:variation>
+  <cs:variation>
+    <a:lumMod val="50000"/>
+  </cs:variation>
+  <cs:variation>
+    <a:lumMod val="70000"/>
+    <a:lumOff val="30000"/>
+  </cs:variation>
+  <cs:variation>
+    <a:lumMod val="70000"/>
+  </cs:variation>
+  <cs:variation>
+    <a:lumMod val="50000"/>
+    <a:lumOff val="50000"/>
+  </cs:variation>
+</cs:colorStyle>
+</file>
+
+<file path=ppt/charts/style1.xml><?xml version="1.0" encoding="utf-8"?>
+<cs:chartStyle xmlns:cs="http://schemas.microsoft.com/office/drawing/2012/chartStyle" xmlns:a="http://schemas.openxmlformats.org/drawingml/2006/main" id="201">
+  <cs:axisTitle>
+    <cs:lnRef idx="0"/>
+    <cs:fillRef idx="0"/>
+    <cs:effectRef idx="0"/>
+    <cs:fontRef idx="minor">
+      <a:schemeClr val="tx1">
+        <a:lumMod val="65000"/>
+        <a:lumOff val="35000"/>
+      </a:schemeClr>
+    </cs:fontRef>
+    <cs:defRPr sz="1330" kern="1200"/>
+  </cs:axisTitle>
+  <cs:categoryAxis>
+    <cs:lnRef idx="0"/>
+    <cs:fillRef idx="0"/>
+    <cs:effectRef idx="0"/>
+    <cs:fontRef idx="minor">
+      <a:schemeClr val="tx1">
+        <a:lumMod val="65000"/>
+        <a:lumOff val="35000"/>
+      </a:schemeClr>
+    </cs:fontRef>
+    <cs:spPr>
+      <a:ln w="9525" cap="flat" cmpd="sng" algn="ctr">
+        <a:solidFill>
+          <a:schemeClr val="tx1">
+            <a:lumMod val="15000"/>
+            <a:lumOff val="85000"/>
+          </a:schemeClr>
+        </a:solidFill>
+        <a:round/>
+      </a:ln>
+    </cs:spPr>
+    <cs:defRPr sz="1197" kern="1200"/>
+  </cs:categoryAxis>
+  <cs:chartArea mods="allowNoFillOverride allowNoLineOverride">
+    <cs:lnRef idx="0"/>
+    <cs:fillRef idx="0"/>
+    <cs:effectRef idx="0"/>
+    <cs:fontRef idx="minor">
+      <a:schemeClr val="tx1"/>
+    </cs:fontRef>
+    <cs:spPr>
+      <a:solidFill>
+        <a:schemeClr val="bg1"/>
+      </a:solidFill>
+      <a:ln w="9525" cap="flat" cmpd="sng" algn="ctr">
+        <a:solidFill>
+          <a:schemeClr val="tx1">
+            <a:lumMod val="15000"/>
+            <a:lumOff val="85000"/>
+          </a:schemeClr>
+        </a:solidFill>
+        <a:round/>
+      </a:ln>
+    </cs:spPr>
+    <cs:defRPr sz="1330" kern="1200"/>
+  </cs:chartArea>
+  <cs:dataLabel>
+    <cs:lnRef idx="0"/>
+    <cs:fillRef idx="0"/>
+    <cs:effectRef idx="0"/>
+    <cs:fontRef idx="minor">
+      <a:schemeClr val="tx1">
+        <a:lumMod val="75000"/>
+        <a:lumOff val="25000"/>
+      </a:schemeClr>
+    </cs:fontRef>
+    <cs:defRPr sz="1197" kern="1200"/>
+  </cs:dataLabel>
+  <cs:dataLabelCallout>
+    <cs:lnRef idx="0"/>
+    <cs:fillRef idx="0"/>
+    <cs:effectRef idx="0"/>
+    <cs:fontRef idx="minor">
+      <a:schemeClr val="dk1">
+        <a:lumMod val="65000"/>
+        <a:lumOff val="35000"/>
+      </a:schemeClr>
+    </cs:fontRef>
+    <cs:spPr>
+      <a:solidFill>
+        <a:schemeClr val="lt1"/>
+      </a:solidFill>
+      <a:ln>
+        <a:solidFill>
+          <a:schemeClr val="dk1">
+            <a:lumMod val="25000"/>
+            <a:lumOff val="75000"/>
+          </a:schemeClr>
+        </a:solidFill>
+      </a:ln>
+    </cs:spPr>
+    <cs:defRPr sz="1197" kern="1200"/>
+    <cs:bodyPr rot="0" spcFirstLastPara="1" vertOverflow="clip" horzOverflow="clip" vert="horz" wrap="square" lIns="36576" tIns="18288" rIns="36576" bIns="18288" anchor="ctr" anchorCtr="1">
+      <a:spAutoFit/>
+    </cs:bodyPr>
+  </cs:dataLabelCallout>
+  <cs:dataPoint>
+    <cs:lnRef idx="0"/>
+    <cs:fillRef idx="1">
+      <cs:styleClr val="auto"/>
+    </cs:fillRef>
+    <cs:effectRef idx="0"/>
+    <cs:fontRef idx="minor">
+      <a:schemeClr val="tx1"/>
+    </cs:fontRef>
+  </cs:dataPoint>
+  <cs:dataPoint3D>
+    <cs:lnRef idx="0"/>
+    <cs:fillRef idx="1">
+      <cs:styleClr val="auto"/>
+    </cs:fillRef>
+    <cs:effectRef idx="0"/>
+    <cs:fontRef idx="minor">
+      <a:schemeClr val="tx1"/>
+    </cs:fontRef>
+  </cs:dataPoint3D>
+  <cs:dataPointLine>
+    <cs:lnRef idx="0">
+      <cs:styleClr val="auto"/>
+    </cs:lnRef>
+    <cs:fillRef idx="1"/>
+    <cs:effectRef idx="0"/>
+    <cs:fontRef idx="minor">
+      <a:schemeClr val="tx1"/>
+    </cs:fontRef>
+    <cs:spPr>
+      <a:ln w="28575" cap="rnd">
+        <a:solidFill>
+          <a:schemeClr val="phClr"/>
+        </a:solidFill>
+        <a:round/>
+      </a:ln>
+    </cs:spPr>
+  </cs:dataPointLine>
+  <cs:dataPointMarker>
+    <cs:lnRef idx="0">
+      <cs:styleClr val="auto"/>
+    </cs:lnRef>
+    <cs:fillRef idx="1">
+      <cs:styleClr val="auto"/>
+    </cs:fillRef>
+    <cs:effectRef idx="0"/>
+    <cs:fontRef idx="minor">
+      <a:schemeClr val="tx1"/>
+    </cs:fontRef>
+    <cs:spPr>
+      <a:ln w="9525">
+        <a:solidFill>
+          <a:schemeClr val="phClr"/>
+        </a:solidFill>
+      </a:ln>
+    </cs:spPr>
+  </cs:dataPointMarker>
+  <cs:dataPointMarkerLayout symbol="circle" size="5"/>
+  <cs:dataPointWireframe>
+    <cs:lnRef idx="0">
+      <cs:styleClr val="auto"/>
+    </cs:lnRef>
+    <cs:fillRef idx="1"/>
+    <cs:effectRef idx="0"/>
+    <cs:fontRef idx="minor">
+      <a:schemeClr val="tx1"/>
+    </cs:fontRef>
+    <cs:spPr>
+      <a:ln w="9525" cap="rnd">
+        <a:solidFill>
+          <a:schemeClr val="phClr"/>
+        </a:solidFill>
+        <a:round/>
+      </a:ln>
+    </cs:spPr>
+  </cs:dataPointWireframe>
+  <cs:dataTable>
+    <cs:lnRef idx="0"/>
+    <cs:fillRef idx="0"/>
+    <cs:effectRef idx="0"/>
+    <cs:fontRef idx="minor">
+      <a:schemeClr val="tx1">
+        <a:lumMod val="65000"/>
+        <a:lumOff val="35000"/>
+      </a:schemeClr>
+    </cs:fontRef>
+    <cs:spPr>
+      <a:noFill/>
+      <a:ln w="9525" cap="flat" cmpd="sng" algn="ctr">
+        <a:solidFill>
+          <a:schemeClr val="tx1">
+            <a:lumMod val="15000"/>
+            <a:lumOff val="85000"/>
+          </a:schemeClr>
+        </a:solidFill>
+        <a:round/>
+      </a:ln>
+    </cs:spPr>
+    <cs:defRPr sz="1197" kern="1200"/>
+  </cs:dataTable>
+  <cs:downBar>
+    <cs:lnRef idx="0"/>
+    <cs:fillRef idx="0"/>
+    <cs:effectRef idx="0"/>
+    <cs:fontRef idx="minor">
+      <a:schemeClr val="dk1"/>
+    </cs:fontRef>
+    <cs:spPr>
+      <a:solidFill>
+        <a:schemeClr val="dk1">
+          <a:lumMod val="65000"/>
+          <a:lumOff val="35000"/>
+        </a:schemeClr>
+      </a:solidFill>
+      <a:ln w="9525">
+        <a:solidFill>
+          <a:schemeClr val="tx1">
+            <a:lumMod val="65000"/>
+            <a:lumOff val="35000"/>
+          </a:schemeClr>
+        </a:solidFill>
+      </a:ln>
+    </cs:spPr>
+  </cs:downBar>
+  <cs:dropLine>
+    <cs:lnRef idx="0"/>
+    <cs:fillRef idx="0"/>
+    <cs:effectRef idx="0"/>
+    <cs:fontRef idx="minor">
+      <a:schemeClr val="tx1"/>
+    </cs:fontRef>
+    <cs:spPr>
+      <a:ln w="9525" cap="flat" cmpd="sng" algn="ctr">
+        <a:solidFill>
+          <a:schemeClr val="tx1">
+            <a:lumMod val="35000"/>
+            <a:lumOff val="65000"/>
+          </a:schemeClr>
+        </a:solidFill>
+        <a:round/>
+      </a:ln>
+    </cs:spPr>
+  </cs:dropLine>
+  <cs:errorBar>
+    <cs:lnRef idx="0"/>
+    <cs:fillRef idx="0"/>
+    <cs:effectRef idx="0"/>
+    <cs:fontRef idx="minor">
+      <a:schemeClr val="tx1"/>
+    </cs:fontRef>
+    <cs:spPr>
+      <a:ln w="9525" cap="flat" cmpd="sng" algn="ctr">
+        <a:solidFill>
+          <a:schemeClr val="tx1">
+            <a:lumMod val="65000"/>
+            <a:lumOff val="35000"/>
+          </a:schemeClr>
+        </a:solidFill>
+        <a:round/>
+      </a:ln>
+    </cs:spPr>
+  </cs:errorBar>
+  <cs:floor>
+    <cs:lnRef idx="0"/>
+    <cs:fillRef idx="0"/>
+    <cs:effectRef idx="0"/>
+    <cs:fontRef idx="minor">
+      <a:schemeClr val="tx1"/>
+    </cs:fontRef>
+    <cs:spPr>
+      <a:noFill/>
+      <a:ln>
+        <a:noFill/>
+      </a:ln>
+    </cs:spPr>
+  </cs:floor>
+  <cs:gridlineMajor>
+    <cs:lnRef idx="0"/>
+    <cs:fillRef idx="0"/>
+    <cs:effectRef idx="0"/>
+    <cs:fontRef idx="minor">
+      <a:schemeClr val="tx1"/>
+    </cs:fontRef>
+    <cs:spPr>
+      <a:ln w="9525" cap="flat" cmpd="sng" algn="ctr">
+        <a:solidFill>
+          <a:schemeClr val="tx1">
+            <a:lumMod val="15000"/>
+            <a:lumOff val="85000"/>
+          </a:schemeClr>
+        </a:solidFill>
+        <a:round/>
+      </a:ln>
+    </cs:spPr>
+  </cs:gridlineMajor>
+  <cs:gridlineMinor>
+    <cs:lnRef idx="0"/>
+    <cs:fillRef idx="0"/>
+    <cs:effectRef idx="0"/>
+    <cs:fontRef idx="minor">
+      <a:schemeClr val="tx1"/>
+    </cs:fontRef>
+    <cs:spPr>
+      <a:ln w="9525" cap="flat" cmpd="sng" algn="ctr">
+        <a:solidFill>
+          <a:schemeClr val="tx1">
+            <a:lumMod val="5000"/>
+            <a:lumOff val="95000"/>
+          </a:schemeClr>
+        </a:solidFill>
+        <a:round/>
+      </a:ln>
+    </cs:spPr>
+  </cs:gridlineMinor>
+  <cs:hiLoLine>
+    <cs:lnRef idx="0"/>
+    <cs:fillRef idx="0"/>
+    <cs:effectRef idx="0"/>
+    <cs:fontRef idx="minor">
+      <a:schemeClr val="tx1"/>
+    </cs:fontRef>
+    <cs:spPr>
+      <a:ln w="9525" cap="flat" cmpd="sng" algn="ctr">
+        <a:solidFill>
+          <a:schemeClr val="tx1">
+            <a:lumMod val="75000"/>
+            <a:lumOff val="25000"/>
+          </a:schemeClr>
+        </a:solidFill>
+        <a:round/>
+      </a:ln>
+    </cs:spPr>
+  </cs:hiLoLine>
+  <cs:leaderLine>
+    <cs:lnRef idx="0"/>
+    <cs:fillRef idx="0"/>
+    <cs:effectRef idx="0"/>
+    <cs:fontRef idx="minor">
+      <a:schemeClr val="tx1"/>
+    </cs:fontRef>
+    <cs:spPr>
+      <a:ln w="9525" cap="flat" cmpd="sng" algn="ctr">
+        <a:solidFill>
+          <a:schemeClr val="tx1">
+            <a:lumMod val="35000"/>
+            <a:lumOff val="65000"/>
+          </a:schemeClr>
+        </a:solidFill>
+        <a:round/>
+      </a:ln>
+    </cs:spPr>
+  </cs:leaderLine>
+  <cs:legend>
+    <cs:lnRef idx="0"/>
+    <cs:fillRef idx="0"/>
+    <cs:effectRef idx="0"/>
+    <cs:fontRef idx="minor">
+      <a:schemeClr val="tx1">
+        <a:lumMod val="65000"/>
+        <a:lumOff val="35000"/>
+      </a:schemeClr>
+    </cs:fontRef>
+    <cs:defRPr sz="1197" kern="1200"/>
+  </cs:legend>
+  <cs:plotArea mods="allowNoFillOverride allowNoLineOverride">
+    <cs:lnRef idx="0"/>
+    <cs:fillRef idx="0"/>
+    <cs:effectRef idx="0"/>
+    <cs:fontRef idx="minor">
+      <a:schemeClr val="tx1"/>
+    </cs:fontRef>
+  </cs:plotArea>
+  <cs:plotArea3D mods="allowNoFillOverride allowNoLineOverride">
+    <cs:lnRef idx="0"/>
+    <cs:fillRef idx="0"/>
+    <cs:effectRef idx="0"/>
+    <cs:fontRef idx="minor">
+      <a:schemeClr val="tx1"/>
+    </cs:fontRef>
+  </cs:plotArea3D>
+  <cs:seriesAxis>
+    <cs:lnRef idx="0"/>
+    <cs:fillRef idx="0"/>
+    <cs:effectRef idx="0"/>
+    <cs:fontRef idx="minor">
+      <a:schemeClr val="tx1">
+        <a:lumMod val="65000"/>
+        <a:lumOff val="35000"/>
+      </a:schemeClr>
+    </cs:fontRef>
+    <cs:defRPr sz="1197" kern="1200"/>
+  </cs:seriesAxis>
+  <cs:seriesLine>
+    <cs:lnRef idx="0"/>
+    <cs:fillRef idx="0"/>
+    <cs:effectRef idx="0"/>
+    <cs:fontRef idx="minor">
+      <a:schemeClr val="tx1"/>
+    </cs:fontRef>
+    <cs:spPr>
+      <a:ln w="9525" cap="flat" cmpd="sng" algn="ctr">
+        <a:solidFill>
+          <a:schemeClr val="tx1">
+            <a:lumMod val="35000"/>
+            <a:lumOff val="65000"/>
+          </a:schemeClr>
+        </a:solidFill>
+        <a:round/>
+      </a:ln>
+    </cs:spPr>
+  </cs:seriesLine>
+  <cs:title>
+    <cs:lnRef idx="0"/>
+    <cs:fillRef idx="0"/>
+    <cs:effectRef idx="0"/>
+    <cs:fontRef idx="minor">
+      <a:schemeClr val="tx1">
+        <a:lumMod val="65000"/>
+        <a:lumOff val="35000"/>
+      </a:schemeClr>
+    </cs:fontRef>
+    <cs:defRPr sz="1862" b="0" kern="1200" spc="0" baseline="0"/>
+  </cs:title>
+  <cs:trendline>
+    <cs:lnRef idx="0">
+      <cs:styleClr val="auto"/>
+    </cs:lnRef>
+    <cs:fillRef idx="0"/>
+    <cs:effectRef idx="0"/>
+    <cs:fontRef idx="minor">
+      <a:schemeClr val="tx1"/>
+    </cs:fontRef>
+    <cs:spPr>
+      <a:ln w="19050" cap="rnd">
+        <a:solidFill>
+          <a:schemeClr val="phClr"/>
+        </a:solidFill>
+        <a:prstDash val="sysDot"/>
+      </a:ln>
+    </cs:spPr>
+  </cs:trendline>
+  <cs:trendlineLabel>
+    <cs:lnRef idx="0"/>
+    <cs:fillRef idx="0"/>
+    <cs:effectRef idx="0"/>
+    <cs:fontRef idx="minor">
+      <a:schemeClr val="tx1">
+        <a:lumMod val="65000"/>
+        <a:lumOff val="35000"/>
+      </a:schemeClr>
+    </cs:fontRef>
+    <cs:defRPr sz="1197" kern="1200"/>
+  </cs:trendlineLabel>
+  <cs:upBar>
+    <cs:lnRef idx="0"/>
+    <cs:fillRef idx="0"/>
+    <cs:effectRef idx="0"/>
+    <cs:fontRef idx="minor">
+      <a:schemeClr val="dk1"/>
+    </cs:fontRef>
+    <cs:spPr>
+      <a:solidFill>
+        <a:schemeClr val="lt1"/>
+      </a:solidFill>
+      <a:ln w="9525">
+        <a:solidFill>
+          <a:schemeClr val="tx1">
+            <a:lumMod val="15000"/>
+            <a:lumOff val="85000"/>
+          </a:schemeClr>
+        </a:solidFill>
+      </a:ln>
+    </cs:spPr>
+  </cs:upBar>
+  <cs:valueAxis>
+    <cs:lnRef idx="0"/>
+    <cs:fillRef idx="0"/>
+    <cs:effectRef idx="0"/>
+    <cs:fontRef idx="minor">
+      <a:schemeClr val="tx1">
+        <a:lumMod val="65000"/>
+        <a:lumOff val="35000"/>
+      </a:schemeClr>
+    </cs:fontRef>
+    <cs:defRPr sz="1197" kern="1200"/>
+  </cs:valueAxis>
+  <cs:wall>
+    <cs:lnRef idx="0"/>
+    <cs:fillRef idx="0"/>
+    <cs:effectRef idx="0"/>
+    <cs:fontRef idx="minor">
+      <a:schemeClr val="tx1"/>
+    </cs:fontRef>
+    <cs:spPr>
+      <a:noFill/>
+      <a:ln>
+        <a:noFill/>
+      </a:ln>
+    </cs:spPr>
+  </cs:wall>
+</cs:chartStyle>
+</file>
+
+<file path=ppt/notesMasters/notesMaster1.xml><?xml version="1.0" encoding="utf-8"?>
+<p:notesMaster xmlns:a="http://schemas.openxmlformats.org/drawingml/2006/main" xmlns:r="http://schemas.openxmlformats.org/officeDocument/2006/relationships" xmlns:p="http://schemas.openxmlformats.org/presentationml/2006/main">
+  <p:cSld>
+    <p:bg>
+      <p:bgRef idx="1001">
+        <a:schemeClr val="bg1"/>
+      </p:bgRef>
+    </p:bg>
+    <p:spTree>
+      <p:nvGrpSpPr>
+        <p:cNvPr id="1" name=""/>
+        <p:cNvGrpSpPr/>
+        <p:nvPr/>
+      </p:nvGrpSpPr>
+      <p:grpSpPr>
+        <a:xfrm>
+          <a:off x="0" y="0"/>
+          <a:ext cx="0" cy="0"/>
+          <a:chOff x="0" y="0"/>
+          <a:chExt cx="0" cy="0"/>
+        </a:xfrm>
+      </p:grpSpPr>
+      <p:sp>
+        <p:nvSpPr>
+          <p:cNvPr id="2" name="Espace réservé de l'en-tête 1"/>
+          <p:cNvSpPr>
+            <a:spLocks noGrp="1"/>
+          </p:cNvSpPr>
+          <p:nvPr>
+            <p:ph type="hdr" sz="quarter"/>
+          </p:nvPr>
+        </p:nvSpPr>
+        <p:spPr>
+          <a:xfrm>
+            <a:off x="0" y="0"/>
+            <a:ext cx="2971800" cy="458788"/>
+          </a:xfrm>
+          <a:prstGeom prst="rect">
+            <a:avLst/>
+          </a:prstGeom>
+        </p:spPr>
+        <p:txBody>
+          <a:bodyPr vert="horz" lIns="91440" tIns="45720" rIns="91440" bIns="45720" rtlCol="0"/>
+          <a:lstStyle>
+            <a:lvl1pPr algn="l">
+              <a:defRPr sz="1200"/>
+            </a:lvl1pPr>
+          </a:lstStyle>
+          <a:p>
+            <a:endParaRPr lang="es-ES"/>
+          </a:p>
+        </p:txBody>
+      </p:sp>
+      <p:sp>
+        <p:nvSpPr>
+          <p:cNvPr id="3" name="Espace réservé de la date 2"/>
+          <p:cNvSpPr>
+            <a:spLocks noGrp="1"/>
+          </p:cNvSpPr>
+          <p:nvPr>
+            <p:ph type="dt" idx="1"/>
+          </p:nvPr>
+        </p:nvSpPr>
+        <p:spPr>
+          <a:xfrm>
+            <a:off x="3884613" y="0"/>
+            <a:ext cx="2971800" cy="458788"/>
+          </a:xfrm>
+          <a:prstGeom prst="rect">
+            <a:avLst/>
+          </a:prstGeom>
+        </p:spPr>
+        <p:txBody>
+          <a:bodyPr vert="horz" lIns="91440" tIns="45720" rIns="91440" bIns="45720" rtlCol="0"/>
+          <a:lstStyle>
+            <a:lvl1pPr algn="r">
+              <a:defRPr sz="1200"/>
+            </a:lvl1pPr>
+          </a:lstStyle>
+          <a:p>
+            <a:fld id="{E727B187-3AF2-4494-A7CD-4354EFFC7E68}" type="datetimeFigureOut">
+              <a:rPr lang="es-ES" smtClean="0"/>
+              <a:t>30/05/2021</a:t>
+            </a:fld>
+            <a:endParaRPr lang="es-ES"/>
+          </a:p>
+        </p:txBody>
+      </p:sp>
+      <p:sp>
+        <p:nvSpPr>
+          <p:cNvPr id="4" name="Espace réservé de l'image des diapositives 3"/>
+          <p:cNvSpPr>
+            <a:spLocks noGrp="1" noRot="1" noChangeAspect="1"/>
+          </p:cNvSpPr>
+          <p:nvPr>
+            <p:ph type="sldImg" idx="2"/>
+          </p:nvPr>
+        </p:nvSpPr>
+        <p:spPr>
+          <a:xfrm>
+            <a:off x="685800" y="1143000"/>
+            <a:ext cx="5486400" cy="3086100"/>
+          </a:xfrm>
+          <a:prstGeom prst="rect">
+            <a:avLst/>
+          </a:prstGeom>
+          <a:noFill/>
+          <a:ln w="12700">
+            <a:solidFill>
+              <a:prstClr val="black"/>
+            </a:solidFill>
+          </a:ln>
+        </p:spPr>
+        <p:txBody>
+          <a:bodyPr vert="horz" lIns="91440" tIns="45720" rIns="91440" bIns="45720" rtlCol="0" anchor="ctr"/>
+          <a:lstStyle/>
+          <a:p>
+            <a:endParaRPr lang="es-ES"/>
+          </a:p>
+        </p:txBody>
+      </p:sp>
+      <p:sp>
+        <p:nvSpPr>
+          <p:cNvPr id="5" name="Espace réservé des notes 4"/>
+          <p:cNvSpPr>
+            <a:spLocks noGrp="1"/>
+          </p:cNvSpPr>
+          <p:nvPr>
+            <p:ph type="body" sz="quarter" idx="3"/>
+          </p:nvPr>
+        </p:nvSpPr>
+        <p:spPr>
+          <a:xfrm>
+            <a:off x="685800" y="4400550"/>
+            <a:ext cx="5486400" cy="3600450"/>
+          </a:xfrm>
+          <a:prstGeom prst="rect">
+            <a:avLst/>
+          </a:prstGeom>
+        </p:spPr>
+        <p:txBody>
+          <a:bodyPr vert="horz" lIns="91440" tIns="45720" rIns="91440" bIns="45720" rtlCol="0"/>
+          <a:lstStyle/>
+          <a:p>
+            <a:pPr lvl="0"/>
+            <a:r>
+              <a:rPr lang="fr-FR"/>
+              <a:t>Cliquez pour modifier les styles du texte du masque</a:t>
+            </a:r>
+          </a:p>
+          <a:p>
+            <a:pPr lvl="1"/>
+            <a:r>
+              <a:rPr lang="fr-FR"/>
+              <a:t>Deuxième niveau</a:t>
+            </a:r>
+          </a:p>
+          <a:p>
+            <a:pPr lvl="2"/>
+            <a:r>
+              <a:rPr lang="fr-FR"/>
+              <a:t>Troisième niveau</a:t>
+            </a:r>
+          </a:p>
+          <a:p>
+            <a:pPr lvl="3"/>
+            <a:r>
+              <a:rPr lang="fr-FR"/>
+              <a:t>Quatrième niveau</a:t>
+            </a:r>
+          </a:p>
+          <a:p>
+            <a:pPr lvl="4"/>
+            <a:r>
+              <a:rPr lang="fr-FR"/>
+              <a:t>Cinquième niveau</a:t>
+            </a:r>
+            <a:endParaRPr lang="es-ES"/>
+          </a:p>
+        </p:txBody>
+      </p:sp>
+      <p:sp>
+        <p:nvSpPr>
+          <p:cNvPr id="6" name="Espace réservé du pied de page 5"/>
+          <p:cNvSpPr>
+            <a:spLocks noGrp="1"/>
+          </p:cNvSpPr>
+          <p:nvPr>
+            <p:ph type="ftr" sz="quarter" idx="4"/>
+          </p:nvPr>
+        </p:nvSpPr>
+        <p:spPr>
+          <a:xfrm>
+            <a:off x="0" y="8685213"/>
+            <a:ext cx="2971800" cy="458787"/>
+          </a:xfrm>
+          <a:prstGeom prst="rect">
+            <a:avLst/>
+          </a:prstGeom>
+        </p:spPr>
+        <p:txBody>
+          <a:bodyPr vert="horz" lIns="91440" tIns="45720" rIns="91440" bIns="45720" rtlCol="0" anchor="b"/>
+          <a:lstStyle>
+            <a:lvl1pPr algn="l">
+              <a:defRPr sz="1200"/>
+            </a:lvl1pPr>
+          </a:lstStyle>
+          <a:p>
+            <a:endParaRPr lang="es-ES"/>
+          </a:p>
+        </p:txBody>
+      </p:sp>
+      <p:sp>
+        <p:nvSpPr>
+          <p:cNvPr id="7" name="Espace réservé du numéro de diapositive 6"/>
+          <p:cNvSpPr>
+            <a:spLocks noGrp="1"/>
+          </p:cNvSpPr>
+          <p:nvPr>
+            <p:ph type="sldNum" sz="quarter" idx="5"/>
+          </p:nvPr>
+        </p:nvSpPr>
+        <p:spPr>
+          <a:xfrm>
+            <a:off x="3884613" y="8685213"/>
+            <a:ext cx="2971800" cy="458787"/>
+          </a:xfrm>
+          <a:prstGeom prst="rect">
+            <a:avLst/>
+          </a:prstGeom>
+        </p:spPr>
+        <p:txBody>
+          <a:bodyPr vert="horz" lIns="91440" tIns="45720" rIns="91440" bIns="45720" rtlCol="0" anchor="b"/>
+          <a:lstStyle>
+            <a:lvl1pPr algn="r">
+              <a:defRPr sz="1200"/>
+            </a:lvl1pPr>
+          </a:lstStyle>
+          <a:p>
+            <a:fld id="{782D03F0-446A-4345-B6E3-A00DAB236EC9}" type="slidenum">
+              <a:rPr lang="es-ES" smtClean="0"/>
+              <a:t>‹N°›</a:t>
+            </a:fld>
+            <a:endParaRPr lang="es-ES"/>
+          </a:p>
+        </p:txBody>
+      </p:sp>
+    </p:spTree>
+    <p:extLst>
+      <p:ext uri="{BB962C8B-B14F-4D97-AF65-F5344CB8AC3E}">
+        <p14:creationId xmlns:p14="http://schemas.microsoft.com/office/powerpoint/2010/main" val="149356391"/>
+      </p:ext>
+    </p:extLst>
+  </p:cSld>
+  <p:clrMap bg1="lt1" tx1="dk1" bg2="lt2" tx2="dk2" accent1="accent1" accent2="accent2" accent3="accent3" accent4="accent4" accent5="accent5" accent6="accent6" hlink="hlink" folHlink="folHlink"/>
+  <p:notesStyle>
+    <a:lvl1pPr marL="0" algn="l" defTabSz="914400" rtl="0" eaLnBrk="1" latinLnBrk="0" hangingPunct="1">
+      <a:defRPr sz="1200" kern="1200">
+        <a:solidFill>
+          <a:schemeClr val="tx1"/>
+        </a:solidFill>
+        <a:latin typeface="+mn-lt"/>
+        <a:ea typeface="+mn-ea"/>
+        <a:cs typeface="+mn-cs"/>
+      </a:defRPr>
+    </a:lvl1pPr>
+    <a:lvl2pPr marL="457200" algn="l" defTabSz="914400" rtl="0" eaLnBrk="1" latinLnBrk="0" hangingPunct="1">
+      <a:defRPr sz="1200" kern="1200">
+        <a:solidFill>
+          <a:schemeClr val="tx1"/>
+        </a:solidFill>
+        <a:latin typeface="+mn-lt"/>
+        <a:ea typeface="+mn-ea"/>
+        <a:cs typeface="+mn-cs"/>
+      </a:defRPr>
+    </a:lvl2pPr>
+    <a:lvl3pPr marL="914400" algn="l" defTabSz="914400" rtl="0" eaLnBrk="1" latinLnBrk="0" hangingPunct="1">
+      <a:defRPr sz="1200" kern="1200">
+        <a:solidFill>
+          <a:schemeClr val="tx1"/>
+        </a:solidFill>
+        <a:latin typeface="+mn-lt"/>
+        <a:ea typeface="+mn-ea"/>
+        <a:cs typeface="+mn-cs"/>
+      </a:defRPr>
+    </a:lvl3pPr>
+    <a:lvl4pPr marL="1371600" algn="l" defTabSz="914400" rtl="0" eaLnBrk="1" latinLnBrk="0" hangingPunct="1">
+      <a:defRPr sz="1200" kern="1200">
+        <a:solidFill>
+          <a:schemeClr val="tx1"/>
+        </a:solidFill>
+        <a:latin typeface="+mn-lt"/>
+        <a:ea typeface="+mn-ea"/>
+        <a:cs typeface="+mn-cs"/>
+      </a:defRPr>
+    </a:lvl4pPr>
+    <a:lvl5pPr marL="1828800" algn="l" defTabSz="914400" rtl="0" eaLnBrk="1" latinLnBrk="0" hangingPunct="1">
+      <a:defRPr sz="1200" kern="1200">
+        <a:solidFill>
+          <a:schemeClr val="tx1"/>
+        </a:solidFill>
+        <a:latin typeface="+mn-lt"/>
+        <a:ea typeface="+mn-ea"/>
+        <a:cs typeface="+mn-cs"/>
+      </a:defRPr>
+    </a:lvl5pPr>
+    <a:lvl6pPr marL="2286000" algn="l" defTabSz="914400" rtl="0" eaLnBrk="1" latinLnBrk="0" hangingPunct="1">
+      <a:defRPr sz="1200" kern="1200">
+        <a:solidFill>
+          <a:schemeClr val="tx1"/>
+        </a:solidFill>
+        <a:latin typeface="+mn-lt"/>
+        <a:ea typeface="+mn-ea"/>
+        <a:cs typeface="+mn-cs"/>
+      </a:defRPr>
+    </a:lvl6pPr>
+    <a:lvl7pPr marL="2743200" algn="l" defTabSz="914400" rtl="0" eaLnBrk="1" latinLnBrk="0" hangingPunct="1">
+      <a:defRPr sz="1200" kern="1200">
+        <a:solidFill>
+          <a:schemeClr val="tx1"/>
+        </a:solidFill>
+        <a:latin typeface="+mn-lt"/>
+        <a:ea typeface="+mn-ea"/>
+        <a:cs typeface="+mn-cs"/>
+      </a:defRPr>
+    </a:lvl7pPr>
+    <a:lvl8pPr marL="3200400" algn="l" defTabSz="914400" rtl="0" eaLnBrk="1" latinLnBrk="0" hangingPunct="1">
+      <a:defRPr sz="1200" kern="1200">
+        <a:solidFill>
+          <a:schemeClr val="tx1"/>
+        </a:solidFill>
+        <a:latin typeface="+mn-lt"/>
+        <a:ea typeface="+mn-ea"/>
+        <a:cs typeface="+mn-cs"/>
+      </a:defRPr>
+    </a:lvl8pPr>
+    <a:lvl9pPr marL="3657600" algn="l" defTabSz="914400" rtl="0" eaLnBrk="1" latinLnBrk="0" hangingPunct="1">
+      <a:defRPr sz="1200" kern="1200">
+        <a:solidFill>
+          <a:schemeClr val="tx1"/>
+        </a:solidFill>
+        <a:latin typeface="+mn-lt"/>
+        <a:ea typeface="+mn-ea"/>
+        <a:cs typeface="+mn-cs"/>
+      </a:defRPr>
+    </a:lvl9pPr>
+  </p:notesStyle>
+</p:notesMaster>
+</file>
+
+<file path=ppt/notesSlides/notesSlide1.xml><?xml version="1.0" encoding="utf-8"?>
+<p:notes xmlns:a="http://schemas.openxmlformats.org/drawingml/2006/main" xmlns:r="http://schemas.openxmlformats.org/officeDocument/2006/relationships" xmlns:p="http://schemas.openxmlformats.org/presentationml/2006/main">
+  <p:cSld>
+    <p:spTree>
+      <p:nvGrpSpPr>
+        <p:cNvPr id="1" name=""/>
+        <p:cNvGrpSpPr/>
+        <p:nvPr/>
+      </p:nvGrpSpPr>
+      <p:grpSpPr>
+        <a:xfrm>
+          <a:off x="0" y="0"/>
+          <a:ext cx="0" cy="0"/>
+          <a:chOff x="0" y="0"/>
+          <a:chExt cx="0" cy="0"/>
+        </a:xfrm>
+      </p:grpSpPr>
+      <p:sp>
+        <p:nvSpPr>
+          <p:cNvPr id="2" name="Espace réservé de l'image des diapositives 1"/>
+          <p:cNvSpPr>
+            <a:spLocks noGrp="1" noRot="1" noChangeAspect="1"/>
+          </p:cNvSpPr>
+          <p:nvPr>
+            <p:ph type="sldImg"/>
+          </p:nvPr>
+        </p:nvSpPr>
+        <p:spPr/>
+      </p:sp>
+      <p:sp>
+        <p:nvSpPr>
+          <p:cNvPr id="3" name="Espace réservé des notes 2"/>
+          <p:cNvSpPr>
+            <a:spLocks noGrp="1"/>
+          </p:cNvSpPr>
+          <p:nvPr>
+            <p:ph type="body" idx="1"/>
+          </p:nvPr>
+        </p:nvSpPr>
+        <p:spPr/>
+        <p:txBody>
+          <a:bodyPr/>
+          <a:lstStyle/>
+          <a:p>
+            <a:endParaRPr lang="es-ES"/>
+          </a:p>
+        </p:txBody>
+      </p:sp>
+      <p:sp>
+        <p:nvSpPr>
+          <p:cNvPr id="4" name="Espace réservé du numéro de diapositive 3"/>
+          <p:cNvSpPr>
+            <a:spLocks noGrp="1"/>
+          </p:cNvSpPr>
+          <p:nvPr>
+            <p:ph type="sldNum" sz="quarter" idx="5"/>
+          </p:nvPr>
+        </p:nvSpPr>
+        <p:spPr/>
+        <p:txBody>
+          <a:bodyPr/>
+          <a:lstStyle/>
+          <a:p>
+            <a:fld id="{782D03F0-446A-4345-B6E3-A00DAB236EC9}" type="slidenum">
+              <a:rPr lang="es-ES" smtClean="0"/>
+              <a:t>1</a:t>
+            </a:fld>
+            <a:endParaRPr lang="es-ES"/>
+          </a:p>
+        </p:txBody>
+      </p:sp>
+    </p:spTree>
+    <p:extLst>
+      <p:ext uri="{BB962C8B-B14F-4D97-AF65-F5344CB8AC3E}">
+        <p14:creationId xmlns:p14="http://schemas.microsoft.com/office/powerpoint/2010/main" val="661130875"/>
+      </p:ext>
+    </p:extLst>
+  </p:cSld>
+  <p:clrMapOvr>
+    <a:masterClrMapping/>
+  </p:clrMapOvr>
+</p:notes>
+</file>
+
+<file path=ppt/notesSlides/notesSlide10.xml><?xml version="1.0" encoding="utf-8"?>
+<p:notes xmlns:a="http://schemas.openxmlformats.org/drawingml/2006/main" xmlns:r="http://schemas.openxmlformats.org/officeDocument/2006/relationships" xmlns:p="http://schemas.openxmlformats.org/presentationml/2006/main">
+  <p:cSld>
+    <p:spTree>
+      <p:nvGrpSpPr>
+        <p:cNvPr id="1" name=""/>
+        <p:cNvGrpSpPr/>
+        <p:nvPr/>
+      </p:nvGrpSpPr>
+      <p:grpSpPr>
+        <a:xfrm>
+          <a:off x="0" y="0"/>
+          <a:ext cx="0" cy="0"/>
+          <a:chOff x="0" y="0"/>
+          <a:chExt cx="0" cy="0"/>
+        </a:xfrm>
+      </p:grpSpPr>
+      <p:sp>
+        <p:nvSpPr>
+          <p:cNvPr id="2" name="Espace réservé de l'image des diapositives 1"/>
+          <p:cNvSpPr>
+            <a:spLocks noGrp="1" noRot="1" noChangeAspect="1"/>
+          </p:cNvSpPr>
+          <p:nvPr>
+            <p:ph type="sldImg"/>
+          </p:nvPr>
+        </p:nvSpPr>
+        <p:spPr/>
+      </p:sp>
+      <p:sp>
+        <p:nvSpPr>
+          <p:cNvPr id="3" name="Espace réservé des notes 2"/>
+          <p:cNvSpPr>
+            <a:spLocks noGrp="1"/>
+          </p:cNvSpPr>
+          <p:nvPr>
+            <p:ph type="body" idx="1"/>
+          </p:nvPr>
+        </p:nvSpPr>
+        <p:spPr/>
+        <p:txBody>
+          <a:bodyPr/>
+          <a:lstStyle/>
+          <a:p>
+            <a:endParaRPr lang="es-ES"/>
+          </a:p>
+        </p:txBody>
+      </p:sp>
+      <p:sp>
+        <p:nvSpPr>
+          <p:cNvPr id="4" name="Espace réservé du numéro de diapositive 3"/>
+          <p:cNvSpPr>
+            <a:spLocks noGrp="1"/>
+          </p:cNvSpPr>
+          <p:nvPr>
+            <p:ph type="sldNum" sz="quarter" idx="5"/>
+          </p:nvPr>
+        </p:nvSpPr>
+        <p:spPr/>
+        <p:txBody>
+          <a:bodyPr/>
+          <a:lstStyle/>
+          <a:p>
+            <a:fld id="{782D03F0-446A-4345-B6E3-A00DAB236EC9}" type="slidenum">
+              <a:rPr lang="es-ES" smtClean="0"/>
+              <a:t>10</a:t>
+            </a:fld>
+            <a:endParaRPr lang="es-ES"/>
+          </a:p>
+        </p:txBody>
+      </p:sp>
+    </p:spTree>
+    <p:extLst>
+      <p:ext uri="{BB962C8B-B14F-4D97-AF65-F5344CB8AC3E}">
+        <p14:creationId xmlns:p14="http://schemas.microsoft.com/office/powerpoint/2010/main" val="2103945557"/>
+      </p:ext>
+    </p:extLst>
+  </p:cSld>
+  <p:clrMapOvr>
+    <a:masterClrMapping/>
+  </p:clrMapOvr>
+</p:notes>
+</file>
+
+<file path=ppt/notesSlides/notesSlide11.xml><?xml version="1.0" encoding="utf-8"?>
+<p:notes xmlns:a="http://schemas.openxmlformats.org/drawingml/2006/main" xmlns:r="http://schemas.openxmlformats.org/officeDocument/2006/relationships" xmlns:p="http://schemas.openxmlformats.org/presentationml/2006/main">
+  <p:cSld>
+    <p:spTree>
+      <p:nvGrpSpPr>
+        <p:cNvPr id="1" name=""/>
+        <p:cNvGrpSpPr/>
+        <p:nvPr/>
+      </p:nvGrpSpPr>
+      <p:grpSpPr>
+        <a:xfrm>
+          <a:off x="0" y="0"/>
+          <a:ext cx="0" cy="0"/>
+          <a:chOff x="0" y="0"/>
+          <a:chExt cx="0" cy="0"/>
+        </a:xfrm>
+      </p:grpSpPr>
+      <p:sp>
+        <p:nvSpPr>
+          <p:cNvPr id="2" name="Espace réservé de l'image des diapositives 1"/>
+          <p:cNvSpPr>
+            <a:spLocks noGrp="1" noRot="1" noChangeAspect="1"/>
+          </p:cNvSpPr>
+          <p:nvPr>
+            <p:ph type="sldImg"/>
+          </p:nvPr>
+        </p:nvSpPr>
+        <p:spPr/>
+      </p:sp>
+      <p:sp>
+        <p:nvSpPr>
+          <p:cNvPr id="3" name="Espace réservé des notes 2"/>
+          <p:cNvSpPr>
+            <a:spLocks noGrp="1"/>
+          </p:cNvSpPr>
+          <p:nvPr>
+            <p:ph type="body" idx="1"/>
+          </p:nvPr>
+        </p:nvSpPr>
+        <p:spPr/>
+        <p:txBody>
+          <a:bodyPr/>
+          <a:lstStyle/>
+          <a:p>
+            <a:endParaRPr lang="es-ES"/>
+          </a:p>
+        </p:txBody>
+      </p:sp>
+      <p:sp>
+        <p:nvSpPr>
+          <p:cNvPr id="4" name="Espace réservé du numéro de diapositive 3"/>
+          <p:cNvSpPr>
+            <a:spLocks noGrp="1"/>
+          </p:cNvSpPr>
+          <p:nvPr>
+            <p:ph type="sldNum" sz="quarter" idx="5"/>
+          </p:nvPr>
+        </p:nvSpPr>
+        <p:spPr/>
+        <p:txBody>
+          <a:bodyPr/>
+          <a:lstStyle/>
+          <a:p>
+            <a:fld id="{782D03F0-446A-4345-B6E3-A00DAB236EC9}" type="slidenum">
+              <a:rPr lang="es-ES" smtClean="0"/>
+              <a:t>11</a:t>
+            </a:fld>
+            <a:endParaRPr lang="es-ES"/>
+          </a:p>
+        </p:txBody>
+      </p:sp>
+    </p:spTree>
+    <p:extLst>
+      <p:ext uri="{BB962C8B-B14F-4D97-AF65-F5344CB8AC3E}">
+        <p14:creationId xmlns:p14="http://schemas.microsoft.com/office/powerpoint/2010/main" val="401886020"/>
+      </p:ext>
+    </p:extLst>
+  </p:cSld>
+  <p:clrMapOvr>
+    <a:masterClrMapping/>
+  </p:clrMapOvr>
+</p:notes>
+</file>
+
+<file path=ppt/notesSlides/notesSlide2.xml><?xml version="1.0" encoding="utf-8"?>
+<p:notes xmlns:a="http://schemas.openxmlformats.org/drawingml/2006/main" xmlns:r="http://schemas.openxmlformats.org/officeDocument/2006/relationships" xmlns:p="http://schemas.openxmlformats.org/presentationml/2006/main">
+  <p:cSld>
+    <p:spTree>
+      <p:nvGrpSpPr>
+        <p:cNvPr id="1" name=""/>
+        <p:cNvGrpSpPr/>
+        <p:nvPr/>
+      </p:nvGrpSpPr>
+      <p:grpSpPr>
+        <a:xfrm>
+          <a:off x="0" y="0"/>
+          <a:ext cx="0" cy="0"/>
+          <a:chOff x="0" y="0"/>
+          <a:chExt cx="0" cy="0"/>
+        </a:xfrm>
+      </p:grpSpPr>
+      <p:sp>
+        <p:nvSpPr>
+          <p:cNvPr id="2" name="Espace réservé de l'image des diapositives 1"/>
+          <p:cNvSpPr>
+            <a:spLocks noGrp="1" noRot="1" noChangeAspect="1"/>
+          </p:cNvSpPr>
+          <p:nvPr>
+            <p:ph type="sldImg"/>
+          </p:nvPr>
+        </p:nvSpPr>
+        <p:spPr/>
+      </p:sp>
+      <p:sp>
+        <p:nvSpPr>
+          <p:cNvPr id="3" name="Espace réservé des notes 2"/>
+          <p:cNvSpPr>
+            <a:spLocks noGrp="1"/>
+          </p:cNvSpPr>
+          <p:nvPr>
+            <p:ph type="body" idx="1"/>
+          </p:nvPr>
+        </p:nvSpPr>
+        <p:spPr/>
+        <p:txBody>
+          <a:bodyPr/>
+          <a:lstStyle/>
+          <a:p>
+            <a:endParaRPr lang="es-ES"/>
+          </a:p>
+        </p:txBody>
+      </p:sp>
+      <p:sp>
+        <p:nvSpPr>
+          <p:cNvPr id="4" name="Espace réservé du numéro de diapositive 3"/>
+          <p:cNvSpPr>
+            <a:spLocks noGrp="1"/>
+          </p:cNvSpPr>
+          <p:nvPr>
+            <p:ph type="sldNum" sz="quarter" idx="5"/>
+          </p:nvPr>
+        </p:nvSpPr>
+        <p:spPr/>
+        <p:txBody>
+          <a:bodyPr/>
+          <a:lstStyle/>
+          <a:p>
+            <a:fld id="{782D03F0-446A-4345-B6E3-A00DAB236EC9}" type="slidenum">
+              <a:rPr lang="es-ES" smtClean="0"/>
+              <a:t>2</a:t>
+            </a:fld>
+            <a:endParaRPr lang="es-ES"/>
+          </a:p>
+        </p:txBody>
+      </p:sp>
+    </p:spTree>
+    <p:extLst>
+      <p:ext uri="{BB962C8B-B14F-4D97-AF65-F5344CB8AC3E}">
+        <p14:creationId xmlns:p14="http://schemas.microsoft.com/office/powerpoint/2010/main" val="2134260393"/>
+      </p:ext>
+    </p:extLst>
+  </p:cSld>
+  <p:clrMapOvr>
+    <a:masterClrMapping/>
+  </p:clrMapOvr>
+</p:notes>
+</file>
+
+<file path=ppt/notesSlides/notesSlide3.xml><?xml version="1.0" encoding="utf-8"?>
+<p:notes xmlns:a="http://schemas.openxmlformats.org/drawingml/2006/main" xmlns:r="http://schemas.openxmlformats.org/officeDocument/2006/relationships" xmlns:p="http://schemas.openxmlformats.org/presentationml/2006/main">
+  <p:cSld>
+    <p:spTree>
+      <p:nvGrpSpPr>
+        <p:cNvPr id="1" name=""/>
+        <p:cNvGrpSpPr/>
+        <p:nvPr/>
+      </p:nvGrpSpPr>
+      <p:grpSpPr>
+        <a:xfrm>
+          <a:off x="0" y="0"/>
+          <a:ext cx="0" cy="0"/>
+          <a:chOff x="0" y="0"/>
+          <a:chExt cx="0" cy="0"/>
+        </a:xfrm>
+      </p:grpSpPr>
+      <p:sp>
+        <p:nvSpPr>
+          <p:cNvPr id="2" name="Espace réservé de l'image des diapositives 1"/>
+          <p:cNvSpPr>
+            <a:spLocks noGrp="1" noRot="1" noChangeAspect="1"/>
+          </p:cNvSpPr>
+          <p:nvPr>
+            <p:ph type="sldImg"/>
+          </p:nvPr>
+        </p:nvSpPr>
+        <p:spPr/>
+      </p:sp>
+      <p:sp>
+        <p:nvSpPr>
+          <p:cNvPr id="3" name="Espace réservé des notes 2"/>
+          <p:cNvSpPr>
+            <a:spLocks noGrp="1"/>
+          </p:cNvSpPr>
+          <p:nvPr>
+            <p:ph type="body" idx="1"/>
+          </p:nvPr>
+        </p:nvSpPr>
+        <p:spPr/>
+        <p:txBody>
+          <a:bodyPr/>
+          <a:lstStyle/>
+          <a:p>
+            <a:endParaRPr lang="es-ES"/>
+          </a:p>
+        </p:txBody>
+      </p:sp>
+      <p:sp>
+        <p:nvSpPr>
+          <p:cNvPr id="4" name="Espace réservé du numéro de diapositive 3"/>
+          <p:cNvSpPr>
+            <a:spLocks noGrp="1"/>
+          </p:cNvSpPr>
+          <p:nvPr>
+            <p:ph type="sldNum" sz="quarter" idx="5"/>
+          </p:nvPr>
+        </p:nvSpPr>
+        <p:spPr/>
+        <p:txBody>
+          <a:bodyPr/>
+          <a:lstStyle/>
+          <a:p>
+            <a:fld id="{782D03F0-446A-4345-B6E3-A00DAB236EC9}" type="slidenum">
+              <a:rPr lang="es-ES" smtClean="0"/>
+              <a:t>3</a:t>
+            </a:fld>
+            <a:endParaRPr lang="es-ES"/>
+          </a:p>
+        </p:txBody>
+      </p:sp>
+    </p:spTree>
+    <p:extLst>
+      <p:ext uri="{BB962C8B-B14F-4D97-AF65-F5344CB8AC3E}">
+        <p14:creationId xmlns:p14="http://schemas.microsoft.com/office/powerpoint/2010/main" val="3533463557"/>
+      </p:ext>
+    </p:extLst>
+  </p:cSld>
+  <p:clrMapOvr>
+    <a:masterClrMapping/>
+  </p:clrMapOvr>
+</p:notes>
+</file>
+
+<file path=ppt/notesSlides/notesSlide4.xml><?xml version="1.0" encoding="utf-8"?>
+<p:notes xmlns:a="http://schemas.openxmlformats.org/drawingml/2006/main" xmlns:r="http://schemas.openxmlformats.org/officeDocument/2006/relationships" xmlns:p="http://schemas.openxmlformats.org/presentationml/2006/main">
+  <p:cSld>
+    <p:spTree>
+      <p:nvGrpSpPr>
+        <p:cNvPr id="1" name=""/>
+        <p:cNvGrpSpPr/>
+        <p:nvPr/>
+      </p:nvGrpSpPr>
+      <p:grpSpPr>
+        <a:xfrm>
+          <a:off x="0" y="0"/>
+          <a:ext cx="0" cy="0"/>
+          <a:chOff x="0" y="0"/>
+          <a:chExt cx="0" cy="0"/>
+        </a:xfrm>
+      </p:grpSpPr>
+      <p:sp>
+        <p:nvSpPr>
+          <p:cNvPr id="2" name="Espace réservé de l'image des diapositives 1"/>
+          <p:cNvSpPr>
+            <a:spLocks noGrp="1" noRot="1" noChangeAspect="1"/>
+          </p:cNvSpPr>
+          <p:nvPr>
+            <p:ph type="sldImg"/>
+          </p:nvPr>
+        </p:nvSpPr>
+        <p:spPr/>
+      </p:sp>
+      <p:sp>
+        <p:nvSpPr>
+          <p:cNvPr id="3" name="Espace réservé des notes 2"/>
+          <p:cNvSpPr>
+            <a:spLocks noGrp="1"/>
+          </p:cNvSpPr>
+          <p:nvPr>
+            <p:ph type="body" idx="1"/>
+          </p:nvPr>
+        </p:nvSpPr>
+        <p:spPr/>
+        <p:txBody>
+          <a:bodyPr/>
+          <a:lstStyle/>
+          <a:p>
+            <a:endParaRPr lang="es-ES"/>
+          </a:p>
+        </p:txBody>
+      </p:sp>
+      <p:sp>
+        <p:nvSpPr>
+          <p:cNvPr id="4" name="Espace réservé du numéro de diapositive 3"/>
+          <p:cNvSpPr>
+            <a:spLocks noGrp="1"/>
+          </p:cNvSpPr>
+          <p:nvPr>
+            <p:ph type="sldNum" sz="quarter" idx="5"/>
+          </p:nvPr>
+        </p:nvSpPr>
+        <p:spPr/>
+        <p:txBody>
+          <a:bodyPr/>
+          <a:lstStyle/>
+          <a:p>
+            <a:fld id="{782D03F0-446A-4345-B6E3-A00DAB236EC9}" type="slidenum">
+              <a:rPr lang="es-ES" smtClean="0"/>
+              <a:t>4</a:t>
+            </a:fld>
+            <a:endParaRPr lang="es-ES"/>
+          </a:p>
+        </p:txBody>
+      </p:sp>
+    </p:spTree>
+    <p:extLst>
+      <p:ext uri="{BB962C8B-B14F-4D97-AF65-F5344CB8AC3E}">
+        <p14:creationId xmlns:p14="http://schemas.microsoft.com/office/powerpoint/2010/main" val="2545108792"/>
+      </p:ext>
+    </p:extLst>
+  </p:cSld>
+  <p:clrMapOvr>
+    <a:masterClrMapping/>
+  </p:clrMapOvr>
+</p:notes>
+</file>
+
+<file path=ppt/notesSlides/notesSlide5.xml><?xml version="1.0" encoding="utf-8"?>
+<p:notes xmlns:a="http://schemas.openxmlformats.org/drawingml/2006/main" xmlns:r="http://schemas.openxmlformats.org/officeDocument/2006/relationships" xmlns:p="http://schemas.openxmlformats.org/presentationml/2006/main">
+  <p:cSld>
+    <p:spTree>
+      <p:nvGrpSpPr>
+        <p:cNvPr id="1" name=""/>
+        <p:cNvGrpSpPr/>
+        <p:nvPr/>
+      </p:nvGrpSpPr>
+      <p:grpSpPr>
+        <a:xfrm>
+          <a:off x="0" y="0"/>
+          <a:ext cx="0" cy="0"/>
+          <a:chOff x="0" y="0"/>
+          <a:chExt cx="0" cy="0"/>
+        </a:xfrm>
+      </p:grpSpPr>
+      <p:sp>
+        <p:nvSpPr>
+          <p:cNvPr id="2" name="Espace réservé de l'image des diapositives 1"/>
+          <p:cNvSpPr>
+            <a:spLocks noGrp="1" noRot="1" noChangeAspect="1"/>
+          </p:cNvSpPr>
+          <p:nvPr>
+            <p:ph type="sldImg"/>
+          </p:nvPr>
+        </p:nvSpPr>
+        <p:spPr/>
+      </p:sp>
+      <p:sp>
+        <p:nvSpPr>
+          <p:cNvPr id="3" name="Espace réservé des notes 2"/>
+          <p:cNvSpPr>
+            <a:spLocks noGrp="1"/>
+          </p:cNvSpPr>
+          <p:nvPr>
+            <p:ph type="body" idx="1"/>
+          </p:nvPr>
+        </p:nvSpPr>
+        <p:spPr/>
+        <p:txBody>
+          <a:bodyPr/>
+          <a:lstStyle/>
+          <a:p>
+            <a:endParaRPr lang="es-ES"/>
+          </a:p>
+        </p:txBody>
+      </p:sp>
+      <p:sp>
+        <p:nvSpPr>
+          <p:cNvPr id="4" name="Espace réservé du numéro de diapositive 3"/>
+          <p:cNvSpPr>
+            <a:spLocks noGrp="1"/>
+          </p:cNvSpPr>
+          <p:nvPr>
+            <p:ph type="sldNum" sz="quarter" idx="5"/>
+          </p:nvPr>
+        </p:nvSpPr>
+        <p:spPr/>
+        <p:txBody>
+          <a:bodyPr/>
+          <a:lstStyle/>
+          <a:p>
+            <a:fld id="{782D03F0-446A-4345-B6E3-A00DAB236EC9}" type="slidenum">
+              <a:rPr lang="es-ES" smtClean="0"/>
+              <a:t>5</a:t>
+            </a:fld>
+            <a:endParaRPr lang="es-ES"/>
+          </a:p>
+        </p:txBody>
+      </p:sp>
+    </p:spTree>
+    <p:extLst>
+      <p:ext uri="{BB962C8B-B14F-4D97-AF65-F5344CB8AC3E}">
+        <p14:creationId xmlns:p14="http://schemas.microsoft.com/office/powerpoint/2010/main" val="81712193"/>
+      </p:ext>
+    </p:extLst>
+  </p:cSld>
+  <p:clrMapOvr>
+    <a:masterClrMapping/>
+  </p:clrMapOvr>
+</p:notes>
+</file>
+
+<file path=ppt/notesSlides/notesSlide6.xml><?xml version="1.0" encoding="utf-8"?>
+<p:notes xmlns:a="http://schemas.openxmlformats.org/drawingml/2006/main" xmlns:r="http://schemas.openxmlformats.org/officeDocument/2006/relationships" xmlns:p="http://schemas.openxmlformats.org/presentationml/2006/main">
+  <p:cSld>
+    <p:spTree>
+      <p:nvGrpSpPr>
+        <p:cNvPr id="1" name=""/>
+        <p:cNvGrpSpPr/>
+        <p:nvPr/>
+      </p:nvGrpSpPr>
+      <p:grpSpPr>
+        <a:xfrm>
+          <a:off x="0" y="0"/>
+          <a:ext cx="0" cy="0"/>
+          <a:chOff x="0" y="0"/>
+          <a:chExt cx="0" cy="0"/>
+        </a:xfrm>
+      </p:grpSpPr>
+      <p:sp>
+        <p:nvSpPr>
+          <p:cNvPr id="2" name="Espace réservé de l'image des diapositives 1"/>
+          <p:cNvSpPr>
+            <a:spLocks noGrp="1" noRot="1" noChangeAspect="1"/>
+          </p:cNvSpPr>
+          <p:nvPr>
+            <p:ph type="sldImg"/>
+          </p:nvPr>
+        </p:nvSpPr>
+        <p:spPr/>
+      </p:sp>
+      <p:sp>
+        <p:nvSpPr>
+          <p:cNvPr id="3" name="Espace réservé des notes 2"/>
+          <p:cNvSpPr>
+            <a:spLocks noGrp="1"/>
+          </p:cNvSpPr>
+          <p:nvPr>
+            <p:ph type="body" idx="1"/>
+          </p:nvPr>
+        </p:nvSpPr>
+        <p:spPr/>
+        <p:txBody>
+          <a:bodyPr/>
+          <a:lstStyle/>
+          <a:p>
+            <a:r>
+              <a:rPr lang="en-US" dirty="0"/>
+              <a:t>User stories</a:t>
+            </a:r>
+            <a:endParaRPr lang="es-ES" dirty="0"/>
+          </a:p>
+        </p:txBody>
+      </p:sp>
+      <p:sp>
+        <p:nvSpPr>
+          <p:cNvPr id="4" name="Espace réservé du numéro de diapositive 3"/>
+          <p:cNvSpPr>
+            <a:spLocks noGrp="1"/>
+          </p:cNvSpPr>
+          <p:nvPr>
+            <p:ph type="sldNum" sz="quarter" idx="5"/>
+          </p:nvPr>
+        </p:nvSpPr>
+        <p:spPr/>
+        <p:txBody>
+          <a:bodyPr/>
+          <a:lstStyle/>
+          <a:p>
+            <a:fld id="{782D03F0-446A-4345-B6E3-A00DAB236EC9}" type="slidenum">
+              <a:rPr lang="es-ES" smtClean="0"/>
+              <a:t>6</a:t>
+            </a:fld>
+            <a:endParaRPr lang="es-ES"/>
+          </a:p>
+        </p:txBody>
+      </p:sp>
+    </p:spTree>
+    <p:extLst>
+      <p:ext uri="{BB962C8B-B14F-4D97-AF65-F5344CB8AC3E}">
+        <p14:creationId xmlns:p14="http://schemas.microsoft.com/office/powerpoint/2010/main" val="2745484725"/>
+      </p:ext>
+    </p:extLst>
+  </p:cSld>
+  <p:clrMapOvr>
+    <a:masterClrMapping/>
+  </p:clrMapOvr>
+</p:notes>
+</file>
+
+<file path=ppt/notesSlides/notesSlide7.xml><?xml version="1.0" encoding="utf-8"?>
+<p:notes xmlns:a="http://schemas.openxmlformats.org/drawingml/2006/main" xmlns:r="http://schemas.openxmlformats.org/officeDocument/2006/relationships" xmlns:p="http://schemas.openxmlformats.org/presentationml/2006/main">
+  <p:cSld>
+    <p:spTree>
+      <p:nvGrpSpPr>
+        <p:cNvPr id="1" name=""/>
+        <p:cNvGrpSpPr/>
+        <p:nvPr/>
+      </p:nvGrpSpPr>
+      <p:grpSpPr>
+        <a:xfrm>
+          <a:off x="0" y="0"/>
+          <a:ext cx="0" cy="0"/>
+          <a:chOff x="0" y="0"/>
+          <a:chExt cx="0" cy="0"/>
+        </a:xfrm>
+      </p:grpSpPr>
+      <p:sp>
+        <p:nvSpPr>
+          <p:cNvPr id="2" name="Espace réservé de l'image des diapositives 1"/>
+          <p:cNvSpPr>
+            <a:spLocks noGrp="1" noRot="1" noChangeAspect="1"/>
+          </p:cNvSpPr>
+          <p:nvPr>
+            <p:ph type="sldImg"/>
+          </p:nvPr>
+        </p:nvSpPr>
+        <p:spPr/>
+      </p:sp>
+      <p:sp>
+        <p:nvSpPr>
+          <p:cNvPr id="3" name="Espace réservé des notes 2"/>
+          <p:cNvSpPr>
+            <a:spLocks noGrp="1"/>
+          </p:cNvSpPr>
+          <p:nvPr>
+            <p:ph type="body" idx="1"/>
+          </p:nvPr>
+        </p:nvSpPr>
+        <p:spPr/>
+        <p:txBody>
+          <a:bodyPr/>
+          <a:lstStyle/>
+          <a:p>
+            <a:r>
+              <a:rPr lang="en-US" dirty="0"/>
+              <a:t>KANBAN ! (</a:t>
+            </a:r>
+            <a:r>
+              <a:rPr lang="en-US" dirty="0" err="1"/>
+              <a:t>valeur</a:t>
+            </a:r>
+            <a:r>
+              <a:rPr lang="en-US" dirty="0"/>
+              <a:t> métier)</a:t>
+            </a:r>
+            <a:endParaRPr lang="es-ES" dirty="0"/>
+          </a:p>
+        </p:txBody>
+      </p:sp>
+      <p:sp>
+        <p:nvSpPr>
+          <p:cNvPr id="4" name="Espace réservé du numéro de diapositive 3"/>
+          <p:cNvSpPr>
+            <a:spLocks noGrp="1"/>
+          </p:cNvSpPr>
+          <p:nvPr>
+            <p:ph type="sldNum" sz="quarter" idx="5"/>
+          </p:nvPr>
+        </p:nvSpPr>
+        <p:spPr/>
+        <p:txBody>
+          <a:bodyPr/>
+          <a:lstStyle/>
+          <a:p>
+            <a:fld id="{782D03F0-446A-4345-B6E3-A00DAB236EC9}" type="slidenum">
+              <a:rPr lang="es-ES" smtClean="0"/>
+              <a:t>7</a:t>
+            </a:fld>
+            <a:endParaRPr lang="es-ES"/>
+          </a:p>
+        </p:txBody>
+      </p:sp>
+    </p:spTree>
+    <p:extLst>
+      <p:ext uri="{BB962C8B-B14F-4D97-AF65-F5344CB8AC3E}">
+        <p14:creationId xmlns:p14="http://schemas.microsoft.com/office/powerpoint/2010/main" val="1416939245"/>
+      </p:ext>
+    </p:extLst>
+  </p:cSld>
+  <p:clrMapOvr>
+    <a:masterClrMapping/>
+  </p:clrMapOvr>
+</p:notes>
+</file>
+
+<file path=ppt/notesSlides/notesSlide8.xml><?xml version="1.0" encoding="utf-8"?>
+<p:notes xmlns:a="http://schemas.openxmlformats.org/drawingml/2006/main" xmlns:r="http://schemas.openxmlformats.org/officeDocument/2006/relationships" xmlns:p="http://schemas.openxmlformats.org/presentationml/2006/main">
+  <p:cSld>
+    <p:spTree>
+      <p:nvGrpSpPr>
+        <p:cNvPr id="1" name=""/>
+        <p:cNvGrpSpPr/>
+        <p:nvPr/>
+      </p:nvGrpSpPr>
+      <p:grpSpPr>
+        <a:xfrm>
+          <a:off x="0" y="0"/>
+          <a:ext cx="0" cy="0"/>
+          <a:chOff x="0" y="0"/>
+          <a:chExt cx="0" cy="0"/>
+        </a:xfrm>
+      </p:grpSpPr>
+      <p:sp>
+        <p:nvSpPr>
+          <p:cNvPr id="2" name="Espace réservé de l'image des diapositives 1"/>
+          <p:cNvSpPr>
+            <a:spLocks noGrp="1" noRot="1" noChangeAspect="1"/>
+          </p:cNvSpPr>
+          <p:nvPr>
+            <p:ph type="sldImg"/>
+          </p:nvPr>
+        </p:nvSpPr>
+        <p:spPr/>
+      </p:sp>
+      <p:sp>
+        <p:nvSpPr>
+          <p:cNvPr id="3" name="Espace réservé des notes 2"/>
+          <p:cNvSpPr>
+            <a:spLocks noGrp="1"/>
+          </p:cNvSpPr>
+          <p:nvPr>
+            <p:ph type="body" idx="1"/>
+          </p:nvPr>
+        </p:nvSpPr>
+        <p:spPr/>
+        <p:txBody>
+          <a:bodyPr/>
+          <a:lstStyle/>
+          <a:p>
+            <a:r>
+              <a:rPr lang="en-US" dirty="0" err="1"/>
+              <a:t>Vélocité</a:t>
+            </a:r>
+            <a:endParaRPr lang="es-ES" dirty="0"/>
+          </a:p>
+        </p:txBody>
+      </p:sp>
+      <p:sp>
+        <p:nvSpPr>
+          <p:cNvPr id="4" name="Espace réservé du numéro de diapositive 3"/>
+          <p:cNvSpPr>
+            <a:spLocks noGrp="1"/>
+          </p:cNvSpPr>
+          <p:nvPr>
+            <p:ph type="sldNum" sz="quarter" idx="5"/>
+          </p:nvPr>
+        </p:nvSpPr>
+        <p:spPr/>
+        <p:txBody>
+          <a:bodyPr/>
+          <a:lstStyle/>
+          <a:p>
+            <a:fld id="{782D03F0-446A-4345-B6E3-A00DAB236EC9}" type="slidenum">
+              <a:rPr lang="es-ES" smtClean="0"/>
+              <a:t>8</a:t>
+            </a:fld>
+            <a:endParaRPr lang="es-ES"/>
+          </a:p>
+        </p:txBody>
+      </p:sp>
+    </p:spTree>
+    <p:extLst>
+      <p:ext uri="{BB962C8B-B14F-4D97-AF65-F5344CB8AC3E}">
+        <p14:creationId xmlns:p14="http://schemas.microsoft.com/office/powerpoint/2010/main" val="409834703"/>
+      </p:ext>
+    </p:extLst>
+  </p:cSld>
+  <p:clrMapOvr>
+    <a:masterClrMapping/>
+  </p:clrMapOvr>
+</p:notes>
+</file>
+
+<file path=ppt/notesSlides/notesSlide9.xml><?xml version="1.0" encoding="utf-8"?>
+<p:notes xmlns:a="http://schemas.openxmlformats.org/drawingml/2006/main" xmlns:r="http://schemas.openxmlformats.org/officeDocument/2006/relationships" xmlns:p="http://schemas.openxmlformats.org/presentationml/2006/main">
+  <p:cSld>
+    <p:spTree>
+      <p:nvGrpSpPr>
+        <p:cNvPr id="1" name=""/>
+        <p:cNvGrpSpPr/>
+        <p:nvPr/>
+      </p:nvGrpSpPr>
+      <p:grpSpPr>
+        <a:xfrm>
+          <a:off x="0" y="0"/>
+          <a:ext cx="0" cy="0"/>
+          <a:chOff x="0" y="0"/>
+          <a:chExt cx="0" cy="0"/>
+        </a:xfrm>
+      </p:grpSpPr>
+      <p:sp>
+        <p:nvSpPr>
+          <p:cNvPr id="2" name="Espace réservé de l'image des diapositives 1"/>
+          <p:cNvSpPr>
+            <a:spLocks noGrp="1" noRot="1" noChangeAspect="1"/>
+          </p:cNvSpPr>
+          <p:nvPr>
+            <p:ph type="sldImg"/>
+          </p:nvPr>
+        </p:nvSpPr>
+        <p:spPr/>
+      </p:sp>
+      <p:sp>
+        <p:nvSpPr>
+          <p:cNvPr id="3" name="Espace réservé des notes 2"/>
+          <p:cNvSpPr>
+            <a:spLocks noGrp="1"/>
+          </p:cNvSpPr>
+          <p:nvPr>
+            <p:ph type="body" idx="1"/>
+          </p:nvPr>
+        </p:nvSpPr>
+        <p:spPr/>
+        <p:txBody>
+          <a:bodyPr/>
+          <a:lstStyle/>
+          <a:p>
+            <a:endParaRPr lang="es-ES"/>
+          </a:p>
+        </p:txBody>
+      </p:sp>
+      <p:sp>
+        <p:nvSpPr>
+          <p:cNvPr id="4" name="Espace réservé du numéro de diapositive 3"/>
+          <p:cNvSpPr>
+            <a:spLocks noGrp="1"/>
+          </p:cNvSpPr>
+          <p:nvPr>
+            <p:ph type="sldNum" sz="quarter" idx="5"/>
+          </p:nvPr>
+        </p:nvSpPr>
+        <p:spPr/>
+        <p:txBody>
+          <a:bodyPr/>
+          <a:lstStyle/>
+          <a:p>
+            <a:fld id="{782D03F0-446A-4345-B6E3-A00DAB236EC9}" type="slidenum">
+              <a:rPr lang="es-ES" smtClean="0"/>
+              <a:t>9</a:t>
+            </a:fld>
+            <a:endParaRPr lang="es-ES"/>
+          </a:p>
+        </p:txBody>
+      </p:sp>
+    </p:spTree>
+    <p:extLst>
+      <p:ext uri="{BB962C8B-B14F-4D97-AF65-F5344CB8AC3E}">
+        <p14:creationId xmlns:p14="http://schemas.microsoft.com/office/powerpoint/2010/main" val="4020085423"/>
+      </p:ext>
+    </p:extLst>
+  </p:cSld>
+  <p:clrMapOvr>
+    <a:masterClrMapping/>
+  </p:clrMapOvr>
+</p:notes>
+</file>
+
 <file path=ppt/slideLayouts/slideLayout1.xml><?xml version="1.0" encoding="utf-8"?>
 <p:sldLayout xmlns:a="http://schemas.openxmlformats.org/drawingml/2006/main" xmlns:r="http://schemas.openxmlformats.org/officeDocument/2006/relationships" xmlns:p="http://schemas.openxmlformats.org/presentationml/2006/main" type="title" preserve="1">
   <p:cSld name="Diapositive de titre">
@@ -2752,9 +4960,12 @@
 <p:sldMaster xmlns:a="http://schemas.openxmlformats.org/drawingml/2006/main" xmlns:r="http://schemas.openxmlformats.org/officeDocument/2006/relationships" xmlns:p="http://schemas.openxmlformats.org/presentationml/2006/main">
   <p:cSld>
     <p:bg>
-      <p:bgRef idx="1001">
-        <a:schemeClr val="bg1"/>
-      </p:bgRef>
+      <p:bgPr>
+        <a:solidFill>
+          <a:srgbClr val="FBFBFB"/>
+        </a:solidFill>
+        <a:effectLst/>
+      </p:bgPr>
     </p:bg>
     <p:spTree>
       <p:nvGrpSpPr>
@@ -3351,7 +5562,7 @@
         </p:nvSpPr>
         <p:spPr>
           <a:xfrm>
-            <a:off x="1524000" y="1418700"/>
+            <a:off x="1524000" y="2420186"/>
             <a:ext cx="9144000" cy="2387600"/>
           </a:xfrm>
         </p:spPr>
@@ -3360,7 +5571,12 @@
           <a:lstStyle/>
           <a:p>
             <a:r>
-              <a:rPr lang="fr-FR" dirty="0"/>
+              <a:rPr lang="fr-FR" b="1" dirty="0">
+                <a:solidFill>
+                  <a:srgbClr val="2157AE"/>
+                </a:solidFill>
+                <a:latin typeface="Bahnschrift SemiBold" panose="020B0502040204020203" pitchFamily="34" charset="0"/>
+              </a:rPr>
               <a:t>Projet 7map</a:t>
             </a:r>
           </a:p>
@@ -3384,56 +5600,37 @@
         </p:nvSpPr>
         <p:spPr>
           <a:xfrm>
-            <a:off x="1524000" y="3898375"/>
-            <a:ext cx="9144000" cy="1655762"/>
+            <a:off x="7141027" y="6062456"/>
+            <a:ext cx="4885509" cy="651853"/>
           </a:xfrm>
         </p:spPr>
         <p:txBody>
-          <a:bodyPr/>
+          <a:bodyPr>
+            <a:normAutofit/>
+          </a:bodyPr>
           <a:lstStyle/>
           <a:p>
-            <a:r>
-              <a:rPr lang="fr-FR" dirty="0"/>
-              <a:t>Mohamed </a:t>
-            </a:r>
-            <a:r>
-              <a:rPr lang="fr-FR" dirty="0" err="1"/>
-              <a:t>Mhand</a:t>
-            </a:r>
-            <a:r>
-              <a:rPr lang="fr-FR" dirty="0"/>
-              <a:t>, Félix Parain, Sébastien Pont, Philippe </a:t>
-            </a:r>
-            <a:r>
-              <a:rPr lang="fr-FR" dirty="0" err="1"/>
-              <a:t>Négrel</a:t>
-            </a:r>
-            <a:r>
-              <a:rPr lang="fr-FR" dirty="0"/>
-              <a:t>, Selma </a:t>
-            </a:r>
-            <a:r>
-              <a:rPr lang="fr-FR" dirty="0" err="1"/>
-              <a:t>Oujid</a:t>
-            </a:r>
-            <a:r>
-              <a:rPr lang="fr-FR" dirty="0"/>
-              <a:t>, Hamid </a:t>
-            </a:r>
-            <a:r>
-              <a:rPr lang="fr-FR" dirty="0" err="1"/>
-              <a:t>Oukhini</a:t>
-            </a:r>
-            <a:endParaRPr lang="fr-FR" dirty="0"/>
+            <a:pPr algn="r"/>
+            <a:r>
+              <a:rPr lang="fr-FR" sz="1800" i="1" dirty="0">
+                <a:solidFill>
+                  <a:schemeClr val="tx1">
+                    <a:lumMod val="65000"/>
+                    <a:lumOff val="35000"/>
+                  </a:schemeClr>
+                </a:solidFill>
+              </a:rPr>
+              <a:t>Mohamed MHAND, Félix PARAIN, Sébastien PONT, Philippe NEGREL, Selma OUJID, Hamid OUKHNINI</a:t>
+            </a:r>
           </a:p>
         </p:txBody>
       </p:sp>
       <p:pic>
         <p:nvPicPr>
-          <p:cNvPr id="4" name="Image 3">
-            <a:extLst>
-              <a:ext uri="{FF2B5EF4-FFF2-40B4-BE49-F238E27FC236}">
-                <a16:creationId xmlns:a16="http://schemas.microsoft.com/office/drawing/2014/main" id="{FD08BBD9-F976-46EB-A92B-51639372A88B}"/>
+          <p:cNvPr id="8" name="Image 7">
+            <a:extLst>
+              <a:ext uri="{FF2B5EF4-FFF2-40B4-BE49-F238E27FC236}">
+                <a16:creationId xmlns:a16="http://schemas.microsoft.com/office/drawing/2014/main" id="{8C79CF84-D011-4A8B-80ED-D9DD6D67C189}"/>
               </a:ext>
             </a:extLst>
           </p:cNvPr>
@@ -3443,7 +5640,7 @@
           <p:nvPr/>
         </p:nvPicPr>
         <p:blipFill>
-          <a:blip r:embed="rId2">
+          <a:blip r:embed="rId4">
             <a:extLst>
               <a:ext uri="{28A0092B-C50C-407E-A947-70E740481C1C}">
                 <a14:useLocalDpi xmlns:a14="http://schemas.microsoft.com/office/drawing/2010/main" val="0"/>
@@ -3456,8 +5653,8 @@
         </p:blipFill>
         <p:spPr>
           <a:xfrm>
-            <a:off x="4707466" y="30166"/>
-            <a:ext cx="2777067" cy="2777067"/>
+            <a:off x="4529546" y="498566"/>
+            <a:ext cx="3132908" cy="3132908"/>
           </a:xfrm>
           <a:prstGeom prst="rect">
             <a:avLst/>
@@ -3465,9 +5662,319 @@
         </p:spPr>
       </p:pic>
     </p:spTree>
+    <p:custDataLst>
+      <p:tags r:id="rId1"/>
+    </p:custDataLst>
     <p:extLst>
       <p:ext uri="{BB962C8B-B14F-4D97-AF65-F5344CB8AC3E}">
-        <p14:creationId xmlns:p14="http://schemas.microsoft.com/office/powerpoint/2010/main" val="3714810743"/>
+        <p14:creationId xmlns:p14="http://schemas.microsoft.com/office/powerpoint/2010/main" val="3763008330"/>
+      </p:ext>
+    </p:extLst>
+  </p:cSld>
+  <p:clrMapOvr>
+    <a:masterClrMapping/>
+  </p:clrMapOvr>
+</p:sld>
+</file>
+
+<file path=ppt/slides/slide10.xml><?xml version="1.0" encoding="utf-8"?>
+<p:sld xmlns:a="http://schemas.openxmlformats.org/drawingml/2006/main" xmlns:r="http://schemas.openxmlformats.org/officeDocument/2006/relationships" xmlns:p="http://schemas.openxmlformats.org/presentationml/2006/main">
+  <p:cSld>
+    <p:spTree>
+      <p:nvGrpSpPr>
+        <p:cNvPr id="1" name=""/>
+        <p:cNvGrpSpPr/>
+        <p:nvPr/>
+      </p:nvGrpSpPr>
+      <p:grpSpPr>
+        <a:xfrm>
+          <a:off x="0" y="0"/>
+          <a:ext cx="0" cy="0"/>
+          <a:chOff x="0" y="0"/>
+          <a:chExt cx="0" cy="0"/>
+        </a:xfrm>
+      </p:grpSpPr>
+      <p:sp>
+        <p:nvSpPr>
+          <p:cNvPr id="2" name="Titre 1">
+            <a:extLst>
+              <a:ext uri="{FF2B5EF4-FFF2-40B4-BE49-F238E27FC236}">
+                <a16:creationId xmlns:a16="http://schemas.microsoft.com/office/drawing/2014/main" id="{D1D8F5FB-0C19-496D-90E1-7A526C8F2751}"/>
+              </a:ext>
+            </a:extLst>
+          </p:cNvPr>
+          <p:cNvSpPr>
+            <a:spLocks noGrp="1"/>
+          </p:cNvSpPr>
+          <p:nvPr>
+            <p:ph type="title"/>
+          </p:nvPr>
+        </p:nvSpPr>
+        <p:spPr>
+          <a:xfrm>
+            <a:off x="1845316" y="2873194"/>
+            <a:ext cx="10515600" cy="1325563"/>
+          </a:xfrm>
+        </p:spPr>
+        <p:txBody>
+          <a:bodyPr/>
+          <a:lstStyle/>
+          <a:p>
+            <a:r>
+              <a:rPr lang="fr-FR" dirty="0"/>
+              <a:t>Architecture et conception : </a:t>
+            </a:r>
+          </a:p>
+        </p:txBody>
+      </p:sp>
+      <p:sp>
+        <p:nvSpPr>
+          <p:cNvPr id="6" name="Titre 1">
+            <a:extLst>
+              <a:ext uri="{FF2B5EF4-FFF2-40B4-BE49-F238E27FC236}">
+                <a16:creationId xmlns:a16="http://schemas.microsoft.com/office/drawing/2014/main" id="{619FCBE7-6A65-48ED-904D-241263BE05A8}"/>
+              </a:ext>
+            </a:extLst>
+          </p:cNvPr>
+          <p:cNvSpPr txBox="1">
+            <a:spLocks/>
+          </p:cNvSpPr>
+          <p:nvPr/>
+        </p:nvSpPr>
+        <p:spPr>
+          <a:xfrm>
+            <a:off x="1203650" y="0"/>
+            <a:ext cx="10988350" cy="1123405"/>
+          </a:xfrm>
+          <a:prstGeom prst="rect">
+            <a:avLst/>
+          </a:prstGeom>
+        </p:spPr>
+        <p:txBody>
+          <a:bodyPr vert="horz" lIns="91440" tIns="45720" rIns="91440" bIns="45720" rtlCol="0" anchor="ctr">
+            <a:normAutofit/>
+          </a:bodyPr>
+          <a:lstStyle>
+            <a:lvl1pPr algn="l" defTabSz="914400" rtl="0" eaLnBrk="1" latinLnBrk="0" hangingPunct="1">
+              <a:lnSpc>
+                <a:spcPct val="90000"/>
+              </a:lnSpc>
+              <a:spcBef>
+                <a:spcPct val="0"/>
+              </a:spcBef>
+              <a:buNone/>
+              <a:defRPr sz="4400" kern="1200">
+                <a:solidFill>
+                  <a:schemeClr val="tx1"/>
+                </a:solidFill>
+                <a:latin typeface="+mj-lt"/>
+                <a:ea typeface="+mj-ea"/>
+                <a:cs typeface="+mj-cs"/>
+              </a:defRPr>
+            </a:lvl1pPr>
+          </a:lstStyle>
+          <a:p>
+            <a:r>
+              <a:rPr lang="fr-FR" sz="4800" b="1" dirty="0">
+                <a:solidFill>
+                  <a:srgbClr val="2157AE"/>
+                </a:solidFill>
+                <a:latin typeface="Bahnschrift SemiBold" panose="020B0502040204020203" pitchFamily="34" charset="0"/>
+              </a:rPr>
+              <a:t>Packages</a:t>
+            </a:r>
+          </a:p>
+        </p:txBody>
+      </p:sp>
+      <p:pic>
+        <p:nvPicPr>
+          <p:cNvPr id="5" name="Espace réservé du contenu 4">
+            <a:extLst>
+              <a:ext uri="{FF2B5EF4-FFF2-40B4-BE49-F238E27FC236}">
+                <a16:creationId xmlns:a16="http://schemas.microsoft.com/office/drawing/2014/main" id="{A6DBACBC-3380-4BF0-AEA5-F5F626F22FD1}"/>
+              </a:ext>
+            </a:extLst>
+          </p:cNvPr>
+          <p:cNvPicPr>
+            <a:picLocks noGrp="1" noChangeAspect="1"/>
+          </p:cNvPicPr>
+          <p:nvPr>
+            <p:ph idx="1"/>
+          </p:nvPr>
+        </p:nvPicPr>
+        <p:blipFill>
+          <a:blip r:embed="rId3">
+            <a:extLst>
+              <a:ext uri="{28A0092B-C50C-407E-A947-70E740481C1C}">
+                <a14:useLocalDpi xmlns:a14="http://schemas.microsoft.com/office/drawing/2010/main" val="0"/>
+              </a:ext>
+            </a:extLst>
+          </a:blip>
+          <a:stretch>
+            <a:fillRect/>
+          </a:stretch>
+        </p:blipFill>
+        <p:spPr>
+          <a:xfrm>
+            <a:off x="157599" y="317609"/>
+            <a:ext cx="900080" cy="516392"/>
+          </a:xfrm>
+        </p:spPr>
+      </p:pic>
+    </p:spTree>
+    <p:extLst>
+      <p:ext uri="{BB962C8B-B14F-4D97-AF65-F5344CB8AC3E}">
+        <p14:creationId xmlns:p14="http://schemas.microsoft.com/office/powerpoint/2010/main" val="2056486711"/>
+      </p:ext>
+    </p:extLst>
+  </p:cSld>
+  <p:clrMapOvr>
+    <a:masterClrMapping/>
+  </p:clrMapOvr>
+</p:sld>
+</file>
+
+<file path=ppt/slides/slide11.xml><?xml version="1.0" encoding="utf-8"?>
+<p:sld xmlns:a="http://schemas.openxmlformats.org/drawingml/2006/main" xmlns:r="http://schemas.openxmlformats.org/officeDocument/2006/relationships" xmlns:p="http://schemas.openxmlformats.org/presentationml/2006/main">
+  <p:cSld>
+    <p:spTree>
+      <p:nvGrpSpPr>
+        <p:cNvPr id="1" name=""/>
+        <p:cNvGrpSpPr/>
+        <p:nvPr/>
+      </p:nvGrpSpPr>
+      <p:grpSpPr>
+        <a:xfrm>
+          <a:off x="0" y="0"/>
+          <a:ext cx="0" cy="0"/>
+          <a:chOff x="0" y="0"/>
+          <a:chExt cx="0" cy="0"/>
+        </a:xfrm>
+      </p:grpSpPr>
+      <p:sp>
+        <p:nvSpPr>
+          <p:cNvPr id="2" name="Titre 1">
+            <a:extLst>
+              <a:ext uri="{FF2B5EF4-FFF2-40B4-BE49-F238E27FC236}">
+                <a16:creationId xmlns:a16="http://schemas.microsoft.com/office/drawing/2014/main" id="{D4DD4126-78E9-4052-9865-4E4DDF30A6F7}"/>
+              </a:ext>
+            </a:extLst>
+          </p:cNvPr>
+          <p:cNvSpPr>
+            <a:spLocks noGrp="1"/>
+          </p:cNvSpPr>
+          <p:nvPr>
+            <p:ph type="ctrTitle"/>
+          </p:nvPr>
+        </p:nvSpPr>
+        <p:spPr>
+          <a:xfrm>
+            <a:off x="1524000" y="2420186"/>
+            <a:ext cx="9144000" cy="2387600"/>
+          </a:xfrm>
+        </p:spPr>
+        <p:txBody>
+          <a:bodyPr/>
+          <a:lstStyle/>
+          <a:p>
+            <a:r>
+              <a:rPr lang="fr-FR" b="1" dirty="0">
+                <a:solidFill>
+                  <a:srgbClr val="2157AE"/>
+                </a:solidFill>
+                <a:latin typeface="Bahnschrift SemiBold" panose="020B0502040204020203" pitchFamily="34" charset="0"/>
+              </a:rPr>
+              <a:t>Projet 7map</a:t>
+            </a:r>
+          </a:p>
+        </p:txBody>
+      </p:sp>
+      <p:sp>
+        <p:nvSpPr>
+          <p:cNvPr id="3" name="Sous-titre 2">
+            <a:extLst>
+              <a:ext uri="{FF2B5EF4-FFF2-40B4-BE49-F238E27FC236}">
+                <a16:creationId xmlns:a16="http://schemas.microsoft.com/office/drawing/2014/main" id="{B7617896-682D-4991-B257-6AF32636AA39}"/>
+              </a:ext>
+            </a:extLst>
+          </p:cNvPr>
+          <p:cNvSpPr>
+            <a:spLocks noGrp="1"/>
+          </p:cNvSpPr>
+          <p:nvPr>
+            <p:ph type="subTitle" idx="1"/>
+          </p:nvPr>
+        </p:nvSpPr>
+        <p:spPr>
+          <a:xfrm>
+            <a:off x="7141027" y="6062456"/>
+            <a:ext cx="4885509" cy="651853"/>
+          </a:xfrm>
+        </p:spPr>
+        <p:txBody>
+          <a:bodyPr>
+            <a:normAutofit/>
+          </a:bodyPr>
+          <a:lstStyle/>
+          <a:p>
+            <a:pPr algn="r"/>
+            <a:r>
+              <a:rPr lang="fr-FR" sz="1800" i="1" dirty="0">
+                <a:solidFill>
+                  <a:schemeClr val="tx1">
+                    <a:lumMod val="65000"/>
+                    <a:lumOff val="35000"/>
+                  </a:schemeClr>
+                </a:solidFill>
+              </a:rPr>
+              <a:t>Mohamed MHAND, Félix PARAIN, Sébastien PONT, Philippe NEGREL, Selma OUJID, Hamid OUKHNINI</a:t>
+            </a:r>
+          </a:p>
+        </p:txBody>
+      </p:sp>
+      <p:pic>
+        <p:nvPicPr>
+          <p:cNvPr id="8" name="Image 7">
+            <a:extLst>
+              <a:ext uri="{FF2B5EF4-FFF2-40B4-BE49-F238E27FC236}">
+                <a16:creationId xmlns:a16="http://schemas.microsoft.com/office/drawing/2014/main" id="{8C79CF84-D011-4A8B-80ED-D9DD6D67C189}"/>
+              </a:ext>
+            </a:extLst>
+          </p:cNvPr>
+          <p:cNvPicPr>
+            <a:picLocks noChangeAspect="1"/>
+          </p:cNvPicPr>
+          <p:nvPr/>
+        </p:nvPicPr>
+        <p:blipFill>
+          <a:blip r:embed="rId4">
+            <a:extLst>
+              <a:ext uri="{28A0092B-C50C-407E-A947-70E740481C1C}">
+                <a14:useLocalDpi xmlns:a14="http://schemas.microsoft.com/office/drawing/2010/main" val="0"/>
+              </a:ext>
+            </a:extLst>
+          </a:blip>
+          <a:stretch>
+            <a:fillRect/>
+          </a:stretch>
+        </p:blipFill>
+        <p:spPr>
+          <a:xfrm>
+            <a:off x="4529546" y="498566"/>
+            <a:ext cx="3132908" cy="3132908"/>
+          </a:xfrm>
+          <a:prstGeom prst="rect">
+            <a:avLst/>
+          </a:prstGeom>
+        </p:spPr>
+      </p:pic>
+    </p:spTree>
+    <p:custDataLst>
+      <p:tags r:id="rId1"/>
+    </p:custDataLst>
+    <p:extLst>
+      <p:ext uri="{BB962C8B-B14F-4D97-AF65-F5344CB8AC3E}">
+        <p14:creationId xmlns:p14="http://schemas.microsoft.com/office/powerpoint/2010/main" val="4139894278"/>
       </p:ext>
     </p:extLst>
   </p:cSld>
@@ -3496,18 +6003,18 @@
       </p:grpSpPr>
       <p:sp>
         <p:nvSpPr>
-          <p:cNvPr id="2" name="Titre 1">
-            <a:extLst>
-              <a:ext uri="{FF2B5EF4-FFF2-40B4-BE49-F238E27FC236}">
-                <a16:creationId xmlns:a16="http://schemas.microsoft.com/office/drawing/2014/main" id="{4772CE3B-8533-4BD3-9695-5290D626458F}"/>
-              </a:ext>
-            </a:extLst>
-          </p:cNvPr>
-          <p:cNvSpPr>
-            <a:spLocks noGrp="1"/>
-          </p:cNvSpPr>
-          <p:nvPr>
-            <p:ph type="title"/>
+          <p:cNvPr id="3" name="Espace réservé du contenu 2">
+            <a:extLst>
+              <a:ext uri="{FF2B5EF4-FFF2-40B4-BE49-F238E27FC236}">
+                <a16:creationId xmlns:a16="http://schemas.microsoft.com/office/drawing/2014/main" id="{D95A35D0-8BA8-4B38-B928-00890685BC46}"/>
+              </a:ext>
+            </a:extLst>
+          </p:cNvPr>
+          <p:cNvSpPr>
+            <a:spLocks noGrp="1"/>
+          </p:cNvSpPr>
+          <p:nvPr>
+            <p:ph idx="1"/>
           </p:nvPr>
         </p:nvSpPr>
         <p:spPr/>
@@ -3517,6 +6024,156 @@
           <a:p>
             <a:r>
               <a:rPr lang="fr-FR" dirty="0"/>
+              <a:t>Contextualisation</a:t>
+            </a:r>
+          </a:p>
+          <a:p>
+            <a:r>
+              <a:rPr lang="fr-FR" dirty="0"/>
+              <a:t>Démonstration</a:t>
+            </a:r>
+          </a:p>
+          <a:p>
+            <a:r>
+              <a:rPr lang="fr-FR" dirty="0"/>
+              <a:t>Organisation</a:t>
+            </a:r>
+          </a:p>
+          <a:p>
+            <a:r>
+              <a:rPr lang="fr-FR" dirty="0"/>
+              <a:t>Réalisation technique</a:t>
+            </a:r>
+          </a:p>
+          <a:p>
+            <a:endParaRPr lang="fr-FR" dirty="0"/>
+          </a:p>
+        </p:txBody>
+      </p:sp>
+      <p:sp>
+        <p:nvSpPr>
+          <p:cNvPr id="7" name="Titre 1">
+            <a:extLst>
+              <a:ext uri="{FF2B5EF4-FFF2-40B4-BE49-F238E27FC236}">
+                <a16:creationId xmlns:a16="http://schemas.microsoft.com/office/drawing/2014/main" id="{6C20B275-28D3-4262-AEA9-1D1AED9850B8}"/>
+              </a:ext>
+            </a:extLst>
+          </p:cNvPr>
+          <p:cNvSpPr txBox="1">
+            <a:spLocks/>
+          </p:cNvSpPr>
+          <p:nvPr/>
+        </p:nvSpPr>
+        <p:spPr>
+          <a:xfrm>
+            <a:off x="611777" y="255532"/>
+            <a:ext cx="6520543" cy="1325563"/>
+          </a:xfrm>
+          <a:prstGeom prst="rect">
+            <a:avLst/>
+          </a:prstGeom>
+        </p:spPr>
+        <p:txBody>
+          <a:bodyPr vert="horz" lIns="91440" tIns="45720" rIns="91440" bIns="45720" rtlCol="0" anchor="ctr">
+            <a:normAutofit/>
+          </a:bodyPr>
+          <a:lstStyle>
+            <a:lvl1pPr algn="l" defTabSz="914400" rtl="0" eaLnBrk="1" latinLnBrk="0" hangingPunct="1">
+              <a:lnSpc>
+                <a:spcPct val="90000"/>
+              </a:lnSpc>
+              <a:spcBef>
+                <a:spcPct val="0"/>
+              </a:spcBef>
+              <a:buNone/>
+              <a:defRPr sz="4400" kern="1200">
+                <a:solidFill>
+                  <a:schemeClr val="tx1"/>
+                </a:solidFill>
+                <a:latin typeface="+mj-lt"/>
+                <a:ea typeface="+mj-ea"/>
+                <a:cs typeface="+mj-cs"/>
+              </a:defRPr>
+            </a:lvl1pPr>
+          </a:lstStyle>
+          <a:p>
+            <a:r>
+              <a:rPr lang="fr-FR" sz="4800" b="1" dirty="0">
+                <a:solidFill>
+                  <a:srgbClr val="2157AE"/>
+                </a:solidFill>
+                <a:latin typeface="Bahnschrift SemiBold" panose="020B0502040204020203" pitchFamily="34" charset="0"/>
+              </a:rPr>
+              <a:t>Sommaire</a:t>
+            </a:r>
+          </a:p>
+        </p:txBody>
+      </p:sp>
+    </p:spTree>
+    <p:extLst>
+      <p:ext uri="{BB962C8B-B14F-4D97-AF65-F5344CB8AC3E}">
+        <p14:creationId xmlns:p14="http://schemas.microsoft.com/office/powerpoint/2010/main" val="3828647236"/>
+      </p:ext>
+    </p:extLst>
+  </p:cSld>
+  <p:clrMapOvr>
+    <a:masterClrMapping/>
+  </p:clrMapOvr>
+</p:sld>
+</file>
+
+<file path=ppt/slides/slide3.xml><?xml version="1.0" encoding="utf-8"?>
+<p:sld xmlns:a="http://schemas.openxmlformats.org/drawingml/2006/main" xmlns:r="http://schemas.openxmlformats.org/officeDocument/2006/relationships" xmlns:p="http://schemas.openxmlformats.org/presentationml/2006/main">
+  <p:cSld>
+    <p:spTree>
+      <p:nvGrpSpPr>
+        <p:cNvPr id="1" name=""/>
+        <p:cNvGrpSpPr/>
+        <p:nvPr/>
+      </p:nvGrpSpPr>
+      <p:grpSpPr>
+        <a:xfrm>
+          <a:off x="0" y="0"/>
+          <a:ext cx="0" cy="0"/>
+          <a:chOff x="0" y="0"/>
+          <a:chExt cx="0" cy="0"/>
+        </a:xfrm>
+      </p:grpSpPr>
+      <p:sp>
+        <p:nvSpPr>
+          <p:cNvPr id="2" name="Titre 1">
+            <a:extLst>
+              <a:ext uri="{FF2B5EF4-FFF2-40B4-BE49-F238E27FC236}">
+                <a16:creationId xmlns:a16="http://schemas.microsoft.com/office/drawing/2014/main" id="{4772CE3B-8533-4BD3-9695-5290D626458F}"/>
+              </a:ext>
+            </a:extLst>
+          </p:cNvPr>
+          <p:cNvSpPr>
+            <a:spLocks noGrp="1"/>
+          </p:cNvSpPr>
+          <p:nvPr>
+            <p:ph type="title"/>
+          </p:nvPr>
+        </p:nvSpPr>
+        <p:spPr>
+          <a:xfrm>
+            <a:off x="611777" y="255532"/>
+            <a:ext cx="6520543" cy="1325563"/>
+          </a:xfrm>
+        </p:spPr>
+        <p:txBody>
+          <a:bodyPr>
+            <a:normAutofit/>
+          </a:bodyPr>
+          <a:lstStyle/>
+          <a:p>
+            <a:r>
+              <a:rPr lang="fr-FR" sz="4800" b="1" dirty="0">
+                <a:solidFill>
+                  <a:srgbClr val="2157AE"/>
+                </a:solidFill>
+                <a:latin typeface="Bahnschrift SemiBold" panose="020B0502040204020203" pitchFamily="34" charset="0"/>
+              </a:rPr>
               <a:t>Contexte</a:t>
             </a:r>
           </a:p>
@@ -3538,9 +6195,16 @@
             <p:ph idx="1"/>
           </p:nvPr>
         </p:nvSpPr>
-        <p:spPr/>
-        <p:txBody>
-          <a:bodyPr/>
+        <p:spPr>
+          <a:xfrm>
+            <a:off x="838200" y="1825625"/>
+            <a:ext cx="10515600" cy="1325563"/>
+          </a:xfrm>
+        </p:spPr>
+        <p:txBody>
+          <a:bodyPr>
+            <a:normAutofit lnSpcReduction="10000"/>
+          </a:bodyPr>
           <a:lstStyle/>
           <a:p>
             <a:r>
@@ -3551,7 +6215,7 @@
           <a:p>
             <a:r>
               <a:rPr lang="fr-FR" dirty="0"/>
-              <a:t>Une fonctionnalité trop rarement rencontrée : l’édition de cartes</a:t>
+              <a:t>Une fonctionnalité trop rarement rencontrée : l’édition et la création de cartes personnelle</a:t>
             </a:r>
           </a:p>
         </p:txBody>
@@ -3571,7 +6235,7 @@
           <p:nvPr/>
         </p:nvPicPr>
         <p:blipFill>
-          <a:blip r:embed="rId2">
+          <a:blip r:embed="rId3">
             <a:extLst>
               <a:ext uri="{28A0092B-C50C-407E-A947-70E740481C1C}">
                 <a14:useLocalDpi xmlns:a14="http://schemas.microsoft.com/office/drawing/2010/main" val="0"/>
@@ -3585,8 +6249,8 @@
         </p:blipFill>
         <p:spPr bwMode="auto">
           <a:xfrm>
-            <a:off x="961285" y="3631720"/>
-            <a:ext cx="2307965" cy="2307965"/>
+            <a:off x="961286" y="3631721"/>
+            <a:ext cx="2022630" cy="2022630"/>
           </a:xfrm>
           <a:prstGeom prst="rect">
             <a:avLst/>
@@ -3618,7 +6282,7 @@
           <p:nvPr/>
         </p:nvPicPr>
         <p:blipFill>
-          <a:blip r:embed="rId3">
+          <a:blip r:embed="rId4">
             <a:extLst>
               <a:ext uri="{28A0092B-C50C-407E-A947-70E740481C1C}">
                 <a14:useLocalDpi xmlns:a14="http://schemas.microsoft.com/office/drawing/2010/main" val="0"/>
@@ -3632,8 +6296,8 @@
         </p:blipFill>
         <p:spPr bwMode="auto">
           <a:xfrm>
-            <a:off x="4483019" y="3631720"/>
-            <a:ext cx="2307965" cy="2307965"/>
+            <a:off x="5084685" y="3631721"/>
+            <a:ext cx="2022630" cy="2022630"/>
           </a:xfrm>
           <a:prstGeom prst="rect">
             <a:avLst/>
@@ -3665,7 +6329,7 @@
           <p:nvPr/>
         </p:nvPicPr>
         <p:blipFill rotWithShape="1">
-          <a:blip r:embed="rId4">
+          <a:blip r:embed="rId5">
             <a:extLst>
               <a:ext uri="{28A0092B-C50C-407E-A947-70E740481C1C}">
                 <a14:useLocalDpi xmlns:a14="http://schemas.microsoft.com/office/drawing/2010/main" val="0"/>
@@ -3677,8 +6341,8 @@
         </p:blipFill>
         <p:spPr bwMode="auto">
           <a:xfrm>
-            <a:off x="8540896" y="3631721"/>
-            <a:ext cx="2163871" cy="2307965"/>
+            <a:off x="9208084" y="3631721"/>
+            <a:ext cx="1896350" cy="2022630"/>
           </a:xfrm>
           <a:prstGeom prst="rect">
             <a:avLst/>
@@ -3708,95 +6372,6 @@
 </p:sld>
 </file>
 
-<file path=ppt/slides/slide3.xml><?xml version="1.0" encoding="utf-8"?>
-<p:sld xmlns:a="http://schemas.openxmlformats.org/drawingml/2006/main" xmlns:r="http://schemas.openxmlformats.org/officeDocument/2006/relationships" xmlns:p="http://schemas.openxmlformats.org/presentationml/2006/main">
-  <p:cSld>
-    <p:spTree>
-      <p:nvGrpSpPr>
-        <p:cNvPr id="1" name=""/>
-        <p:cNvGrpSpPr/>
-        <p:nvPr/>
-      </p:nvGrpSpPr>
-      <p:grpSpPr>
-        <a:xfrm>
-          <a:off x="0" y="0"/>
-          <a:ext cx="0" cy="0"/>
-          <a:chOff x="0" y="0"/>
-          <a:chExt cx="0" cy="0"/>
-        </a:xfrm>
-      </p:grpSpPr>
-      <p:sp>
-        <p:nvSpPr>
-          <p:cNvPr id="2" name="Titre 1">
-            <a:extLst>
-              <a:ext uri="{FF2B5EF4-FFF2-40B4-BE49-F238E27FC236}">
-                <a16:creationId xmlns:a16="http://schemas.microsoft.com/office/drawing/2014/main" id="{D146F42C-9437-476B-A43E-D00E18639AF8}"/>
-              </a:ext>
-            </a:extLst>
-          </p:cNvPr>
-          <p:cNvSpPr>
-            <a:spLocks noGrp="1"/>
-          </p:cNvSpPr>
-          <p:nvPr>
-            <p:ph type="title"/>
-          </p:nvPr>
-        </p:nvSpPr>
-        <p:spPr/>
-        <p:txBody>
-          <a:bodyPr/>
-          <a:lstStyle/>
-          <a:p>
-            <a:r>
-              <a:rPr lang="fr-FR" dirty="0"/>
-              <a:t>Réalisation</a:t>
-            </a:r>
-          </a:p>
-        </p:txBody>
-      </p:sp>
-      <p:sp>
-        <p:nvSpPr>
-          <p:cNvPr id="3" name="Espace réservé du contenu 2">
-            <a:extLst>
-              <a:ext uri="{FF2B5EF4-FFF2-40B4-BE49-F238E27FC236}">
-                <a16:creationId xmlns:a16="http://schemas.microsoft.com/office/drawing/2014/main" id="{D95A35D0-8BA8-4B38-B928-00890685BC46}"/>
-              </a:ext>
-            </a:extLst>
-          </p:cNvPr>
-          <p:cNvSpPr>
-            <a:spLocks noGrp="1"/>
-          </p:cNvSpPr>
-          <p:nvPr>
-            <p:ph idx="1"/>
-          </p:nvPr>
-        </p:nvSpPr>
-        <p:spPr/>
-        <p:txBody>
-          <a:bodyPr/>
-          <a:lstStyle/>
-          <a:p>
-            <a:r>
-              <a:rPr lang="fr-FR" dirty="0"/>
-              <a:t>Démonstration du fonctionnement du programme</a:t>
-            </a:r>
-          </a:p>
-          <a:p>
-            <a:endParaRPr lang="fr-FR" dirty="0"/>
-          </a:p>
-        </p:txBody>
-      </p:sp>
-    </p:spTree>
-    <p:extLst>
-      <p:ext uri="{BB962C8B-B14F-4D97-AF65-F5344CB8AC3E}">
-        <p14:creationId xmlns:p14="http://schemas.microsoft.com/office/powerpoint/2010/main" val="3828647236"/>
-      </p:ext>
-    </p:extLst>
-  </p:cSld>
-  <p:clrMapOvr>
-    <a:masterClrMapping/>
-  </p:clrMapOvr>
-</p:sld>
-</file>
-
 <file path=ppt/slides/slide4.xml><?xml version="1.0" encoding="utf-8"?>
 <p:sld xmlns:a="http://schemas.openxmlformats.org/drawingml/2006/main" xmlns:r="http://schemas.openxmlformats.org/officeDocument/2006/relationships" xmlns:p="http://schemas.openxmlformats.org/presentationml/2006/main">
   <p:cSld>
@@ -3814,117 +6389,104 @@
           <a:chExt cx="0" cy="0"/>
         </a:xfrm>
       </p:grpSpPr>
-      <p:sp>
-        <p:nvSpPr>
-          <p:cNvPr id="2" name="Titre 1">
-            <a:extLst>
-              <a:ext uri="{FF2B5EF4-FFF2-40B4-BE49-F238E27FC236}">
-                <a16:creationId xmlns:a16="http://schemas.microsoft.com/office/drawing/2014/main" id="{661F39F2-B951-4299-8174-2810EB30B738}"/>
-              </a:ext>
-            </a:extLst>
-          </p:cNvPr>
-          <p:cNvSpPr>
-            <a:spLocks noGrp="1"/>
-          </p:cNvSpPr>
-          <p:nvPr>
-            <p:ph type="title"/>
-          </p:nvPr>
-        </p:nvSpPr>
-        <p:spPr/>
-        <p:txBody>
-          <a:bodyPr/>
-          <a:lstStyle/>
-          <a:p>
-            <a:r>
-              <a:rPr lang="fr-FR" dirty="0"/>
-              <a:t>Organisation : deux équipes, deux paquets</a:t>
-            </a:r>
-          </a:p>
-        </p:txBody>
-      </p:sp>
-      <p:sp>
-        <p:nvSpPr>
-          <p:cNvPr id="3" name="Espace réservé du contenu 2">
-            <a:extLst>
-              <a:ext uri="{FF2B5EF4-FFF2-40B4-BE49-F238E27FC236}">
-                <a16:creationId xmlns:a16="http://schemas.microsoft.com/office/drawing/2014/main" id="{A4F6031C-22BE-4C44-A637-9E94135B3729}"/>
-              </a:ext>
-            </a:extLst>
-          </p:cNvPr>
-          <p:cNvSpPr>
-            <a:spLocks noGrp="1"/>
-          </p:cNvSpPr>
-          <p:nvPr>
-            <p:ph sz="half" idx="1"/>
-          </p:nvPr>
-        </p:nvSpPr>
-        <p:spPr/>
-        <p:txBody>
-          <a:bodyPr/>
-          <a:lstStyle/>
-          <a:p>
-            <a:r>
-              <a:rPr lang="fr-FR" dirty="0"/>
-              <a:t>Team Data</a:t>
-            </a:r>
-          </a:p>
-          <a:p>
-            <a:pPr marL="457200" lvl="1" indent="0">
+      <p:pic>
+        <p:nvPicPr>
+          <p:cNvPr id="6" name="Espace réservé du contenu 5">
+            <a:extLst>
+              <a:ext uri="{FF2B5EF4-FFF2-40B4-BE49-F238E27FC236}">
+                <a16:creationId xmlns:a16="http://schemas.microsoft.com/office/drawing/2014/main" id="{84C6D435-643A-4692-AA24-495C62AB66FD}"/>
+              </a:ext>
+            </a:extLst>
+          </p:cNvPr>
+          <p:cNvPicPr>
+            <a:picLocks noGrp="1" noChangeAspect="1"/>
+          </p:cNvPicPr>
+          <p:nvPr>
+            <p:ph idx="1"/>
+          </p:nvPr>
+        </p:nvPicPr>
+        <p:blipFill>
+          <a:blip r:embed="rId3">
+            <a:extLst>
+              <a:ext uri="{28A0092B-C50C-407E-A947-70E740481C1C}">
+                <a14:useLocalDpi xmlns:a14="http://schemas.microsoft.com/office/drawing/2010/main" val="0"/>
+              </a:ext>
+            </a:extLst>
+          </a:blip>
+          <a:stretch>
+            <a:fillRect/>
+          </a:stretch>
+        </p:blipFill>
+        <p:spPr>
+          <a:xfrm>
+            <a:off x="2228144" y="1825625"/>
+            <a:ext cx="7735711" cy="4351338"/>
+          </a:xfrm>
+        </p:spPr>
+      </p:pic>
+      <p:sp>
+        <p:nvSpPr>
+          <p:cNvPr id="4" name="Titre 1">
+            <a:extLst>
+              <a:ext uri="{FF2B5EF4-FFF2-40B4-BE49-F238E27FC236}">
+                <a16:creationId xmlns:a16="http://schemas.microsoft.com/office/drawing/2014/main" id="{60AC645C-8134-48F2-9A08-C93250E68DBF}"/>
+              </a:ext>
+            </a:extLst>
+          </p:cNvPr>
+          <p:cNvSpPr txBox="1">
+            <a:spLocks/>
+          </p:cNvSpPr>
+          <p:nvPr/>
+        </p:nvSpPr>
+        <p:spPr>
+          <a:xfrm>
+            <a:off x="1203650" y="0"/>
+            <a:ext cx="10988350" cy="1123405"/>
+          </a:xfrm>
+          <a:prstGeom prst="rect">
+            <a:avLst/>
+          </a:prstGeom>
+        </p:spPr>
+        <p:txBody>
+          <a:bodyPr vert="horz" lIns="91440" tIns="45720" rIns="91440" bIns="45720" rtlCol="0" anchor="ctr">
+            <a:normAutofit/>
+          </a:bodyPr>
+          <a:lstStyle>
+            <a:lvl1pPr algn="l" defTabSz="914400" rtl="0" eaLnBrk="1" latinLnBrk="0" hangingPunct="1">
+              <a:lnSpc>
+                <a:spcPct val="90000"/>
+              </a:lnSpc>
+              <a:spcBef>
+                <a:spcPct val="0"/>
+              </a:spcBef>
               <a:buNone/>
-            </a:pPr>
-            <a:r>
-              <a:rPr lang="fr-FR" dirty="0"/>
-              <a:t>Gestion du chargement et de l’enregistrement des données cartographiques</a:t>
-            </a:r>
-          </a:p>
-        </p:txBody>
-      </p:sp>
-      <p:sp>
-        <p:nvSpPr>
-          <p:cNvPr id="4" name="Espace réservé du contenu 3">
-            <a:extLst>
-              <a:ext uri="{FF2B5EF4-FFF2-40B4-BE49-F238E27FC236}">
-                <a16:creationId xmlns:a16="http://schemas.microsoft.com/office/drawing/2014/main" id="{F73EEF58-1C96-42E3-8D9C-FFAEAC2EAE9B}"/>
-              </a:ext>
-            </a:extLst>
-          </p:cNvPr>
-          <p:cNvSpPr>
-            <a:spLocks noGrp="1"/>
-          </p:cNvSpPr>
-          <p:nvPr>
-            <p:ph sz="half" idx="2"/>
-          </p:nvPr>
-        </p:nvSpPr>
-        <p:spPr/>
-        <p:txBody>
-          <a:bodyPr/>
-          <a:lstStyle/>
-          <a:p>
-            <a:r>
-              <a:rPr lang="fr-FR" dirty="0"/>
-              <a:t>Team Rendering</a:t>
-            </a:r>
-          </a:p>
-          <a:p>
-            <a:pPr marL="457200" lvl="1" indent="0">
-              <a:buNone/>
-            </a:pPr>
-            <a:r>
-              <a:rPr lang="fr-FR" dirty="0"/>
-              <a:t>Gestion de l’affichage de la carte et de l’interface utilisateur, conception du moteur 3D </a:t>
-            </a:r>
-            <a:r>
-              <a:rPr lang="fr-FR" dirty="0" err="1"/>
-              <a:t>Spinel</a:t>
-            </a:r>
-            <a:endParaRPr lang="fr-FR" dirty="0"/>
+              <a:defRPr sz="4400" kern="1200">
+                <a:solidFill>
+                  <a:schemeClr val="tx1"/>
+                </a:solidFill>
+                <a:latin typeface="+mj-lt"/>
+                <a:ea typeface="+mj-ea"/>
+                <a:cs typeface="+mj-cs"/>
+              </a:defRPr>
+            </a:lvl1pPr>
+          </a:lstStyle>
+          <a:p>
+            <a:r>
+              <a:rPr lang="fr-FR" sz="4800" b="1" dirty="0">
+                <a:solidFill>
+                  <a:srgbClr val="2157AE"/>
+                </a:solidFill>
+                <a:latin typeface="Bahnschrift SemiBold" panose="020B0502040204020203" pitchFamily="34" charset="0"/>
+              </a:rPr>
+              <a:t>Démonstration</a:t>
+            </a:r>
           </a:p>
         </p:txBody>
       </p:sp>
     </p:spTree>
     <p:extLst>
       <p:ext uri="{BB962C8B-B14F-4D97-AF65-F5344CB8AC3E}">
-        <p14:creationId xmlns:p14="http://schemas.microsoft.com/office/powerpoint/2010/main" val="2250021643"/>
+        <p14:creationId xmlns:p14="http://schemas.microsoft.com/office/powerpoint/2010/main" val="3056884074"/>
       </p:ext>
     </p:extLst>
   </p:cSld>
@@ -3953,94 +6515,905 @@
       </p:grpSpPr>
       <p:sp>
         <p:nvSpPr>
-          <p:cNvPr id="2" name="Titre 1">
-            <a:extLst>
-              <a:ext uri="{FF2B5EF4-FFF2-40B4-BE49-F238E27FC236}">
-                <a16:creationId xmlns:a16="http://schemas.microsoft.com/office/drawing/2014/main" id="{76E1856C-6981-48FB-BEDA-43D8E86E130C}"/>
-              </a:ext>
-            </a:extLst>
-          </p:cNvPr>
-          <p:cNvSpPr>
-            <a:spLocks noGrp="1"/>
-          </p:cNvSpPr>
-          <p:nvPr>
-            <p:ph type="title"/>
-          </p:nvPr>
-        </p:nvSpPr>
-        <p:spPr/>
-        <p:txBody>
-          <a:bodyPr/>
+          <p:cNvPr id="3" name="Espace réservé du contenu 2">
+            <a:extLst>
+              <a:ext uri="{FF2B5EF4-FFF2-40B4-BE49-F238E27FC236}">
+                <a16:creationId xmlns:a16="http://schemas.microsoft.com/office/drawing/2014/main" id="{A4F6031C-22BE-4C44-A637-9E94135B3729}"/>
+              </a:ext>
+            </a:extLst>
+          </p:cNvPr>
+          <p:cNvSpPr>
+            <a:spLocks noGrp="1"/>
+          </p:cNvSpPr>
+          <p:nvPr>
+            <p:ph sz="half" idx="1"/>
+          </p:nvPr>
+        </p:nvSpPr>
+        <p:spPr>
+          <a:xfrm>
+            <a:off x="558709" y="3685896"/>
+            <a:ext cx="5181600" cy="1075784"/>
+          </a:xfrm>
+        </p:spPr>
+        <p:txBody>
+          <a:bodyPr>
+            <a:normAutofit lnSpcReduction="10000"/>
+          </a:bodyPr>
           <a:lstStyle/>
           <a:p>
-            <a:r>
-              <a:rPr lang="fr-FR" dirty="0"/>
-              <a:t>Organisation : automatisation du projet</a:t>
+            <a:pPr marL="0" indent="0">
+              <a:buNone/>
+            </a:pPr>
+            <a:r>
+              <a:rPr lang="fr-FR" b="1" dirty="0">
+                <a:solidFill>
+                  <a:srgbClr val="2157AE"/>
+                </a:solidFill>
+              </a:rPr>
+              <a:t>Team Data</a:t>
+            </a:r>
+          </a:p>
+          <a:p>
+            <a:pPr marL="0" indent="0">
+              <a:buNone/>
+            </a:pPr>
+            <a:r>
+              <a:rPr lang="fr-FR" sz="2000" i="1" dirty="0"/>
+              <a:t>Gestion du chargement et de l’enregistrement et de l’affichage des données cartographiques</a:t>
+            </a:r>
+          </a:p>
+        </p:txBody>
+      </p:sp>
+      <p:sp>
+        <p:nvSpPr>
+          <p:cNvPr id="4" name="Espace réservé du contenu 3">
+            <a:extLst>
+              <a:ext uri="{FF2B5EF4-FFF2-40B4-BE49-F238E27FC236}">
+                <a16:creationId xmlns:a16="http://schemas.microsoft.com/office/drawing/2014/main" id="{F73EEF58-1C96-42E3-8D9C-FFAEAC2EAE9B}"/>
+              </a:ext>
+            </a:extLst>
+          </p:cNvPr>
+          <p:cNvSpPr>
+            <a:spLocks noGrp="1"/>
+          </p:cNvSpPr>
+          <p:nvPr>
+            <p:ph sz="half" idx="2"/>
+          </p:nvPr>
+        </p:nvSpPr>
+        <p:spPr>
+          <a:xfrm>
+            <a:off x="6677299" y="3685896"/>
+            <a:ext cx="5181600" cy="1338347"/>
+          </a:xfrm>
+        </p:spPr>
+        <p:txBody>
+          <a:bodyPr>
+            <a:normAutofit lnSpcReduction="10000"/>
+          </a:bodyPr>
+          <a:lstStyle/>
+          <a:p>
+            <a:pPr marL="0" indent="0">
+              <a:buNone/>
+            </a:pPr>
+            <a:r>
+              <a:rPr lang="fr-FR" b="1" dirty="0">
+                <a:solidFill>
+                  <a:srgbClr val="2157AE"/>
+                </a:solidFill>
+              </a:rPr>
+              <a:t>Team Rendering</a:t>
+            </a:r>
+          </a:p>
+          <a:p>
+            <a:pPr marL="0" indent="0">
+              <a:buNone/>
+            </a:pPr>
+            <a:r>
+              <a:rPr lang="fr-FR" sz="2000" i="1" dirty="0"/>
+              <a:t>Gestion de l’interface utilisateur, conception du moteur 3D Spinel</a:t>
             </a:r>
           </a:p>
         </p:txBody>
       </p:sp>
       <p:pic>
         <p:nvPicPr>
-          <p:cNvPr id="6" name="Espace réservé du contenu 5">
-            <a:extLst>
-              <a:ext uri="{FF2B5EF4-FFF2-40B4-BE49-F238E27FC236}">
-                <a16:creationId xmlns:a16="http://schemas.microsoft.com/office/drawing/2014/main" id="{A8130E5C-452E-4764-97EA-FF463DC9E1CF}"/>
+          <p:cNvPr id="8" name="Graphique 7">
+            <a:extLst>
+              <a:ext uri="{FF2B5EF4-FFF2-40B4-BE49-F238E27FC236}">
+                <a16:creationId xmlns:a16="http://schemas.microsoft.com/office/drawing/2014/main" id="{3AEE3DDC-2D02-4EE3-820D-9D37FD3715C2}"/>
               </a:ext>
             </a:extLst>
           </p:cNvPr>
           <p:cNvPicPr>
-            <a:picLocks noGrp="1" noChangeAspect="1"/>
+            <a:picLocks noChangeAspect="1"/>
           </p:cNvPicPr>
-          <p:nvPr>
-            <p:ph sz="half" idx="1"/>
-          </p:nvPr>
+          <p:nvPr/>
         </p:nvPicPr>
         <p:blipFill>
-          <a:blip r:embed="rId2"/>
+          <a:blip r:embed="rId3">
+            <a:extLst>
+              <a:ext uri="{28A0092B-C50C-407E-A947-70E740481C1C}">
+                <a14:useLocalDpi xmlns:a14="http://schemas.microsoft.com/office/drawing/2010/main" val="0"/>
+              </a:ext>
+              <a:ext uri="{96DAC541-7B7A-43D3-8B79-37D633B846F1}">
+                <asvg:svgBlip xmlns:asvg="http://schemas.microsoft.com/office/drawing/2016/SVG/main" r:embed="rId4"/>
+              </a:ext>
+            </a:extLst>
+          </a:blip>
           <a:stretch>
             <a:fillRect/>
           </a:stretch>
         </p:blipFill>
         <p:spPr>
           <a:xfrm>
-            <a:off x="347932" y="2266122"/>
-            <a:ext cx="5671869" cy="3194238"/>
+            <a:off x="8420873" y="1731140"/>
+            <a:ext cx="1465585" cy="1465585"/>
           </a:xfrm>
+          <a:prstGeom prst="rect">
+            <a:avLst/>
+          </a:prstGeom>
         </p:spPr>
       </p:pic>
       <p:pic>
         <p:nvPicPr>
-          <p:cNvPr id="8" name="Espace réservé du contenu 7">
-            <a:extLst>
-              <a:ext uri="{FF2B5EF4-FFF2-40B4-BE49-F238E27FC236}">
-                <a16:creationId xmlns:a16="http://schemas.microsoft.com/office/drawing/2014/main" id="{4BCED14D-C317-4266-B9AA-524D30B96419}"/>
+          <p:cNvPr id="10" name="Graphique 9">
+            <a:extLst>
+              <a:ext uri="{FF2B5EF4-FFF2-40B4-BE49-F238E27FC236}">
+                <a16:creationId xmlns:a16="http://schemas.microsoft.com/office/drawing/2014/main" id="{89E8D55A-1580-474B-8AD9-C67624161F81}"/>
               </a:ext>
             </a:extLst>
           </p:cNvPr>
           <p:cNvPicPr>
-            <a:picLocks noGrp="1" noChangeAspect="1"/>
+            <a:picLocks noChangeAspect="1"/>
           </p:cNvPicPr>
-          <p:nvPr>
-            <p:ph sz="half" idx="2"/>
-          </p:nvPr>
+          <p:nvPr/>
         </p:nvPicPr>
         <p:blipFill>
-          <a:blip r:embed="rId3"/>
+          <a:blip r:embed="rId5">
+            <a:extLst>
+              <a:ext uri="{28A0092B-C50C-407E-A947-70E740481C1C}">
+                <a14:useLocalDpi xmlns:a14="http://schemas.microsoft.com/office/drawing/2010/main" val="0"/>
+              </a:ext>
+              <a:ext uri="{96DAC541-7B7A-43D3-8B79-37D633B846F1}">
+                <asvg:svgBlip xmlns:asvg="http://schemas.microsoft.com/office/drawing/2016/SVG/main" r:embed="rId6"/>
+              </a:ext>
+            </a:extLst>
+          </a:blip>
           <a:stretch>
             <a:fillRect/>
           </a:stretch>
         </p:blipFill>
         <p:spPr>
           <a:xfrm>
-            <a:off x="6172200" y="2266123"/>
-            <a:ext cx="5660200" cy="3199784"/>
+            <a:off x="2119317" y="1731142"/>
+            <a:ext cx="1465584" cy="1465584"/>
           </a:xfrm>
+          <a:prstGeom prst="rect">
+            <a:avLst/>
+          </a:prstGeom>
+        </p:spPr>
+      </p:pic>
+      <p:grpSp>
+        <p:nvGrpSpPr>
+          <p:cNvPr id="34" name="Groupe 33">
+            <a:extLst>
+              <a:ext uri="{FF2B5EF4-FFF2-40B4-BE49-F238E27FC236}">
+                <a16:creationId xmlns:a16="http://schemas.microsoft.com/office/drawing/2014/main" id="{BDA0EBCA-520D-4B9C-911E-3F5AF7EA76A9}"/>
+              </a:ext>
+            </a:extLst>
+          </p:cNvPr>
+          <p:cNvGrpSpPr/>
+          <p:nvPr/>
+        </p:nvGrpSpPr>
+        <p:grpSpPr>
+          <a:xfrm>
+            <a:off x="558709" y="4871771"/>
+            <a:ext cx="3666365" cy="1639884"/>
+            <a:chOff x="694321" y="4792875"/>
+            <a:chExt cx="3666365" cy="1639884"/>
+          </a:xfrm>
+        </p:grpSpPr>
+        <p:grpSp>
+          <p:nvGrpSpPr>
+            <p:cNvPr id="31" name="Groupe 30">
+              <a:extLst>
+                <a:ext uri="{FF2B5EF4-FFF2-40B4-BE49-F238E27FC236}">
+                  <a16:creationId xmlns:a16="http://schemas.microsoft.com/office/drawing/2014/main" id="{A66E844C-9848-420C-88D7-4C1DDD03B034}"/>
+                </a:ext>
+              </a:extLst>
+            </p:cNvPr>
+            <p:cNvGrpSpPr/>
+            <p:nvPr/>
+          </p:nvGrpSpPr>
+          <p:grpSpPr>
+            <a:xfrm>
+              <a:off x="694321" y="4792875"/>
+              <a:ext cx="3666365" cy="528012"/>
+              <a:chOff x="694321" y="4907648"/>
+              <a:chExt cx="3666365" cy="528012"/>
+            </a:xfrm>
+          </p:grpSpPr>
+          <p:pic>
+            <p:nvPicPr>
+              <p:cNvPr id="20" name="Image 19">
+                <a:extLst>
+                  <a:ext uri="{FF2B5EF4-FFF2-40B4-BE49-F238E27FC236}">
+                    <a16:creationId xmlns:a16="http://schemas.microsoft.com/office/drawing/2014/main" id="{CDDABF83-015C-4861-9A95-3AA35E30CB73}"/>
+                  </a:ext>
+                </a:extLst>
+              </p:cNvPr>
+              <p:cNvPicPr>
+                <a:picLocks noChangeAspect="1"/>
+              </p:cNvPicPr>
+              <p:nvPr/>
+            </p:nvPicPr>
+            <p:blipFill>
+              <a:blip r:embed="rId7">
+                <a:extLst>
+                  <a:ext uri="{28A0092B-C50C-407E-A947-70E740481C1C}">
+                    <a14:useLocalDpi xmlns:a14="http://schemas.microsoft.com/office/drawing/2010/main" val="0"/>
+                  </a:ext>
+                </a:extLst>
+              </a:blip>
+              <a:stretch>
+                <a:fillRect/>
+              </a:stretch>
+            </p:blipFill>
+            <p:spPr>
+              <a:xfrm>
+                <a:off x="694321" y="4907648"/>
+                <a:ext cx="528012" cy="528012"/>
+              </a:xfrm>
+              <a:prstGeom prst="rect">
+                <a:avLst/>
+              </a:prstGeom>
+            </p:spPr>
+          </p:pic>
+          <p:sp>
+            <p:nvSpPr>
+              <p:cNvPr id="25" name="ZoneTexte 24">
+                <a:extLst>
+                  <a:ext uri="{FF2B5EF4-FFF2-40B4-BE49-F238E27FC236}">
+                    <a16:creationId xmlns:a16="http://schemas.microsoft.com/office/drawing/2014/main" id="{B90E029E-3485-4D5E-8A0D-43F43291B198}"/>
+                  </a:ext>
+                </a:extLst>
+              </p:cNvPr>
+              <p:cNvSpPr txBox="1"/>
+              <p:nvPr/>
+            </p:nvSpPr>
+            <p:spPr>
+              <a:xfrm>
+                <a:off x="1307052" y="5012596"/>
+                <a:ext cx="3053634" cy="367353"/>
+              </a:xfrm>
+              <a:prstGeom prst="rect">
+                <a:avLst/>
+              </a:prstGeom>
+              <a:noFill/>
+            </p:spPr>
+            <p:txBody>
+              <a:bodyPr wrap="square" rtlCol="0">
+                <a:spAutoFit/>
+              </a:bodyPr>
+              <a:lstStyle/>
+              <a:p>
+                <a:r>
+                  <a:rPr lang="en-US" dirty="0">
+                    <a:latin typeface="Cascadia Code" panose="020B0609020000020004" pitchFamily="49" charset="0"/>
+                  </a:rPr>
+                  <a:t>Sébastien PONT</a:t>
+                </a:r>
+                <a:endParaRPr lang="es-ES" dirty="0">
+                  <a:latin typeface="Cascadia Code" panose="020B0609020000020004" pitchFamily="49" charset="0"/>
+                </a:endParaRPr>
+              </a:p>
+            </p:txBody>
+          </p:sp>
+        </p:grpSp>
+        <p:grpSp>
+          <p:nvGrpSpPr>
+            <p:cNvPr id="32" name="Groupe 31">
+              <a:extLst>
+                <a:ext uri="{FF2B5EF4-FFF2-40B4-BE49-F238E27FC236}">
+                  <a16:creationId xmlns:a16="http://schemas.microsoft.com/office/drawing/2014/main" id="{0AB131AD-52A1-48E0-B41D-6105DB1A63A0}"/>
+                </a:ext>
+              </a:extLst>
+            </p:cNvPr>
+            <p:cNvGrpSpPr/>
+            <p:nvPr/>
+          </p:nvGrpSpPr>
+          <p:grpSpPr>
+            <a:xfrm>
+              <a:off x="694321" y="5348811"/>
+              <a:ext cx="3666365" cy="528012"/>
+              <a:chOff x="694321" y="5588982"/>
+              <a:chExt cx="3666365" cy="528012"/>
+            </a:xfrm>
+          </p:grpSpPr>
+          <p:pic>
+            <p:nvPicPr>
+              <p:cNvPr id="22" name="Image 21">
+                <a:extLst>
+                  <a:ext uri="{FF2B5EF4-FFF2-40B4-BE49-F238E27FC236}">
+                    <a16:creationId xmlns:a16="http://schemas.microsoft.com/office/drawing/2014/main" id="{433A2820-4FDE-4B45-851B-40553F3ECA79}"/>
+                  </a:ext>
+                </a:extLst>
+              </p:cNvPr>
+              <p:cNvPicPr>
+                <a:picLocks noChangeAspect="1"/>
+              </p:cNvPicPr>
+              <p:nvPr/>
+            </p:nvPicPr>
+            <p:blipFill>
+              <a:blip r:embed="rId8">
+                <a:extLst>
+                  <a:ext uri="{28A0092B-C50C-407E-A947-70E740481C1C}">
+                    <a14:useLocalDpi xmlns:a14="http://schemas.microsoft.com/office/drawing/2010/main" val="0"/>
+                  </a:ext>
+                </a:extLst>
+              </a:blip>
+              <a:stretch>
+                <a:fillRect/>
+              </a:stretch>
+            </p:blipFill>
+            <p:spPr>
+              <a:xfrm>
+                <a:off x="694321" y="5588982"/>
+                <a:ext cx="528012" cy="528012"/>
+              </a:xfrm>
+              <a:prstGeom prst="rect">
+                <a:avLst/>
+              </a:prstGeom>
+            </p:spPr>
+          </p:pic>
+          <p:sp>
+            <p:nvSpPr>
+              <p:cNvPr id="26" name="ZoneTexte 25">
+                <a:extLst>
+                  <a:ext uri="{FF2B5EF4-FFF2-40B4-BE49-F238E27FC236}">
+                    <a16:creationId xmlns:a16="http://schemas.microsoft.com/office/drawing/2014/main" id="{B1026B95-D803-40C4-A98E-620E0C088119}"/>
+                  </a:ext>
+                </a:extLst>
+              </p:cNvPr>
+              <p:cNvSpPr txBox="1"/>
+              <p:nvPr/>
+            </p:nvSpPr>
+            <p:spPr>
+              <a:xfrm>
+                <a:off x="1307052" y="5669311"/>
+                <a:ext cx="3053634" cy="367353"/>
+              </a:xfrm>
+              <a:prstGeom prst="rect">
+                <a:avLst/>
+              </a:prstGeom>
+              <a:noFill/>
+            </p:spPr>
+            <p:txBody>
+              <a:bodyPr wrap="square" rtlCol="0">
+                <a:spAutoFit/>
+              </a:bodyPr>
+              <a:lstStyle/>
+              <a:p>
+                <a:r>
+                  <a:rPr lang="es-ES" b="0" dirty="0">
+                    <a:effectLst/>
+                    <a:latin typeface="Cascadia Code" panose="020B0609020000020004" pitchFamily="49" charset="0"/>
+                  </a:rPr>
+                  <a:t>Félix PARAIN</a:t>
+                </a:r>
+              </a:p>
+            </p:txBody>
+          </p:sp>
+        </p:grpSp>
+        <p:grpSp>
+          <p:nvGrpSpPr>
+            <p:cNvPr id="33" name="Groupe 32">
+              <a:extLst>
+                <a:ext uri="{FF2B5EF4-FFF2-40B4-BE49-F238E27FC236}">
+                  <a16:creationId xmlns:a16="http://schemas.microsoft.com/office/drawing/2014/main" id="{2C01791A-038F-43BD-ACAB-E23796CA32D7}"/>
+                </a:ext>
+              </a:extLst>
+            </p:cNvPr>
+            <p:cNvGrpSpPr/>
+            <p:nvPr/>
+          </p:nvGrpSpPr>
+          <p:grpSpPr>
+            <a:xfrm>
+              <a:off x="694321" y="5904747"/>
+              <a:ext cx="3666365" cy="528012"/>
+              <a:chOff x="694321" y="6230781"/>
+              <a:chExt cx="3666365" cy="528012"/>
+            </a:xfrm>
+          </p:grpSpPr>
+          <p:pic>
+            <p:nvPicPr>
+              <p:cNvPr id="24" name="Image 23">
+                <a:extLst>
+                  <a:ext uri="{FF2B5EF4-FFF2-40B4-BE49-F238E27FC236}">
+                    <a16:creationId xmlns:a16="http://schemas.microsoft.com/office/drawing/2014/main" id="{90085D19-3F05-4B9D-BE35-18AA50E2284B}"/>
+                  </a:ext>
+                </a:extLst>
+              </p:cNvPr>
+              <p:cNvPicPr>
+                <a:picLocks noChangeAspect="1"/>
+              </p:cNvPicPr>
+              <p:nvPr/>
+            </p:nvPicPr>
+            <p:blipFill>
+              <a:blip r:embed="rId9">
+                <a:extLst>
+                  <a:ext uri="{28A0092B-C50C-407E-A947-70E740481C1C}">
+                    <a14:useLocalDpi xmlns:a14="http://schemas.microsoft.com/office/drawing/2010/main" val="0"/>
+                  </a:ext>
+                </a:extLst>
+              </a:blip>
+              <a:stretch>
+                <a:fillRect/>
+              </a:stretch>
+            </p:blipFill>
+            <p:spPr>
+              <a:xfrm>
+                <a:off x="694321" y="6230781"/>
+                <a:ext cx="528012" cy="528012"/>
+              </a:xfrm>
+              <a:prstGeom prst="rect">
+                <a:avLst/>
+              </a:prstGeom>
+            </p:spPr>
+          </p:pic>
+          <p:sp>
+            <p:nvSpPr>
+              <p:cNvPr id="27" name="ZoneTexte 26">
+                <a:extLst>
+                  <a:ext uri="{FF2B5EF4-FFF2-40B4-BE49-F238E27FC236}">
+                    <a16:creationId xmlns:a16="http://schemas.microsoft.com/office/drawing/2014/main" id="{21B720BC-8000-415E-A04F-552C4CA100DC}"/>
+                  </a:ext>
+                </a:extLst>
+              </p:cNvPr>
+              <p:cNvSpPr txBox="1"/>
+              <p:nvPr/>
+            </p:nvSpPr>
+            <p:spPr>
+              <a:xfrm>
+                <a:off x="1307052" y="6326026"/>
+                <a:ext cx="3053634" cy="367353"/>
+              </a:xfrm>
+              <a:prstGeom prst="rect">
+                <a:avLst/>
+              </a:prstGeom>
+              <a:noFill/>
+            </p:spPr>
+            <p:txBody>
+              <a:bodyPr wrap="square" rtlCol="0">
+                <a:spAutoFit/>
+              </a:bodyPr>
+              <a:lstStyle/>
+              <a:p>
+                <a:r>
+                  <a:rPr lang="en-US" dirty="0">
+                    <a:latin typeface="Cascadia Code" panose="020B0609020000020004" pitchFamily="49" charset="0"/>
+                  </a:rPr>
+                  <a:t>Selma OUJID</a:t>
+                </a:r>
+                <a:endParaRPr lang="es-ES" dirty="0">
+                  <a:latin typeface="Cascadia Code" panose="020B0609020000020004" pitchFamily="49" charset="0"/>
+                </a:endParaRPr>
+              </a:p>
+            </p:txBody>
+          </p:sp>
+        </p:grpSp>
+      </p:grpSp>
+      <p:grpSp>
+        <p:nvGrpSpPr>
+          <p:cNvPr id="38" name="Groupe 37">
+            <a:extLst>
+              <a:ext uri="{FF2B5EF4-FFF2-40B4-BE49-F238E27FC236}">
+                <a16:creationId xmlns:a16="http://schemas.microsoft.com/office/drawing/2014/main" id="{67C3609F-E8BE-4979-A657-AD2B3E821BE0}"/>
+              </a:ext>
+            </a:extLst>
+          </p:cNvPr>
+          <p:cNvGrpSpPr/>
+          <p:nvPr/>
+        </p:nvGrpSpPr>
+        <p:grpSpPr>
+          <a:xfrm>
+            <a:off x="6758084" y="4829920"/>
+            <a:ext cx="3731161" cy="1700899"/>
+            <a:chOff x="6893036" y="5060970"/>
+            <a:chExt cx="3731161" cy="1700899"/>
+          </a:xfrm>
+        </p:grpSpPr>
+        <p:grpSp>
+          <p:nvGrpSpPr>
+            <p:cNvPr id="37" name="Groupe 36">
+              <a:extLst>
+                <a:ext uri="{FF2B5EF4-FFF2-40B4-BE49-F238E27FC236}">
+                  <a16:creationId xmlns:a16="http://schemas.microsoft.com/office/drawing/2014/main" id="{3E496547-10F3-497C-A018-088C02215350}"/>
+                </a:ext>
+              </a:extLst>
+            </p:cNvPr>
+            <p:cNvGrpSpPr/>
+            <p:nvPr/>
+          </p:nvGrpSpPr>
+          <p:grpSpPr>
+            <a:xfrm>
+              <a:off x="6893036" y="5060970"/>
+              <a:ext cx="3731161" cy="528012"/>
+              <a:chOff x="6893036" y="5060970"/>
+              <a:chExt cx="3731161" cy="528012"/>
+            </a:xfrm>
+          </p:grpSpPr>
+          <p:pic>
+            <p:nvPicPr>
+              <p:cNvPr id="16" name="Image 15">
+                <a:extLst>
+                  <a:ext uri="{FF2B5EF4-FFF2-40B4-BE49-F238E27FC236}">
+                    <a16:creationId xmlns:a16="http://schemas.microsoft.com/office/drawing/2014/main" id="{5B11CBBC-A9D8-4383-8D9E-F2D72A7E4AF6}"/>
+                  </a:ext>
+                </a:extLst>
+              </p:cNvPr>
+              <p:cNvPicPr>
+                <a:picLocks noChangeAspect="1"/>
+              </p:cNvPicPr>
+              <p:nvPr/>
+            </p:nvPicPr>
+            <p:blipFill>
+              <a:blip r:embed="rId10">
+                <a:extLst>
+                  <a:ext uri="{28A0092B-C50C-407E-A947-70E740481C1C}">
+                    <a14:useLocalDpi xmlns:a14="http://schemas.microsoft.com/office/drawing/2010/main" val="0"/>
+                  </a:ext>
+                </a:extLst>
+              </a:blip>
+              <a:stretch>
+                <a:fillRect/>
+              </a:stretch>
+            </p:blipFill>
+            <p:spPr>
+              <a:xfrm>
+                <a:off x="6893036" y="5060970"/>
+                <a:ext cx="528012" cy="528012"/>
+              </a:xfrm>
+              <a:prstGeom prst="rect">
+                <a:avLst/>
+              </a:prstGeom>
+            </p:spPr>
+          </p:pic>
+          <p:sp>
+            <p:nvSpPr>
+              <p:cNvPr id="28" name="ZoneTexte 27">
+                <a:extLst>
+                  <a:ext uri="{FF2B5EF4-FFF2-40B4-BE49-F238E27FC236}">
+                    <a16:creationId xmlns:a16="http://schemas.microsoft.com/office/drawing/2014/main" id="{05CDF0F3-2CFB-4FFE-9DCF-6A994F222739}"/>
+                  </a:ext>
+                </a:extLst>
+              </p:cNvPr>
+              <p:cNvSpPr txBox="1"/>
+              <p:nvPr/>
+            </p:nvSpPr>
+            <p:spPr>
+              <a:xfrm>
+                <a:off x="7570563" y="5114743"/>
+                <a:ext cx="3053634" cy="367353"/>
+              </a:xfrm>
+              <a:prstGeom prst="rect">
+                <a:avLst/>
+              </a:prstGeom>
+              <a:noFill/>
+            </p:spPr>
+            <p:txBody>
+              <a:bodyPr wrap="square" rtlCol="0">
+                <a:spAutoFit/>
+              </a:bodyPr>
+              <a:lstStyle/>
+              <a:p>
+                <a:r>
+                  <a:rPr lang="en-US" dirty="0">
+                    <a:latin typeface="Cascadia Code" panose="020B0609020000020004" pitchFamily="49" charset="0"/>
+                  </a:rPr>
+                  <a:t>Philippe NEGREL-JERZY</a:t>
+                </a:r>
+                <a:endParaRPr lang="es-ES" dirty="0">
+                  <a:latin typeface="Cascadia Code" panose="020B0609020000020004" pitchFamily="49" charset="0"/>
+                </a:endParaRPr>
+              </a:p>
+            </p:txBody>
+          </p:sp>
+        </p:grpSp>
+        <p:grpSp>
+          <p:nvGrpSpPr>
+            <p:cNvPr id="36" name="Groupe 35">
+              <a:extLst>
+                <a:ext uri="{FF2B5EF4-FFF2-40B4-BE49-F238E27FC236}">
+                  <a16:creationId xmlns:a16="http://schemas.microsoft.com/office/drawing/2014/main" id="{CE1D8013-4FB3-4776-8618-A79E4D50D21E}"/>
+                </a:ext>
+              </a:extLst>
+            </p:cNvPr>
+            <p:cNvGrpSpPr/>
+            <p:nvPr/>
+          </p:nvGrpSpPr>
+          <p:grpSpPr>
+            <a:xfrm>
+              <a:off x="6893036" y="5632712"/>
+              <a:ext cx="3731161" cy="531088"/>
+              <a:chOff x="6893036" y="5632712"/>
+              <a:chExt cx="3731161" cy="531088"/>
+            </a:xfrm>
+          </p:grpSpPr>
+          <p:pic>
+            <p:nvPicPr>
+              <p:cNvPr id="18" name="Image 17">
+                <a:extLst>
+                  <a:ext uri="{FF2B5EF4-FFF2-40B4-BE49-F238E27FC236}">
+                    <a16:creationId xmlns:a16="http://schemas.microsoft.com/office/drawing/2014/main" id="{F5F773AC-24D4-4AD7-B59F-AFA19D670744}"/>
+                  </a:ext>
+                </a:extLst>
+              </p:cNvPr>
+              <p:cNvPicPr>
+                <a:picLocks noChangeAspect="1"/>
+              </p:cNvPicPr>
+              <p:nvPr/>
+            </p:nvPicPr>
+            <p:blipFill>
+              <a:blip r:embed="rId11">
+                <a:extLst>
+                  <a:ext uri="{28A0092B-C50C-407E-A947-70E740481C1C}">
+                    <a14:useLocalDpi xmlns:a14="http://schemas.microsoft.com/office/drawing/2010/main" val="0"/>
+                  </a:ext>
+                </a:extLst>
+              </a:blip>
+              <a:stretch>
+                <a:fillRect/>
+              </a:stretch>
+            </p:blipFill>
+            <p:spPr>
+              <a:xfrm>
+                <a:off x="6893036" y="5632712"/>
+                <a:ext cx="531088" cy="531088"/>
+              </a:xfrm>
+              <a:prstGeom prst="rect">
+                <a:avLst/>
+              </a:prstGeom>
+            </p:spPr>
+          </p:pic>
+          <p:sp>
+            <p:nvSpPr>
+              <p:cNvPr id="29" name="ZoneTexte 28">
+                <a:extLst>
+                  <a:ext uri="{FF2B5EF4-FFF2-40B4-BE49-F238E27FC236}">
+                    <a16:creationId xmlns:a16="http://schemas.microsoft.com/office/drawing/2014/main" id="{E6E077E7-413B-461F-A941-6D64D914836E}"/>
+                  </a:ext>
+                </a:extLst>
+              </p:cNvPr>
+              <p:cNvSpPr txBox="1"/>
+              <p:nvPr/>
+            </p:nvSpPr>
+            <p:spPr>
+              <a:xfrm>
+                <a:off x="7570563" y="5691712"/>
+                <a:ext cx="3053634" cy="367353"/>
+              </a:xfrm>
+              <a:prstGeom prst="rect">
+                <a:avLst/>
+              </a:prstGeom>
+              <a:noFill/>
+            </p:spPr>
+            <p:txBody>
+              <a:bodyPr wrap="square" rtlCol="0">
+                <a:spAutoFit/>
+              </a:bodyPr>
+              <a:lstStyle/>
+              <a:p>
+                <a:r>
+                  <a:rPr lang="en-US" dirty="0">
+                    <a:latin typeface="Cascadia Code" panose="020B0609020000020004" pitchFamily="49" charset="0"/>
+                  </a:rPr>
+                  <a:t>Hamid OUKHNINI</a:t>
+                </a:r>
+                <a:endParaRPr lang="es-ES" dirty="0">
+                  <a:latin typeface="Cascadia Code" panose="020B0609020000020004" pitchFamily="49" charset="0"/>
+                </a:endParaRPr>
+              </a:p>
+            </p:txBody>
+          </p:sp>
+        </p:grpSp>
+        <p:grpSp>
+          <p:nvGrpSpPr>
+            <p:cNvPr id="35" name="Groupe 34">
+              <a:extLst>
+                <a:ext uri="{FF2B5EF4-FFF2-40B4-BE49-F238E27FC236}">
+                  <a16:creationId xmlns:a16="http://schemas.microsoft.com/office/drawing/2014/main" id="{E0DAD495-C657-4B50-8D00-DAF06F71FF28}"/>
+                </a:ext>
+              </a:extLst>
+            </p:cNvPr>
+            <p:cNvGrpSpPr/>
+            <p:nvPr/>
+          </p:nvGrpSpPr>
+          <p:grpSpPr>
+            <a:xfrm>
+              <a:off x="6895407" y="6230781"/>
+              <a:ext cx="3728790" cy="531088"/>
+              <a:chOff x="6895407" y="6230781"/>
+              <a:chExt cx="3728790" cy="531088"/>
+            </a:xfrm>
+          </p:grpSpPr>
+          <p:pic>
+            <p:nvPicPr>
+              <p:cNvPr id="12" name="Image 11">
+                <a:extLst>
+                  <a:ext uri="{FF2B5EF4-FFF2-40B4-BE49-F238E27FC236}">
+                    <a16:creationId xmlns:a16="http://schemas.microsoft.com/office/drawing/2014/main" id="{D0E89A48-23FC-49A2-B603-0E7BD0C69A97}"/>
+                  </a:ext>
+                </a:extLst>
+              </p:cNvPr>
+              <p:cNvPicPr>
+                <a:picLocks noChangeAspect="1"/>
+              </p:cNvPicPr>
+              <p:nvPr/>
+            </p:nvPicPr>
+            <p:blipFill>
+              <a:blip r:embed="rId12">
+                <a:extLst>
+                  <a:ext uri="{28A0092B-C50C-407E-A947-70E740481C1C}">
+                    <a14:useLocalDpi xmlns:a14="http://schemas.microsoft.com/office/drawing/2010/main" val="0"/>
+                  </a:ext>
+                </a:extLst>
+              </a:blip>
+              <a:stretch>
+                <a:fillRect/>
+              </a:stretch>
+            </p:blipFill>
+            <p:spPr>
+              <a:xfrm>
+                <a:off x="6895407" y="6230781"/>
+                <a:ext cx="531088" cy="531088"/>
+              </a:xfrm>
+              <a:prstGeom prst="rect">
+                <a:avLst/>
+              </a:prstGeom>
+            </p:spPr>
+          </p:pic>
+          <p:sp>
+            <p:nvSpPr>
+              <p:cNvPr id="30" name="ZoneTexte 29">
+                <a:extLst>
+                  <a:ext uri="{FF2B5EF4-FFF2-40B4-BE49-F238E27FC236}">
+                    <a16:creationId xmlns:a16="http://schemas.microsoft.com/office/drawing/2014/main" id="{9DA13B1E-A352-4701-ACBE-6DEB3ABB86D1}"/>
+                  </a:ext>
+                </a:extLst>
+              </p:cNvPr>
+              <p:cNvSpPr txBox="1"/>
+              <p:nvPr/>
+            </p:nvSpPr>
+            <p:spPr>
+              <a:xfrm>
+                <a:off x="7570563" y="6309198"/>
+                <a:ext cx="3053634" cy="367353"/>
+              </a:xfrm>
+              <a:prstGeom prst="rect">
+                <a:avLst/>
+              </a:prstGeom>
+              <a:noFill/>
+            </p:spPr>
+            <p:txBody>
+              <a:bodyPr wrap="square" rtlCol="0">
+                <a:spAutoFit/>
+              </a:bodyPr>
+              <a:lstStyle/>
+              <a:p>
+                <a:r>
+                  <a:rPr lang="en-US" dirty="0">
+                    <a:latin typeface="Cascadia Code" panose="020B0609020000020004" pitchFamily="49" charset="0"/>
+                  </a:rPr>
+                  <a:t>Mohamed M’HAND OUAMMI</a:t>
+                </a:r>
+                <a:endParaRPr lang="es-ES" dirty="0">
+                  <a:latin typeface="Cascadia Code" panose="020B0609020000020004" pitchFamily="49" charset="0"/>
+                </a:endParaRPr>
+              </a:p>
+            </p:txBody>
+          </p:sp>
+        </p:grpSp>
+      </p:grpSp>
+      <p:sp>
+        <p:nvSpPr>
+          <p:cNvPr id="39" name="Titre 1">
+            <a:extLst>
+              <a:ext uri="{FF2B5EF4-FFF2-40B4-BE49-F238E27FC236}">
+                <a16:creationId xmlns:a16="http://schemas.microsoft.com/office/drawing/2014/main" id="{3AF21F5D-8259-4742-ADA2-75B4DB957675}"/>
+              </a:ext>
+            </a:extLst>
+          </p:cNvPr>
+          <p:cNvSpPr txBox="1">
+            <a:spLocks/>
+          </p:cNvSpPr>
+          <p:nvPr/>
+        </p:nvSpPr>
+        <p:spPr>
+          <a:xfrm>
+            <a:off x="1203650" y="0"/>
+            <a:ext cx="10988350" cy="1123405"/>
+          </a:xfrm>
+          <a:prstGeom prst="rect">
+            <a:avLst/>
+          </a:prstGeom>
+        </p:spPr>
+        <p:txBody>
+          <a:bodyPr vert="horz" lIns="91440" tIns="45720" rIns="91440" bIns="45720" rtlCol="0" anchor="ctr">
+            <a:normAutofit/>
+          </a:bodyPr>
+          <a:lstStyle>
+            <a:lvl1pPr algn="l" defTabSz="914400" rtl="0" eaLnBrk="1" latinLnBrk="0" hangingPunct="1">
+              <a:lnSpc>
+                <a:spcPct val="90000"/>
+              </a:lnSpc>
+              <a:spcBef>
+                <a:spcPct val="0"/>
+              </a:spcBef>
+              <a:buNone/>
+              <a:defRPr sz="4400" kern="1200">
+                <a:solidFill>
+                  <a:schemeClr val="tx1"/>
+                </a:solidFill>
+                <a:latin typeface="+mj-lt"/>
+                <a:ea typeface="+mj-ea"/>
+                <a:cs typeface="+mj-cs"/>
+              </a:defRPr>
+            </a:lvl1pPr>
+          </a:lstStyle>
+          <a:p>
+            <a:r>
+              <a:rPr lang="fr-FR" sz="4800" b="1" dirty="0">
+                <a:solidFill>
+                  <a:srgbClr val="2157AE"/>
+                </a:solidFill>
+                <a:latin typeface="Bahnschrift SemiBold" panose="020B0502040204020203" pitchFamily="34" charset="0"/>
+              </a:rPr>
+              <a:t>Répartition du travail</a:t>
+            </a:r>
+          </a:p>
+        </p:txBody>
+      </p:sp>
+      <p:pic>
+        <p:nvPicPr>
+          <p:cNvPr id="40" name="Image 39">
+            <a:extLst>
+              <a:ext uri="{FF2B5EF4-FFF2-40B4-BE49-F238E27FC236}">
+                <a16:creationId xmlns:a16="http://schemas.microsoft.com/office/drawing/2014/main" id="{0B9AA93D-3195-4049-97CA-555B3B915303}"/>
+              </a:ext>
+            </a:extLst>
+          </p:cNvPr>
+          <p:cNvPicPr>
+            <a:picLocks noChangeAspect="1"/>
+          </p:cNvPicPr>
+          <p:nvPr/>
+        </p:nvPicPr>
+        <p:blipFill>
+          <a:blip r:embed="rId13">
+            <a:extLst>
+              <a:ext uri="{28A0092B-C50C-407E-A947-70E740481C1C}">
+                <a14:useLocalDpi xmlns:a14="http://schemas.microsoft.com/office/drawing/2010/main" val="0"/>
+              </a:ext>
+            </a:extLst>
+          </a:blip>
+          <a:stretch>
+            <a:fillRect/>
+          </a:stretch>
+        </p:blipFill>
+        <p:spPr>
+          <a:xfrm>
+            <a:off x="135758" y="106581"/>
+            <a:ext cx="943762" cy="938448"/>
+          </a:xfrm>
+          <a:prstGeom prst="rect">
+            <a:avLst/>
+          </a:prstGeom>
         </p:spPr>
       </p:pic>
     </p:spTree>
     <p:extLst>
       <p:ext uri="{BB962C8B-B14F-4D97-AF65-F5344CB8AC3E}">
-        <p14:creationId xmlns:p14="http://schemas.microsoft.com/office/powerpoint/2010/main" val="2912348916"/>
+        <p14:creationId xmlns:p14="http://schemas.microsoft.com/office/powerpoint/2010/main" val="2250021643"/>
       </p:ext>
     </p:extLst>
   </p:cSld>
@@ -4067,101 +7440,148 @@
           <a:chExt cx="0" cy="0"/>
         </a:xfrm>
       </p:grpSpPr>
-      <p:sp>
-        <p:nvSpPr>
-          <p:cNvPr id="2" name="Titre 1">
-            <a:extLst>
-              <a:ext uri="{FF2B5EF4-FFF2-40B4-BE49-F238E27FC236}">
-                <a16:creationId xmlns:a16="http://schemas.microsoft.com/office/drawing/2014/main" id="{C1A3EEAC-453D-49BF-BE84-B025F4A44AF3}"/>
-              </a:ext>
-            </a:extLst>
-          </p:cNvPr>
-          <p:cNvSpPr>
-            <a:spLocks noGrp="1"/>
-          </p:cNvSpPr>
-          <p:nvPr>
-            <p:ph type="title"/>
-          </p:nvPr>
-        </p:nvSpPr>
-        <p:spPr/>
-        <p:txBody>
-          <a:bodyPr/>
-          <a:lstStyle/>
-          <a:p>
-            <a:r>
-              <a:rPr lang="fr-FR" dirty="0"/>
-              <a:t>Organisation : discussions et pull </a:t>
-            </a:r>
-            <a:r>
-              <a:rPr lang="fr-FR" dirty="0" err="1"/>
-              <a:t>requests</a:t>
-            </a:r>
-            <a:endParaRPr lang="fr-FR" dirty="0"/>
-          </a:p>
-        </p:txBody>
-      </p:sp>
       <p:pic>
         <p:nvPicPr>
-          <p:cNvPr id="6" name="Espace réservé du contenu 5">
-            <a:extLst>
-              <a:ext uri="{FF2B5EF4-FFF2-40B4-BE49-F238E27FC236}">
-                <a16:creationId xmlns:a16="http://schemas.microsoft.com/office/drawing/2014/main" id="{2FC0FEE0-D2DA-4C00-9763-2089237D7F41}"/>
+          <p:cNvPr id="3" name="Image 2">
+            <a:extLst>
+              <a:ext uri="{FF2B5EF4-FFF2-40B4-BE49-F238E27FC236}">
+                <a16:creationId xmlns:a16="http://schemas.microsoft.com/office/drawing/2014/main" id="{33A16F85-B4D2-49A9-8AB4-C634E7E8B594}"/>
               </a:ext>
             </a:extLst>
           </p:cNvPr>
           <p:cNvPicPr>
-            <a:picLocks noGrp="1" noChangeAspect="1"/>
+            <a:picLocks/>
           </p:cNvPicPr>
           <p:nvPr>
-            <p:ph sz="half" idx="1"/>
+            <p:custDataLst>
+              <p:tags r:id="rId2"/>
+            </p:custDataLst>
           </p:nvPr>
         </p:nvPicPr>
         <p:blipFill>
-          <a:blip r:embed="rId2"/>
+          <a:blip r:embed="rId5">
+            <a:extLst>
+              <a:ext uri="{28A0092B-C50C-407E-A947-70E740481C1C}">
+                <a14:useLocalDpi xmlns:a14="http://schemas.microsoft.com/office/drawing/2010/main" val="0"/>
+              </a:ext>
+            </a:extLst>
+          </a:blip>
           <a:stretch>
             <a:fillRect/>
           </a:stretch>
         </p:blipFill>
         <p:spPr>
           <a:xfrm>
-            <a:off x="247761" y="2014330"/>
-            <a:ext cx="5772039" cy="3605147"/>
+            <a:off x="0" y="1123405"/>
+            <a:ext cx="12192000" cy="5734593"/>
           </a:xfrm>
+          <a:prstGeom prst="rect">
+            <a:avLst/>
+          </a:prstGeom>
         </p:spPr>
       </p:pic>
+      <p:sp>
+        <p:nvSpPr>
+          <p:cNvPr id="7" name="Titre 1">
+            <a:extLst>
+              <a:ext uri="{FF2B5EF4-FFF2-40B4-BE49-F238E27FC236}">
+                <a16:creationId xmlns:a16="http://schemas.microsoft.com/office/drawing/2014/main" id="{CBD96EB5-8E01-434A-A688-E1ED32B2D87A}"/>
+              </a:ext>
+            </a:extLst>
+          </p:cNvPr>
+          <p:cNvSpPr txBox="1">
+            <a:spLocks/>
+          </p:cNvSpPr>
+          <p:nvPr/>
+        </p:nvSpPr>
+        <p:spPr>
+          <a:xfrm>
+            <a:off x="1203650" y="0"/>
+            <a:ext cx="10988350" cy="1123405"/>
+          </a:xfrm>
+          <a:prstGeom prst="rect">
+            <a:avLst/>
+          </a:prstGeom>
+        </p:spPr>
+        <p:txBody>
+          <a:bodyPr vert="horz" lIns="91440" tIns="45720" rIns="91440" bIns="45720" rtlCol="0" anchor="ctr">
+            <a:normAutofit/>
+          </a:bodyPr>
+          <a:lstStyle>
+            <a:lvl1pPr algn="l" defTabSz="914400" rtl="0" eaLnBrk="1" latinLnBrk="0" hangingPunct="1">
+              <a:lnSpc>
+                <a:spcPct val="90000"/>
+              </a:lnSpc>
+              <a:spcBef>
+                <a:spcPct val="0"/>
+              </a:spcBef>
+              <a:buNone/>
+              <a:defRPr sz="4400" kern="1200">
+                <a:solidFill>
+                  <a:schemeClr val="tx1"/>
+                </a:solidFill>
+                <a:latin typeface="+mj-lt"/>
+                <a:ea typeface="+mj-ea"/>
+                <a:cs typeface="+mj-cs"/>
+              </a:defRPr>
+            </a:lvl1pPr>
+          </a:lstStyle>
+          <a:p>
+            <a:r>
+              <a:rPr lang="fr-FR" sz="4800" b="1" dirty="0">
+                <a:solidFill>
+                  <a:srgbClr val="2157AE"/>
+                </a:solidFill>
+                <a:latin typeface="Bahnschrift SemiBold" panose="020B0502040204020203" pitchFamily="34" charset="0"/>
+              </a:rPr>
+              <a:t>User stories</a:t>
+            </a:r>
+          </a:p>
+        </p:txBody>
+      </p:sp>
       <p:pic>
         <p:nvPicPr>
-          <p:cNvPr id="8" name="Espace réservé du contenu 7">
-            <a:extLst>
-              <a:ext uri="{FF2B5EF4-FFF2-40B4-BE49-F238E27FC236}">
-                <a16:creationId xmlns:a16="http://schemas.microsoft.com/office/drawing/2014/main" id="{9FB42DC6-E78C-41D8-BB35-69333346027A}"/>
+          <p:cNvPr id="8" name="Image 7">
+            <a:extLst>
+              <a:ext uri="{FF2B5EF4-FFF2-40B4-BE49-F238E27FC236}">
+                <a16:creationId xmlns:a16="http://schemas.microsoft.com/office/drawing/2014/main" id="{4F761BFE-1B12-4336-8E8E-2EEA4850818D}"/>
               </a:ext>
             </a:extLst>
           </p:cNvPr>
           <p:cNvPicPr>
-            <a:picLocks noGrp="1" noChangeAspect="1"/>
+            <a:picLocks noChangeAspect="1"/>
           </p:cNvPicPr>
-          <p:nvPr>
-            <p:ph sz="half" idx="2"/>
-          </p:nvPr>
+          <p:nvPr/>
         </p:nvPicPr>
         <p:blipFill>
-          <a:blip r:embed="rId3"/>
+          <a:blip r:embed="rId6">
+            <a:extLst>
+              <a:ext uri="{28A0092B-C50C-407E-A947-70E740481C1C}">
+                <a14:useLocalDpi xmlns:a14="http://schemas.microsoft.com/office/drawing/2010/main" val="0"/>
+              </a:ext>
+            </a:extLst>
+          </a:blip>
           <a:stretch>
             <a:fillRect/>
           </a:stretch>
         </p:blipFill>
         <p:spPr>
           <a:xfrm>
-            <a:off x="6409162" y="1825625"/>
-            <a:ext cx="4707675" cy="4351338"/>
+            <a:off x="135758" y="106581"/>
+            <a:ext cx="943762" cy="938448"/>
           </a:xfrm>
+          <a:prstGeom prst="rect">
+            <a:avLst/>
+          </a:prstGeom>
         </p:spPr>
       </p:pic>
     </p:spTree>
+    <p:custDataLst>
+      <p:tags r:id="rId1"/>
+    </p:custDataLst>
     <p:extLst>
       <p:ext uri="{BB962C8B-B14F-4D97-AF65-F5344CB8AC3E}">
-        <p14:creationId xmlns:p14="http://schemas.microsoft.com/office/powerpoint/2010/main" val="525436094"/>
+        <p14:creationId xmlns:p14="http://schemas.microsoft.com/office/powerpoint/2010/main" val="900978288"/>
       </p:ext>
     </p:extLst>
   </p:cSld>
@@ -4188,52 +7608,26 @@
           <a:chExt cx="0" cy="0"/>
         </a:xfrm>
       </p:grpSpPr>
-      <p:sp>
-        <p:nvSpPr>
-          <p:cNvPr id="2" name="Titre 1">
-            <a:extLst>
-              <a:ext uri="{FF2B5EF4-FFF2-40B4-BE49-F238E27FC236}">
-                <a16:creationId xmlns:a16="http://schemas.microsoft.com/office/drawing/2014/main" id="{6578DEC1-6C57-4A6E-B8D3-47BA2AD0C86D}"/>
-              </a:ext>
-            </a:extLst>
-          </p:cNvPr>
-          <p:cNvSpPr>
-            <a:spLocks noGrp="1"/>
-          </p:cNvSpPr>
-          <p:nvPr>
-            <p:ph type="title"/>
-          </p:nvPr>
-        </p:nvSpPr>
-        <p:spPr/>
-        <p:txBody>
-          <a:bodyPr/>
-          <a:lstStyle/>
-          <a:p>
-            <a:r>
-              <a:rPr lang="fr-FR" dirty="0"/>
-              <a:t>Architecture et conception : </a:t>
-            </a:r>
-          </a:p>
-        </p:txBody>
-      </p:sp>
       <p:pic>
         <p:nvPicPr>
-          <p:cNvPr id="5" name="Espace réservé du contenu 4">
-            <a:extLst>
-              <a:ext uri="{FF2B5EF4-FFF2-40B4-BE49-F238E27FC236}">
-                <a16:creationId xmlns:a16="http://schemas.microsoft.com/office/drawing/2014/main" id="{46607481-4307-4983-A746-36104B3BFDB7}"/>
+          <p:cNvPr id="3" name="Image 2">
+            <a:extLst>
+              <a:ext uri="{FF2B5EF4-FFF2-40B4-BE49-F238E27FC236}">
+                <a16:creationId xmlns:a16="http://schemas.microsoft.com/office/drawing/2014/main" id="{56DC6CA7-FABF-4071-98A3-ED0AB0AD4609}"/>
               </a:ext>
             </a:extLst>
           </p:cNvPr>
           <p:cNvPicPr>
-            <a:picLocks noGrp="1" noChangeAspect="1"/>
+            <a:picLocks/>
           </p:cNvPicPr>
           <p:nvPr>
-            <p:ph idx="1"/>
+            <p:custDataLst>
+              <p:tags r:id="rId2"/>
+            </p:custDataLst>
           </p:nvPr>
         </p:nvPicPr>
         <p:blipFill>
-          <a:blip r:embed="rId2">
+          <a:blip r:embed="rId5">
             <a:extLst>
               <a:ext uri="{28A0092B-C50C-407E-A947-70E740481C1C}">
                 <a14:useLocalDpi xmlns:a14="http://schemas.microsoft.com/office/drawing/2010/main" val="0"/>
@@ -4246,15 +7640,116 @@
         </p:blipFill>
         <p:spPr>
           <a:xfrm>
-            <a:off x="478492" y="2365130"/>
-            <a:ext cx="11235015" cy="1749669"/>
+            <a:off x="0" y="1123405"/>
+            <a:ext cx="12192000" cy="5734593"/>
           </a:xfrm>
+          <a:prstGeom prst="rect">
+            <a:avLst/>
+          </a:prstGeom>
+        </p:spPr>
+      </p:pic>
+      <p:sp>
+        <p:nvSpPr>
+          <p:cNvPr id="8" name="Titre 1">
+            <a:extLst>
+              <a:ext uri="{FF2B5EF4-FFF2-40B4-BE49-F238E27FC236}">
+                <a16:creationId xmlns:a16="http://schemas.microsoft.com/office/drawing/2014/main" id="{487D0FA4-A4AC-46CA-BA7D-C6AB00609AD7}"/>
+              </a:ext>
+            </a:extLst>
+          </p:cNvPr>
+          <p:cNvSpPr txBox="1">
+            <a:spLocks/>
+          </p:cNvSpPr>
+          <p:nvPr/>
+        </p:nvSpPr>
+        <p:spPr>
+          <a:xfrm>
+            <a:off x="1203650" y="0"/>
+            <a:ext cx="10988350" cy="1123405"/>
+          </a:xfrm>
+          <a:prstGeom prst="rect">
+            <a:avLst/>
+          </a:prstGeom>
+        </p:spPr>
+        <p:txBody>
+          <a:bodyPr vert="horz" lIns="91440" tIns="45720" rIns="91440" bIns="45720" rtlCol="0" anchor="ctr">
+            <a:normAutofit/>
+          </a:bodyPr>
+          <a:lstStyle>
+            <a:lvl1pPr algn="l" defTabSz="914400" rtl="0" eaLnBrk="1" latinLnBrk="0" hangingPunct="1">
+              <a:lnSpc>
+                <a:spcPct val="90000"/>
+              </a:lnSpc>
+              <a:spcBef>
+                <a:spcPct val="0"/>
+              </a:spcBef>
+              <a:buNone/>
+              <a:defRPr sz="4400" kern="1200">
+                <a:solidFill>
+                  <a:schemeClr val="tx1"/>
+                </a:solidFill>
+                <a:latin typeface="+mj-lt"/>
+                <a:ea typeface="+mj-ea"/>
+                <a:cs typeface="+mj-cs"/>
+              </a:defRPr>
+            </a:lvl1pPr>
+          </a:lstStyle>
+          <a:p>
+            <a:r>
+              <a:rPr lang="fr-FR" sz="4800" b="1" dirty="0">
+                <a:solidFill>
+                  <a:srgbClr val="2157AE"/>
+                </a:solidFill>
+                <a:latin typeface="Bahnschrift SemiBold" panose="020B0502040204020203" pitchFamily="34" charset="0"/>
+              </a:rPr>
+              <a:t>KANBAN</a:t>
+            </a:r>
+          </a:p>
+        </p:txBody>
+      </p:sp>
+      <p:pic>
+        <p:nvPicPr>
+          <p:cNvPr id="9" name="Image 8">
+            <a:extLst>
+              <a:ext uri="{FF2B5EF4-FFF2-40B4-BE49-F238E27FC236}">
+                <a16:creationId xmlns:a16="http://schemas.microsoft.com/office/drawing/2014/main" id="{791E6F08-8F4E-4991-9168-F7ADF6936D32}"/>
+              </a:ext>
+            </a:extLst>
+          </p:cNvPr>
+          <p:cNvPicPr>
+            <a:picLocks noChangeAspect="1"/>
+          </p:cNvPicPr>
+          <p:nvPr/>
+        </p:nvPicPr>
+        <p:blipFill>
+          <a:blip r:embed="rId6">
+            <a:extLst>
+              <a:ext uri="{28A0092B-C50C-407E-A947-70E740481C1C}">
+                <a14:useLocalDpi xmlns:a14="http://schemas.microsoft.com/office/drawing/2010/main" val="0"/>
+              </a:ext>
+            </a:extLst>
+          </a:blip>
+          <a:stretch>
+            <a:fillRect/>
+          </a:stretch>
+        </p:blipFill>
+        <p:spPr>
+          <a:xfrm>
+            <a:off x="135758" y="106581"/>
+            <a:ext cx="943762" cy="938448"/>
+          </a:xfrm>
+          <a:prstGeom prst="rect">
+            <a:avLst/>
+          </a:prstGeom>
         </p:spPr>
       </p:pic>
     </p:spTree>
+    <p:custDataLst>
+      <p:tags r:id="rId1"/>
+    </p:custDataLst>
     <p:extLst>
       <p:ext uri="{BB962C8B-B14F-4D97-AF65-F5344CB8AC3E}">
-        <p14:creationId xmlns:p14="http://schemas.microsoft.com/office/powerpoint/2010/main" val="2577531440"/>
+        <p14:creationId xmlns:p14="http://schemas.microsoft.com/office/powerpoint/2010/main" val="4009497227"/>
       </p:ext>
     </p:extLst>
   </p:cSld>
@@ -4281,63 +7776,573 @@
           <a:chExt cx="0" cy="0"/>
         </a:xfrm>
       </p:grpSpPr>
-      <p:sp>
-        <p:nvSpPr>
-          <p:cNvPr id="2" name="Titre 1">
-            <a:extLst>
-              <a:ext uri="{FF2B5EF4-FFF2-40B4-BE49-F238E27FC236}">
-                <a16:creationId xmlns:a16="http://schemas.microsoft.com/office/drawing/2014/main" id="{D1D8F5FB-0C19-496D-90E1-7A526C8F2751}"/>
-              </a:ext>
-            </a:extLst>
-          </p:cNvPr>
-          <p:cNvSpPr>
-            <a:spLocks noGrp="1"/>
-          </p:cNvSpPr>
-          <p:nvPr>
-            <p:ph type="title"/>
-          </p:nvPr>
-        </p:nvSpPr>
-        <p:spPr/>
-        <p:txBody>
-          <a:bodyPr/>
-          <a:lstStyle/>
-          <a:p>
-            <a:r>
-              <a:rPr lang="fr-FR" dirty="0"/>
-              <a:t>Architecture et conception : </a:t>
-            </a:r>
-          </a:p>
-        </p:txBody>
-      </p:sp>
-      <p:sp>
-        <p:nvSpPr>
-          <p:cNvPr id="3" name="Espace réservé du contenu 2">
-            <a:extLst>
-              <a:ext uri="{FF2B5EF4-FFF2-40B4-BE49-F238E27FC236}">
-                <a16:creationId xmlns:a16="http://schemas.microsoft.com/office/drawing/2014/main" id="{7B08E357-DB80-4AF3-A782-781CA62043D5}"/>
-              </a:ext>
-            </a:extLst>
-          </p:cNvPr>
-          <p:cNvSpPr>
-            <a:spLocks noGrp="1"/>
-          </p:cNvSpPr>
+      <p:graphicFrame>
+        <p:nvGraphicFramePr>
+          <p:cNvPr id="6" name="Graphique 5">
+            <a:extLst>
+              <a:ext uri="{FF2B5EF4-FFF2-40B4-BE49-F238E27FC236}">
+                <a16:creationId xmlns:a16="http://schemas.microsoft.com/office/drawing/2014/main" id="{97BCABCE-42A0-46D0-A3CF-B1416AA8951F}"/>
+              </a:ext>
+            </a:extLst>
+          </p:cNvPr>
+          <p:cNvGraphicFramePr/>
+          <p:nvPr>
+            <p:extLst>
+              <p:ext uri="{D42A27DB-BD31-4B8C-83A1-F6EECF244321}">
+                <p14:modId xmlns:p14="http://schemas.microsoft.com/office/powerpoint/2010/main" val="1190457194"/>
+              </p:ext>
+            </p:extLst>
+          </p:nvPr>
+        </p:nvGraphicFramePr>
+        <p:xfrm>
+          <a:off x="2032000" y="1233472"/>
+          <a:ext cx="8128000" cy="5418667"/>
+        </p:xfrm>
+        <a:graphic>
+          <a:graphicData uri="http://schemas.openxmlformats.org/drawingml/2006/chart">
+            <c:chart xmlns:c="http://schemas.openxmlformats.org/drawingml/2006/chart" xmlns:r="http://schemas.openxmlformats.org/officeDocument/2006/relationships" r:id="rId4"/>
+          </a:graphicData>
+        </a:graphic>
+      </p:graphicFrame>
+      <p:sp>
+        <p:nvSpPr>
+          <p:cNvPr id="9" name="Titre 1">
+            <a:extLst>
+              <a:ext uri="{FF2B5EF4-FFF2-40B4-BE49-F238E27FC236}">
+                <a16:creationId xmlns:a16="http://schemas.microsoft.com/office/drawing/2014/main" id="{DA99B05F-3293-4535-9A09-CE06DDE924EE}"/>
+              </a:ext>
+            </a:extLst>
+          </p:cNvPr>
+          <p:cNvSpPr txBox="1">
+            <a:spLocks/>
+          </p:cNvSpPr>
+          <p:nvPr/>
+        </p:nvSpPr>
+        <p:spPr>
+          <a:xfrm>
+            <a:off x="1203650" y="0"/>
+            <a:ext cx="10988350" cy="1123405"/>
+          </a:xfrm>
+          <a:prstGeom prst="rect">
+            <a:avLst/>
+          </a:prstGeom>
+        </p:spPr>
+        <p:txBody>
+          <a:bodyPr vert="horz" lIns="91440" tIns="45720" rIns="91440" bIns="45720" rtlCol="0" anchor="ctr">
+            <a:normAutofit/>
+          </a:bodyPr>
+          <a:lstStyle>
+            <a:lvl1pPr algn="l" defTabSz="914400" rtl="0" eaLnBrk="1" latinLnBrk="0" hangingPunct="1">
+              <a:lnSpc>
+                <a:spcPct val="90000"/>
+              </a:lnSpc>
+              <a:spcBef>
+                <a:spcPct val="0"/>
+              </a:spcBef>
+              <a:buNone/>
+              <a:defRPr sz="4400" kern="1200">
+                <a:solidFill>
+                  <a:schemeClr val="tx1"/>
+                </a:solidFill>
+                <a:latin typeface="+mj-lt"/>
+                <a:ea typeface="+mj-ea"/>
+                <a:cs typeface="+mj-cs"/>
+              </a:defRPr>
+            </a:lvl1pPr>
+          </a:lstStyle>
+          <a:p>
+            <a:r>
+              <a:rPr lang="fr-FR" sz="4800" b="1" dirty="0">
+                <a:solidFill>
+                  <a:srgbClr val="2157AE"/>
+                </a:solidFill>
+                <a:latin typeface="Bahnschrift SemiBold" panose="020B0502040204020203" pitchFamily="34" charset="0"/>
+              </a:rPr>
+              <a:t>Vélocité</a:t>
+            </a:r>
+          </a:p>
+        </p:txBody>
+      </p:sp>
+      <p:pic>
+        <p:nvPicPr>
+          <p:cNvPr id="10" name="Image 9">
+            <a:extLst>
+              <a:ext uri="{FF2B5EF4-FFF2-40B4-BE49-F238E27FC236}">
+                <a16:creationId xmlns:a16="http://schemas.microsoft.com/office/drawing/2014/main" id="{7BFF9644-BB9B-4641-AB5E-17348FC85A3F}"/>
+              </a:ext>
+            </a:extLst>
+          </p:cNvPr>
+          <p:cNvPicPr>
+            <a:picLocks noChangeAspect="1"/>
+          </p:cNvPicPr>
+          <p:nvPr/>
+        </p:nvPicPr>
+        <p:blipFill>
+          <a:blip r:embed="rId5">
+            <a:extLst>
+              <a:ext uri="{28A0092B-C50C-407E-A947-70E740481C1C}">
+                <a14:useLocalDpi xmlns:a14="http://schemas.microsoft.com/office/drawing/2010/main" val="0"/>
+              </a:ext>
+            </a:extLst>
+          </a:blip>
+          <a:stretch>
+            <a:fillRect/>
+          </a:stretch>
+        </p:blipFill>
+        <p:spPr>
+          <a:xfrm>
+            <a:off x="135758" y="106581"/>
+            <a:ext cx="943762" cy="938448"/>
+          </a:xfrm>
+          <a:prstGeom prst="rect">
+            <a:avLst/>
+          </a:prstGeom>
+        </p:spPr>
+      </p:pic>
+    </p:spTree>
+    <p:custDataLst>
+      <p:tags r:id="rId1"/>
+    </p:custDataLst>
+    <p:extLst>
+      <p:ext uri="{BB962C8B-B14F-4D97-AF65-F5344CB8AC3E}">
+        <p14:creationId xmlns:p14="http://schemas.microsoft.com/office/powerpoint/2010/main" val="956193103"/>
+      </p:ext>
+    </p:extLst>
+  </p:cSld>
+  <p:clrMapOvr>
+    <a:masterClrMapping/>
+  </p:clrMapOvr>
+  <p:timing>
+    <p:tnLst>
+      <p:par>
+        <p:cTn id="1" dur="indefinite" restart="never" nodeType="tmRoot">
+          <p:childTnLst>
+            <p:seq concurrent="1" nextAc="seek">
+              <p:cTn id="2" dur="indefinite" nodeType="mainSeq">
+                <p:childTnLst>
+                  <p:par>
+                    <p:cTn id="3" fill="hold">
+                      <p:stCondLst>
+                        <p:cond delay="indefinite"/>
+                        <p:cond evt="onBegin" delay="0">
+                          <p:tn val="2"/>
+                        </p:cond>
+                      </p:stCondLst>
+                      <p:childTnLst>
+                        <p:par>
+                          <p:cTn id="4" fill="hold">
+                            <p:stCondLst>
+                              <p:cond delay="0"/>
+                            </p:stCondLst>
+                            <p:childTnLst>
+                              <p:par>
+                                <p:cTn id="5" presetID="2" presetClass="entr" presetSubtype="4" fill="hold" grpId="0" nodeType="withEffect">
+                                  <p:stCondLst>
+                                    <p:cond delay="0"/>
+                                  </p:stCondLst>
+                                  <p:childTnLst>
+                                    <p:set>
+                                      <p:cBhvr>
+                                        <p:cTn id="6" dur="1" fill="hold">
+                                          <p:stCondLst>
+                                            <p:cond delay="0"/>
+                                          </p:stCondLst>
+                                        </p:cTn>
+                                        <p:tgtEl>
+                                          <p:spTgt spid="6">
+                                            <p:graphicEl>
+                                              <a:chart seriesIdx="-3" categoryIdx="-3" bldStep="gridLegend"/>
+                                            </p:graphicEl>
+                                          </p:spTgt>
+                                        </p:tgtEl>
+                                        <p:attrNameLst>
+                                          <p:attrName>style.visibility</p:attrName>
+                                        </p:attrNameLst>
+                                      </p:cBhvr>
+                                      <p:to>
+                                        <p:strVal val="visible"/>
+                                      </p:to>
+                                    </p:set>
+                                    <p:anim calcmode="lin" valueType="num">
+                                      <p:cBhvr additive="base">
+                                        <p:cTn id="7" dur="100" fill="hold"/>
+                                        <p:tgtEl>
+                                          <p:spTgt spid="6">
+                                            <p:graphicEl>
+                                              <a:chart seriesIdx="-3" categoryIdx="-3" bldStep="gridLegend"/>
+                                            </p:graphicEl>
+                                          </p:spTgt>
+                                        </p:tgtEl>
+                                        <p:attrNameLst>
+                                          <p:attrName>ppt_x</p:attrName>
+                                        </p:attrNameLst>
+                                      </p:cBhvr>
+                                      <p:tavLst>
+                                        <p:tav tm="0">
+                                          <p:val>
+                                            <p:strVal val="#ppt_x"/>
+                                          </p:val>
+                                        </p:tav>
+                                        <p:tav tm="100000">
+                                          <p:val>
+                                            <p:strVal val="#ppt_x"/>
+                                          </p:val>
+                                        </p:tav>
+                                      </p:tavLst>
+                                    </p:anim>
+                                    <p:anim calcmode="lin" valueType="num">
+                                      <p:cBhvr additive="base">
+                                        <p:cTn id="8" dur="100" fill="hold"/>
+                                        <p:tgtEl>
+                                          <p:spTgt spid="6">
+                                            <p:graphicEl>
+                                              <a:chart seriesIdx="-3" categoryIdx="-3" bldStep="gridLegend"/>
+                                            </p:graphicEl>
+                                          </p:spTgt>
+                                        </p:tgtEl>
+                                        <p:attrNameLst>
+                                          <p:attrName>ppt_y</p:attrName>
+                                        </p:attrNameLst>
+                                      </p:cBhvr>
+                                      <p:tavLst>
+                                        <p:tav tm="0">
+                                          <p:val>
+                                            <p:strVal val="1+#ppt_h/2"/>
+                                          </p:val>
+                                        </p:tav>
+                                        <p:tav tm="100000">
+                                          <p:val>
+                                            <p:strVal val="#ppt_y"/>
+                                          </p:val>
+                                        </p:tav>
+                                      </p:tavLst>
+                                    </p:anim>
+                                  </p:childTnLst>
+                                </p:cTn>
+                              </p:par>
+                              <p:par>
+                                <p:cTn id="9" presetID="22" presetClass="entr" presetSubtype="4" fill="hold" grpId="0" nodeType="withEffect">
+                                  <p:stCondLst>
+                                    <p:cond delay="0"/>
+                                  </p:stCondLst>
+                                  <p:childTnLst>
+                                    <p:set>
+                                      <p:cBhvr>
+                                        <p:cTn id="10" dur="1" fill="hold">
+                                          <p:stCondLst>
+                                            <p:cond delay="0"/>
+                                          </p:stCondLst>
+                                        </p:cTn>
+                                        <p:tgtEl>
+                                          <p:spTgt spid="6">
+                                            <p:graphicEl>
+                                              <a:chart seriesIdx="0" categoryIdx="-4" bldStep="series"/>
+                                            </p:graphicEl>
+                                          </p:spTgt>
+                                        </p:tgtEl>
+                                        <p:attrNameLst>
+                                          <p:attrName>style.visibility</p:attrName>
+                                        </p:attrNameLst>
+                                      </p:cBhvr>
+                                      <p:to>
+                                        <p:strVal val="visible"/>
+                                      </p:to>
+                                    </p:set>
+                                    <p:animEffect transition="in" filter="wipe(down)">
+                                      <p:cBhvr>
+                                        <p:cTn id="11" dur="600"/>
+                                        <p:tgtEl>
+                                          <p:spTgt spid="6">
+                                            <p:graphicEl>
+                                              <a:chart seriesIdx="0" categoryIdx="-4" bldStep="series"/>
+                                            </p:graphicEl>
+                                          </p:spTgt>
+                                        </p:tgtEl>
+                                      </p:cBhvr>
+                                    </p:animEffect>
+                                  </p:childTnLst>
+                                </p:cTn>
+                              </p:par>
+                              <p:par>
+                                <p:cTn id="12" presetID="2" presetClass="entr" presetSubtype="4" fill="hold" grpId="0" nodeType="withEffect">
+                                  <p:stCondLst>
+                                    <p:cond delay="0"/>
+                                  </p:stCondLst>
+                                  <p:childTnLst>
+                                    <p:set>
+                                      <p:cBhvr>
+                                        <p:cTn id="13" dur="1" fill="hold">
+                                          <p:stCondLst>
+                                            <p:cond delay="0"/>
+                                          </p:stCondLst>
+                                        </p:cTn>
+                                        <p:tgtEl>
+                                          <p:spTgt spid="6">
+                                            <p:graphicEl>
+                                              <a:chart seriesIdx="1" categoryIdx="-4" bldStep="series"/>
+                                            </p:graphicEl>
+                                          </p:spTgt>
+                                        </p:tgtEl>
+                                        <p:attrNameLst>
+                                          <p:attrName>style.visibility</p:attrName>
+                                        </p:attrNameLst>
+                                      </p:cBhvr>
+                                      <p:to>
+                                        <p:strVal val="visible"/>
+                                      </p:to>
+                                    </p:set>
+                                    <p:anim calcmode="lin" valueType="num">
+                                      <p:cBhvr additive="base">
+                                        <p:cTn id="14" dur="100" fill="hold"/>
+                                        <p:tgtEl>
+                                          <p:spTgt spid="6">
+                                            <p:graphicEl>
+                                              <a:chart seriesIdx="1" categoryIdx="-4" bldStep="series"/>
+                                            </p:graphicEl>
+                                          </p:spTgt>
+                                        </p:tgtEl>
+                                        <p:attrNameLst>
+                                          <p:attrName>ppt_x</p:attrName>
+                                        </p:attrNameLst>
+                                      </p:cBhvr>
+                                      <p:tavLst>
+                                        <p:tav tm="0">
+                                          <p:val>
+                                            <p:strVal val="#ppt_x"/>
+                                          </p:val>
+                                        </p:tav>
+                                        <p:tav tm="100000">
+                                          <p:val>
+                                            <p:strVal val="#ppt_x"/>
+                                          </p:val>
+                                        </p:tav>
+                                      </p:tavLst>
+                                    </p:anim>
+                                    <p:anim calcmode="lin" valueType="num">
+                                      <p:cBhvr additive="base">
+                                        <p:cTn id="15" dur="100" fill="hold"/>
+                                        <p:tgtEl>
+                                          <p:spTgt spid="6">
+                                            <p:graphicEl>
+                                              <a:chart seriesIdx="1" categoryIdx="-4" bldStep="series"/>
+                                            </p:graphicEl>
+                                          </p:spTgt>
+                                        </p:tgtEl>
+                                        <p:attrNameLst>
+                                          <p:attrName>ppt_y</p:attrName>
+                                        </p:attrNameLst>
+                                      </p:cBhvr>
+                                      <p:tavLst>
+                                        <p:tav tm="0">
+                                          <p:val>
+                                            <p:strVal val="1+#ppt_h/2"/>
+                                          </p:val>
+                                        </p:tav>
+                                        <p:tav tm="100000">
+                                          <p:val>
+                                            <p:strVal val="#ppt_y"/>
+                                          </p:val>
+                                        </p:tav>
+                                      </p:tavLst>
+                                    </p:anim>
+                                  </p:childTnLst>
+                                </p:cTn>
+                              </p:par>
+                            </p:childTnLst>
+                          </p:cTn>
+                        </p:par>
+                      </p:childTnLst>
+                    </p:cTn>
+                  </p:par>
+                </p:childTnLst>
+              </p:cTn>
+              <p:prevCondLst>
+                <p:cond evt="onPrev" delay="0">
+                  <p:tgtEl>
+                    <p:sldTgt/>
+                  </p:tgtEl>
+                </p:cond>
+              </p:prevCondLst>
+              <p:nextCondLst>
+                <p:cond evt="onNext" delay="0">
+                  <p:tgtEl>
+                    <p:sldTgt/>
+                  </p:tgtEl>
+                </p:cond>
+              </p:nextCondLst>
+            </p:seq>
+          </p:childTnLst>
+        </p:cTn>
+      </p:par>
+    </p:tnLst>
+    <p:bldLst>
+      <p:bldGraphic spid="6" grpId="0" uiExpand="1">
+        <p:bldSub>
+          <a:bldChart bld="series"/>
+        </p:bldSub>
+      </p:bldGraphic>
+    </p:bldLst>
+  </p:timing>
+</p:sld>
+</file>
+
+<file path=ppt/slides/slide9.xml><?xml version="1.0" encoding="utf-8"?>
+<p:sld xmlns:a="http://schemas.openxmlformats.org/drawingml/2006/main" xmlns:r="http://schemas.openxmlformats.org/officeDocument/2006/relationships" xmlns:p="http://schemas.openxmlformats.org/presentationml/2006/main">
+  <p:cSld>
+    <p:spTree>
+      <p:nvGrpSpPr>
+        <p:cNvPr id="1" name=""/>
+        <p:cNvGrpSpPr/>
+        <p:nvPr/>
+      </p:nvGrpSpPr>
+      <p:grpSpPr>
+        <a:xfrm>
+          <a:off x="0" y="0"/>
+          <a:ext cx="0" cy="0"/>
+          <a:chOff x="0" y="0"/>
+          <a:chExt cx="0" cy="0"/>
+        </a:xfrm>
+      </p:grpSpPr>
+      <p:pic>
+        <p:nvPicPr>
+          <p:cNvPr id="5" name="Espace réservé du contenu 4">
+            <a:extLst>
+              <a:ext uri="{FF2B5EF4-FFF2-40B4-BE49-F238E27FC236}">
+                <a16:creationId xmlns:a16="http://schemas.microsoft.com/office/drawing/2014/main" id="{46607481-4307-4983-A746-36104B3BFDB7}"/>
+              </a:ext>
+            </a:extLst>
+          </p:cNvPr>
+          <p:cNvPicPr>
+            <a:picLocks noGrp="1" noChangeAspect="1"/>
+          </p:cNvPicPr>
           <p:nvPr>
             <p:ph idx="1"/>
           </p:nvPr>
-        </p:nvSpPr>
-        <p:spPr/>
-        <p:txBody>
-          <a:bodyPr/>
-          <a:lstStyle/>
-          <a:p>
-            <a:endParaRPr lang="fr-FR"/>
-          </a:p>
-        </p:txBody>
-      </p:sp>
+        </p:nvPicPr>
+        <p:blipFill>
+          <a:blip r:embed="rId3">
+            <a:extLst>
+              <a:ext uri="{28A0092B-C50C-407E-A947-70E740481C1C}">
+                <a14:useLocalDpi xmlns:a14="http://schemas.microsoft.com/office/drawing/2010/main" val="0"/>
+              </a:ext>
+            </a:extLst>
+          </a:blip>
+          <a:stretch>
+            <a:fillRect/>
+          </a:stretch>
+        </p:blipFill>
+        <p:spPr>
+          <a:xfrm>
+            <a:off x="478492" y="1969363"/>
+            <a:ext cx="11235015" cy="1749669"/>
+          </a:xfrm>
+        </p:spPr>
+      </p:pic>
+      <p:sp>
+        <p:nvSpPr>
+          <p:cNvPr id="4" name="Titre 1">
+            <a:extLst>
+              <a:ext uri="{FF2B5EF4-FFF2-40B4-BE49-F238E27FC236}">
+                <a16:creationId xmlns:a16="http://schemas.microsoft.com/office/drawing/2014/main" id="{71DAD576-81C1-4C62-856F-1D57A6B4982F}"/>
+              </a:ext>
+            </a:extLst>
+          </p:cNvPr>
+          <p:cNvSpPr txBox="1">
+            <a:spLocks/>
+          </p:cNvSpPr>
+          <p:nvPr/>
+        </p:nvSpPr>
+        <p:spPr>
+          <a:xfrm>
+            <a:off x="1203650" y="0"/>
+            <a:ext cx="10988350" cy="1123405"/>
+          </a:xfrm>
+          <a:prstGeom prst="rect">
+            <a:avLst/>
+          </a:prstGeom>
+        </p:spPr>
+        <p:txBody>
+          <a:bodyPr vert="horz" lIns="91440" tIns="45720" rIns="91440" bIns="45720" rtlCol="0" anchor="ctr">
+            <a:normAutofit/>
+          </a:bodyPr>
+          <a:lstStyle>
+            <a:lvl1pPr algn="l" defTabSz="914400" rtl="0" eaLnBrk="1" latinLnBrk="0" hangingPunct="1">
+              <a:lnSpc>
+                <a:spcPct val="90000"/>
+              </a:lnSpc>
+              <a:spcBef>
+                <a:spcPct val="0"/>
+              </a:spcBef>
+              <a:buNone/>
+              <a:defRPr sz="4400" kern="1200">
+                <a:solidFill>
+                  <a:schemeClr val="tx1"/>
+                </a:solidFill>
+                <a:latin typeface="+mj-lt"/>
+                <a:ea typeface="+mj-ea"/>
+                <a:cs typeface="+mj-cs"/>
+              </a:defRPr>
+            </a:lvl1pPr>
+          </a:lstStyle>
+          <a:p>
+            <a:r>
+              <a:rPr lang="fr-FR" sz="4800" b="1">
+                <a:solidFill>
+                  <a:srgbClr val="2157AE"/>
+                </a:solidFill>
+                <a:latin typeface="Bahnschrift SemiBold" panose="020B0502040204020203" pitchFamily="34" charset="0"/>
+              </a:rPr>
+              <a:t>Packages</a:t>
+            </a:r>
+            <a:endParaRPr lang="fr-FR" sz="4800" b="1" dirty="0">
+              <a:solidFill>
+                <a:srgbClr val="2157AE"/>
+              </a:solidFill>
+              <a:latin typeface="Bahnschrift SemiBold" panose="020B0502040204020203" pitchFamily="34" charset="0"/>
+            </a:endParaRPr>
+          </a:p>
+        </p:txBody>
+      </p:sp>
+      <p:pic>
+        <p:nvPicPr>
+          <p:cNvPr id="8" name="Espace réservé du contenu 4">
+            <a:extLst>
+              <a:ext uri="{FF2B5EF4-FFF2-40B4-BE49-F238E27FC236}">
+                <a16:creationId xmlns:a16="http://schemas.microsoft.com/office/drawing/2014/main" id="{91284114-CC28-41B2-994A-E6EB197CA7D0}"/>
+              </a:ext>
+            </a:extLst>
+          </p:cNvPr>
+          <p:cNvPicPr>
+            <a:picLocks noChangeAspect="1"/>
+          </p:cNvPicPr>
+          <p:nvPr/>
+        </p:nvPicPr>
+        <p:blipFill>
+          <a:blip r:embed="rId4">
+            <a:extLst>
+              <a:ext uri="{28A0092B-C50C-407E-A947-70E740481C1C}">
+                <a14:useLocalDpi xmlns:a14="http://schemas.microsoft.com/office/drawing/2010/main" val="0"/>
+              </a:ext>
+            </a:extLst>
+          </a:blip>
+          <a:stretch>
+            <a:fillRect/>
+          </a:stretch>
+        </p:blipFill>
+        <p:spPr>
+          <a:xfrm>
+            <a:off x="157599" y="317609"/>
+            <a:ext cx="900080" cy="516392"/>
+          </a:xfrm>
+          <a:prstGeom prst="rect">
+            <a:avLst/>
+          </a:prstGeom>
+        </p:spPr>
+      </p:pic>
     </p:spTree>
     <p:extLst>
       <p:ext uri="{BB962C8B-B14F-4D97-AF65-F5344CB8AC3E}">
-        <p14:creationId xmlns:p14="http://schemas.microsoft.com/office/powerpoint/2010/main" val="2056486711"/>
+        <p14:creationId xmlns:p14="http://schemas.microsoft.com/office/powerpoint/2010/main" val="2577531440"/>
       </p:ext>
     </p:extLst>
   </p:cSld>
@@ -4345,6 +8350,96 @@
     <a:masterClrMapping/>
   </p:clrMapOvr>
 </p:sld>
+</file>
+
+<file path=ppt/tags/tag1.xml><?xml version="1.0" encoding="utf-8"?>
+<p:tagLst xmlns:a="http://schemas.openxmlformats.org/drawingml/2006/main" xmlns:r="http://schemas.openxmlformats.org/officeDocument/2006/relationships" xmlns:p="http://schemas.openxmlformats.org/presentationml/2006/main">
+  <p:tag name="ISPRING_UUID" val="{B4031BF1-A3F4-4BC6-9C46-31D5416DAE19}"/>
+  <p:tag name="ISPRING_RESOURCE_FOLDER" val="C:\Users\chap\repos\7map\doc\meetings\general\Projet_7map_final\"/>
+  <p:tag name="ISPRING_PRESENTATION_PATH" val="C:\Users\chap\repos\7map\doc\meetings\general\Projet_7map_final.pptx"/>
+  <p:tag name="ISPRING_PROJECT_VERSION" val="9.3"/>
+  <p:tag name="ISPRING_PROJECT_FOLDER_UPDATED" val="1"/>
+  <p:tag name="ISPRING_SCREEN_RECS_UPDATED" val="C:\Users\chap\repos\7map\doc\meetings\general\Projet_7map_final\"/>
+  <p:tag name="ISPRING_LMS_API_VERSION" val="SCORM 2004 (2nd edition)"/>
+  <p:tag name="ISPRING_ULTRA_SCORM_COURSE_ID" val="AEDFB04D-0374-4EBC-B8FC-B0B81A0835A3"/>
+  <p:tag name="ISPRING_CMI5_LAUNCH_METHOD" val="any window"/>
+  <p:tag name="ISPRINGCLOUDFOLDERID" val="1"/>
+  <p:tag name="ISPRINGONLINEFOLDERID" val="1"/>
+  <p:tag name="ISPRING_OUTPUT_FOLDER" val="[[&quot;}\/\uFFFD{10F32765-4C81-4D55-A1F5-7136E690FD05}&quot;,&quot;C:\\Users\\chap\\repos\\7map\\doc\\meetings\\general&quot;]]"/>
+  <p:tag name="ISPRING_SCORM_RATE_SLIDES" val="0"/>
+  <p:tag name="ISPRING_SCORM_PASSING_SCORE" val="0.000000"/>
+  <p:tag name="ISPRING_PRESENTATION_TITLE" val="Projet_7map_final"/>
+  <p:tag name="ISPRING_FIRST_PUBLISH" val="1"/>
+  <p:tag name="ISPRING_PRESENTER_PHOTO_0" val="png|iVBORw0KGgoAAAANSUhEUgAAA+gAAAPoCAYAAABNo9TkAAAACXBIWXMAAAsSAAALEgHS3X78AAAg&#10;AElEQVR4nOzd23UbR7YG4J5Z8y5PBKI7AckRiI5AxFu/iY5AnAhMRWAqApFveGsqApERmEwAIiM4&#10;ZgQ+q+SCBUu84NIN1OX71uLymjlnZsBqAui/965d//rzzz8bAAAAYLf+bf0BAABg9wR0AAAASICA&#10;DgAAAAkQ0AEAACABAjoAAAAkQEAHAACABAjoAAAAkAABHQAAABIgoAMAAEACBHQAAABIgIAOAAAA&#10;CRDQAQAAIAECOgAAACRAQAcAAIAECOgAAACQAAEdAAAAEiCgAwAAQAIEdAAAAEiAgA4AAAAJENAB&#10;AAAgAQI6AAAAJEBABwAAgAQI6AAAAJAAAR0AAAASIKADAABAAgR0AAAASICADgAAAAkQ0AEAACAB&#10;AjoAAAAkQEAHAACABAjoAAAAkAABHQAAABIgoAMAAEACBHQAAABIgIAOAAAACRDQAQAAIAECOgAA&#10;ACRAQAcAAIAECOgAAACQAAEdAAAAEiCgAwAAQAIEdAAAAEiAgA4AAAAJENABAAAgAQI6AAAAJEBA&#10;BwAAgAQI6AAAAJAAAR0AAAASIKADAABAAgR0AAAASICADgAAAAkQ0AEAACABAjoAAAAkQEAHAACA&#10;BAjoAAAAkAABHQAAABIgoAMAAEACBHQAAABIgIAOAAAACRDQAQAAIAECOgAAACRAQAcAAIAECOgA&#10;AACQAAEdAAAAEiCgAwAAQAIEdAAAAEiAgA4AAAAJENABAAAgAQI6AAAAJEBABwAAgAQI6AAAAJAA&#10;AR0AAAASIKADAABAAgR0AAAASICADgAAAAkQ0AEAACABAjoAAAAkQEAHAACABAjoAAAAkAABHQAA&#10;ABIgoAMAAEACBHQAAABIgIAOAAAACRDQAQAAIAECOgAAACRAQAcAAIAECOgAAACQAAEdAAAAEiCg&#10;AwAAQAIEdAAAAEiAgA4AAAAJENABAAAgAQI6AAAAJEBABwAAgAQI6AAAAJAAAR0AAAASIKADAABA&#10;AgR0AAAASICADgAAAAkQ0AEAACABAjoAAAAkQEAHAACABAjoAAAAkAABHQAAABIgoAMAAEAC/uMi&#10;AABAOtquf9k0zQ/xBe3Fn7nw77+858WG/5/nA/0S103T/PHNvxf+9dVD/3o2nVz4E4LN/evPP/+0&#10;jAAAMKK26xeD9X7852L4Dv+3ZwVcg7uF4H4Vg/zN/Gc2ndzs+PVB0gR0AAAYQNv1+wsV7r2Fn6Eq&#10;26W4XQztTdOE6vsfs+nkqo5fHx4moAMAwJLarp8H7/2FAF5K9TsF1zG0X8WfG8GdmgjoAADwjYWW&#10;9JcLFfFX1mlnLueBPVTchXZKJaADAFC1hTC+vxDItaWnbx7aQ4v8lf3tlEBABwCgKnFK+mIYf+Ev&#10;oAi387Cuyk6uBHQAAIoWh7ftL4Ry+8XrcBcD+3kM7CrsJE9ABwCgKLFCfhADuX3jzN1+E9i/Pesd&#10;dk5ABwAga3Gy+v5CKFchZxkf54FddZ1UCOgAAGQntq3PA7k95GzqOob1U3vX2SUBHQCA5MVJ6wcL&#10;lXJVcsZyG9vghXW2TkAHACBJC6E8/Lx2ldgBYZ2tEtABAEiGUE7CQhv8qT3rjElABwBg59quPxTK&#10;ycjHGNRPXTSGJKADALATcdDboT3lZOwuVtVPVNUZgoAOAMDWxCPRQiA/aprmuZWnIJdxr7qqOmsT&#10;0AEAGF3b9QexWq6FndKFqvpJDOuq6qxEQAcAYBSxWn4Yf1TLqdFZDOoXrj7LENABABjUwt7yN1YW&#10;vtD+zlIEdAAABhEnsYe95S+sKNwrnKt+LKjzEAEdAIC1xXPLj7Sxw0rm+9TD9Pc/LB1zAjoAACtb&#10;2F9+5Ig0WJugzj8I6AAALC0G82P7y2FQgjpfCOgAADxJMIetENQrJ6ADAPAgwRx2wjC5SgnoAAB8&#10;RzCHJISgfjSbTs5djjoI6AAA/G1hKvuvVgWScRkr6hcuSdkEdAAAFoO5qeyQrrMY1G9cozIJ6AAA&#10;lWu7/jC2szvHHNJnkFzBBHQAgEq1Xb8fb/Rf+BuA7NifXiABHQCgMgbAQVHC/vRDbe9l+HftCwAA&#10;UJO260MwvxLOoRivwns6vrfJnAo6AEAFYjv7qX3mULTr2PZu2numBHQAgILF6ewhmL92naEa7+O0&#10;d0PkMqPFHQCgUG3XhyPTboRzqM7b2Pa+79LnRQUdAKAwcQjcadybCtRNNT0jAjoAQEHioKhQOX/m&#10;ugLRbZz0bm964gR0AIACtF3/MlbNnWkOPEQ1PXH2oAMAZC7uNb8QzoEnhL3pF/GBHglSQQcAyJS9&#10;5sAG3s2mE2enJ0ZABwDIUNv1BzGc22sOrOuyaZoDLe/pENCB4sSKUjObTm5cXaA08Vzzk6Zp3ri4&#10;wADuYkg3QC4BAjqQvXjG50H8ef7N73PdNM15uJn1dBjIXdw3en7PZx3Apt7PppMjq7hbAjqQrdje&#10;ebLkjeptfDp85YoDOYqD4H5z8YARaXnfMQEdyE6smB+vMRQptHDtC+lATmJLe9hr/tqFA7ZAy/sO&#10;CehANuLe8uMN913ezqaTPVcdyIGWdmCH/jebTk5cgO0S0IHkxepRaO38daDX+stsOjl15YGUtV1/&#10;GLfxmNIO7MpZuAfT8r49/67lFwXyFG9QrwYM500M+wDJars+PET8IJwDOxa6Fi/mJ+QwPhV0IEmx&#10;rfNkjX3my/rRMWxAamLHUNj3+cLFARJiX/qWqKADSQk3p7Fy9PuI4Tx46coDKYkPJm+EcyBBoZvn&#10;U+xsZEQCOpCM+KF/s+EQuGUJ6EAy4uffhZZ2IHEfYiGFkfzHwgK7toV29vvYSwUkoe3644HnbACM&#10;6U3cjnNoeNzw7EEHdmaE6eyruJ5NJ6rowE7FStQ2uoYAhnbdNM2+kD4sAR3Yibbr95umOd3l2b6z&#10;6eRfrj6wC4bBAYW4iyH9ygUdhoAObFW8KQ3tnG8TWPmffKEA2xaPKzoXzoFCCOkDMiQO2JpYNb9K&#10;JJw3BsUB2xZnblwJ50BBwnDL3014H4aADowuHp0WhsB92mVL+z32XX1gW+JDSpPagVJ9ENI3J6AD&#10;o4rVoouEquaLBHRgK+JN6yfhHCjch1iUYU0COjCaeHTQ7wm3cj6Pe0EBRhPD+QcrDFTirbPS1yeg&#10;A4MLobft+otMzvVVRQdGI5wDlXojpK9HQAcG1Xb9URyA9CqTlRXQgVHENk/hHKiVkL4Gx6wBg4jH&#10;p4UP4deZrejtbDrR5g4MKt6UvrGqAM3HpmkOZ9PJH5biaQI6sLG26w9iOM91+JHz0IHBCOcA37mO&#10;Z6UL6U/Q4g6sLR6fdt40TZ/5ZGJHggCDEM4B7hUGBl/EjkseIaADa4nn+V5l2NJ+H/vQgY0J5wCP&#10;EtKXoMUdWEn8UD1O9FzzTfw4m05u8n35wC4J5wBL0+7+CBV0YGkLVfPSwnmjzR1Yl3AOsBKV9EcI&#10;6MBS2q4PVfNPTdM8L3TFBHRgZfEoNeEcYDUv4oBhvqHFHXhU2/Uv4wfoiwpWyjR3YGlt1x865xxg&#10;I2ez6USRZIEKOvCgWDX/vZJwHhwl8BqADAjnAIN4E7cJEamgA9+prGq+6K5pmj1DS4DHCOcAg1NJ&#10;j1TQgX9ouz5UkS8qDOdNPMv9IIHXASQqDssUzgGG9SbO9KieCjrwRdv1e7Fq/qryFbmeTScvE3gd&#10;QGJid9FFfJgHwPB+mU0nVbe8q6AD86r5lXD+xYtYIQP4m3AOsBUf4jaiaqmgQ8VUzR/0cTadaHUH&#10;vohn9da69QdgF36eTScXNa68gA6VilXzY9WgB/04m05uEn1twJYI5wA7EQb37td4/K0Wd6hMqJq3&#10;XR9uNn8Tzh91nPBrA7bnRDgH2Lpwj3oRuz2rIqBDRew1X8mbGr8UgK/iROE3lgRgJ0JIP4+dTNX4&#10;j781KJ+95ms7ij9AZeKQoreuO8BOvYjbjKo5YccedCicveYbCfuf9mbTyR8Z/w7AiuLE9t+tG0Ay&#10;zmbTSRXT3bW4Q6HsNR/EM3vRoS6x46jKycEACQtbD6u4J1NBhwKpmg/ORHeogIntAMn7ZTadnJZ8&#10;mVTQoSCq5qNRRYc6mNgOkLaTuA2pWCroUIjY9nMkmI9GFR0KFjuPfnONAZJX9IwgU9whc/Ep4qmq&#10;z+hCZe2g8N8RqtR2/b5wDpCNZyVPdtfiDhmLVfPfhfOteB1v4oGCxKFw564pQFZetF1f5F50AR0y&#10;FKrmbddfNU3zq+u3VScV/a5Qi3NbgwCyFCa7F3f0mj3okJE4YfhIMN+p4qeHQi3arg8P3d664ABZ&#10;+2k2nVyVcgkFdMhEbK8OwfC5a7ZTRQ8mgVq0XR9mSvQuOED2iro3MyQOEher5seqPMl4Fq/HUe0L&#10;AbmK+851wgCUoaihcfagQ8JihedGOE/O29LP4ITC2XcOUJYXcdtS9gR0SFComrddfx7bL91EpsnA&#10;OMhQvIFz8gVAed7G4lbWBHRITNv1R7Fq/tq1SdqreK2ATMQbNx1JAOU6zb3L0ZA4SMTCnshXrkk2&#10;DIyDTMR5Hje6kgCKd900zX6u92cq6JCAtuvD0LHPwnl2nhk0Bdmw7xygDi/iQN8sqaDDDsWj0+yH&#10;zN9kNp2c174IkKq4HeU3FwigKlnenwnosAOOTiuOVndIVNyLeKF6DlCdcH/2cjad3OT0i2txhy2L&#10;Q4quhPOiPMu5lQoKdyqcA1TpWdzelBUVdNiSOATuxHT2ov08m04ual8ESEWc7/GrCwJQtXez6SSb&#10;QoqADlsQ9z8eq+IU7za2Uml1hx2Lre2/uw4A5FRE0eIOIwo3iG3XX8XhRMJ5+Z5rdYdkOGEBgLnT&#10;OAMqeQI6jCB8ALRdfxKrNya01+VtnDMA7EhsbffZC8Dc81we3Gpxh4HFcGYoUd1MdYcd0doOwCOS&#10;P3pNBR0GEobAtV0f9rb0wnn1nmmvhZ3x3gPgIadxcHOyBHQYQGyn/Nw0zSvrSfRaqztsl9Z2AJ6Q&#10;fBFFiztsoO36/fgmf24ducddnOp+Y3FgXLEi8tkyA7CE/82mk5MUF0oFHdYQ29nD/pVPwjmP0OoO&#10;2+O9BsCyjlNtdRfQYUWxhTIcnfba2rGEV/EcfGAkbdcf2mIEwAqSLaJocYclaWdnQz/NppMriwjD&#10;iufa3hjOCcAakmt1V0GHJ8QzzbWzsynttzCOE+EcgDUl1+qugg6PiO3sR27+GMj72XSi3R0GEjub&#10;PllP+DKUdNUurZfub+CLy9l0sp/KUgjocA/t7Izo59l0cmGBYXNt1185Vo2CzUP3Hwvhe/798cfQ&#10;26barg+B/Yf4L+dhZf7vCfOULplWdwEdFsQWlxMD4BjRbTx67Q+LDOuLwxd/s4QU4DbOUbiI/7xJ&#10;9UFuLGDMA3v42fOQjEIkczSugA6Rdna26ONsOjmw4LAeg+HI2LwqfhF/rkp4YBuD+zy07+tAJFNJ&#10;3J8J6FSv7fqDWDX3ZcI2TWbTybkVh9W1XR+2IL2xdGTgbiGMX9Rymkd8iLa/8KPKTi52fn8moFOt&#10;2M5+6uxcdiSZVirISdwn+7uLRsIum6Y5rymQPyUG9oMY2A90v5CwcH+2t8vOlv/466A28UsitLL/&#10;6uKzQ8/iA6JkpoZCJpI6rxYWquQhlJ+bMfK9uCan8yNH44O2wxjWdTCSknB/Nt/2uhMq6FSl7fpD&#10;Z+aSmGSmhkLq4mf4BxeKRHwMgdN2pc3EjsaDGNi1wpOKnZ26I6BThTi85MQHP4n6SRskPK3t+hvV&#10;NnbsMlaBVcpHoLJOQq5n08nLXbwcAZ2iOTaNTOzsSwByEU/asDWJXbidt2ebG7I9cYjvgYGQ7NBO&#10;uhwFdIq0sM/csWnk4t1sOjl2teB7jlVjRy5jKD91AXZn4Z7uUFWdLdvJQF8BneLYZ07GtLrDPdqu&#10;D5/pb60NW3IW7iN8HqcnVtWPnMDDFp3NppPDbf4PCugUwz5zCnAbn9Ta1whR3Kr02Xowsrt4D6GN&#10;PQNxr/qR9ne2ZKsD4xyzRvbsM6cgz3d9tAckyNYPxjQP5icejuYjdjccxtkUx4I6IwufEVubFaSC&#10;TrbinqRjbY8UaGdHe0BKYmfUJxeFEQjmBYnFGkGdMf2yrXkUAjpZarv+KH4Q22dOiW5n08meK0vt&#10;2q6/sNeUgQnmBRPUGVH47NjbxueGgE5W4gC4Y1M8qYCp7lRN9ZwRhOFvx/aYl8/2R0aylXszAZ0s&#10;xBu1Y5UUKvOjG0lqpXrOgMJxaUemstfHAGEGtpVj1wyJI2megFK58Ld/UPsiUJ94Uy2cs6nbWDF3&#10;jnml4jyXl47gZSDPYsFw1GPXVNBJUhwAd2IPERgYR31UzxnA+xjO7TPnC8OFGdCoHY4COkmJH55H&#10;8cdTTmiay9l0sm8dqEXb9aFrpHfBWdN1qG5pZ+ch8Qz1U23vbODjbDoZrcNRQCcZJrPDg1TRqUbb&#10;9TcGgbImwzVZWjxDXUGIdY12b/Zvl4RdC/uC4g3Zbz4k4V5uOKlC3CcqnLOqUDX/SThnFfHv5WUc&#10;IgirGu3zRgWdnTFZE1aiik7x2q6/8p3AilTN2Vjs4vzNSrKiUe7NVNDZuhDM4wCgT27EYGluQCla&#10;fGjrO4Fl3cabY5+NbGw2nYSC0U+xGwOWNcrnjwo6WxOHcpyYzAtr+8ngI0plcjsr+BgHwZnQzuDa&#10;rj8x6Z0VDF5FV0FndOEs87brw7TM3918wUaOLB8lcu45K/hfmJ4snDOW2XQSvmsnTdPcWWSWMPiZ&#10;6CrojCYE89j64SxzGM5/3ZhSGtVzlhDC0r4uIrYl3see23rDEgY9F10FncEtVMw/C+cwuMGf1MIu&#10;qZ6zhLAveE84Z5tC4JpNJ2F75pmF5wmD7kVXQWcwbdf/EFtwnSkJ47mONwxQhLbrQ4XqtavJA85m&#10;04kHk+xUPALyg6vAIwaroqugs7EQzNuuD0+Owh/lr8I5jOpFbLuD7MW/ZeGch/xPOCcFs+nkNE55&#10;ty+dhwz2WSWgszbBHHbmwNJTCEdkcZ8Qgn6JR19BEuIWi5eOYuMBR7GbeGMCOisTzGHn9l0Ccher&#10;5+aU8K35MLhTK0NqYgvzvpDOPZ4NVUD5j9VlWfaYQzIEdEqgdZlvmdRO8uJJKi/jQGQPGVkUCpgb&#10;P1w0JI4nCeaQpJ/cxJKr+L1y4zuFBdcxnDtGkmwI6dzj59l0crHJwmhx50Fa2SFpJrmTswPfKSwQ&#10;zslSHGL4P1ePBRt3hwnofGfhHHPBHNJlkjs5MxyOOeGcrMVhhr+4ikRvNh0WJ6Dzt4Vg/jm26wjm&#10;kC4VdLLUdn2onj939RDOKUUcaiikM7dRFV1A575gDqRvkKM8YAeOLDrCOaUR0lmw0fecgF6xtuv3&#10;BXMAtiUerfbKgldPOKdIQjrR85Cz1l0MAb1CMZiH6YKfBHMAtsjec4RziiakE63d5u6YtYq0XX8Y&#10;/1hULyB/l7PpxHnoZMPRasRzzveEc2oQ77s/uNjVWvvzTgW9AuEDou36m/ghIZwDsAuOVqvbnco5&#10;NYmV9PcuerWexe+9lf2n9pUrVaxUHMWKuWm5AOya4XB1C+H8qvZFoC6z6eQo3pPbUlqnENBPV/3N&#10;VdALEyeynyycYS6cQ5nc6JKNtuvDsYAvXLFq/SKcU6vZdBKKZR/9AVTpdRyOuhIV9ELEm58jT+ig&#10;GjcuNRlRPa/Xu9jqCzULIf3Cg8oqhSr6ySq/uAp65hYmsv8unENVLlxuMrLWPjyydzabTkzup3px&#10;9sJ+nMVAXVae5i6gZ2ph8Nsng9+gOnfaRclFnGRsOFx9rnVOwFdCerVerNrmrsU9IwuD347c7EDV&#10;zmtfALKiel6fEEAOTGyHfwoP19uuP3L8WnVWanNXQc9AHPwW9m/9Xxz8JpxD3eznJAvxwfJrV6s6&#10;IZybkwH3cPxalVZqcxfQE7awv/yz/eVAdDubTuw/Jxcr770je+98RsHjwvFrTdNcWqZqrNTmrsU9&#10;QXG/3rEj0oB7GLhETgT0ulwaCgdLO4gnsuiMrcP+sh2QAnoi4lOVQ/vLgUdcOq6IXMTvNUcK1ePO&#10;vAFYXpjRELpl40lMlO9g2YCuxX3HwvnlcX/5Z/vLgSeYiExOhLW6GAoHK4onsryzblVYeh6LgL4j&#10;8Zg055cDy3rnaDUyo729Hu/tO4f1xG0h9qNXoO36pR5ca3HfooVj0g7tLwdWYF8nWdHeXpXrOPAK&#10;WJ/96HXYX+aoXBX0LVhoY58fkyacA8u61ipMhvzN1kOnBGwobg/xXirfUt+NAvqItLEDG7qzr5NM&#10;Ceh1sPUGBjKbTkJl9aP1LNrzZY5b0+I+MG3swEBC5fxwNp3cWFByEr8HX7loxbu19QYGd6jVvXjh&#10;AfbJY7+kCvpAtLEDAwrhfF9likypntdBOy4MTKt7Ffaf+n8Q0DekjR0Y2FkM59raydWTNx9kz9R2&#10;GIlW9+I9+R2pxX0Nce/AYWxl14ICDCHsNz+eTSePtj1BBlTQy/bls6r2RYCRHcUgJ2eU51novH6s&#10;S1IFfQVt1++3XR+ean2ObezeNMAQwvmnL4VzchduOnw3Fu9Ihw+MK86f8SCsXI9W0VXQnxCH3RzE&#10;N4l95cCQVM0pjep52cKZ56e1LwJsQ7g3CFtpm6Z5YcGLs//YoDgB/QGxjf043myoBgBDO1OJokAC&#10;etmOal8A2LLwnvtk0YvzaAX9X3/++WftC/QP8UnVoSNigJHMzzY3YImixI6z/3NVi3U2m05Ml4Yt&#10;i9trX1v34vz00D50FXRD34Dt+RjPNlc1p0Smt5fNfljYjSMBvUhhZouA/q226w9iMPdHD4ztf/aa&#10;UzgBvVzv49AqYMvCe6/t+ndxQDXlCN+Z9870qC6gxxa8ebXc0DdgbHdxr7nBSpROQC+TY9Vg9050&#10;+hbn5UO/UDV70MMRaTGYv0ng5QB1CDe2+4+ddQklsP+8aO9m04mADjvWdv2xKnpx/nvftseiK+iO&#10;SAN2SDinJqrnZbp77CggYKtU0csTqujfDQ3+d4m/adv1L9uuD+2kYb/UB+Ec2AHhnJo82KpH1k4M&#10;tYQ0xPeiB2ZluffhdjEV9IVq+ZED/YEd+0U4pzIq6OVRPYf0qKKX5d6H29lX0O+plgvnwC69NxCO&#10;Cr1y0YtzrnoOaVFFL869AT3LIXGq5UCirmfTiVZfqhIelDdN87urXpwfHa0G6Yk56EYVvRjfDYrL&#10;qoKuWg4k7tAFokLa28tzJpxDmlTRi/NdYSeLPeht1x/GG18tdECq3tl3TqV0jZTHzT+k7cSRa8X4&#10;bpJ7sgE9tszNg7kWDiBlhilRMwG9LJceNkLaQhW97fqzpmneuFTZS7uCbm85kKkjw5SomO/rshhy&#10;CXk4EdCLsPftL5HEkLhYLT+K4Vy1HMjJ7Ww6+e7DFWrQdn3Yf/7JxS7G3Ww6+aH2RYBctF1/YQtw&#10;/mbTyb8Wf4mdVdBVy4FCqDZRM+3tZfF5Bnk5FdDz13b93uJgzq1PcTeJHSiMvefUTPdIWXyeQUZm&#10;08lpnIND3v7xXbqVCrpqOVCoM3vPqZwKejmuHa0GWQoh/a1Ll7X9xUnuowb0uDft0N5yoFDnLiyV&#10;E9DLoXoOeToR0LP3j9kfgwf0WC0/jNXy59UsK1CbMExJQKda8fvew/dy+DyDDIXOl7brr3UpZ+0f&#10;D7sHC+gL1XLj/oEaXLjKVE71vBwfbdeBrJ3E2V7kabiAHibOLewtVy0HaqLaRO0E9HL4PIO8nQvo&#10;WftHN9paU9zbrj9ouz78IXxumuY34RyokAo6tTPBvRwCOmQsdsB8dA3zFbvRv1i6gh6r5YfxRyAH&#10;anZn2jGooBdCezuUITxoe+1a5u/JgN52/XwKuwsO8Jcr6wAq6IVQPYcyaHPP299Hrd0b0GO1/ChW&#10;y01oBfgn7e2gm64UAjoUIHTCtF3/UVE1f38H9LbrXy6cWe5LF+BhKuhULT7IJ3+X2tuhKBcCera+&#10;7kGP55iGp6eval8VgCXZf07tBPQyqJ5DWc7jAG8y9u/4pEU4B1jSbDpRQad2BsSVwXYdKEgcYHvt&#10;mmbp7zweAvqL2lcDYAV3FguaHyxB9u48bIQiefCWubXOQQeomBta0OJeAu3tUCYBPVNxJtyXgH5b&#10;+2IArMBAJRDQS+AmHgo0m048fMvXl+60ENBPa18JgBWooIMW9xII6FCuS9c2S38H9BN7KoEEhM+h&#10;dy4EZMH8mrzdxWFSQJk8gMvTXy3u8fzL49pXA9ip96Fldjad5PBZ5EsPyJ3PMSib93jGvgyJm00n&#10;J/aiAztw1jTNj7Pp5Cg+LAQSNx9iQ9Zs1YGyeY/n6e8hcXNHta8IsDVhb9TPs+nkMLc2y9l04qk0&#10;tbP/PH8+x6BgsejhPPT8/L0H/Ys48c9AAWBMoVNnMptO9gVdgN3w+QtVUEXP1H++edmhiv577YsC&#10;DC4MgDuO22ke1HZ96pU5T6OhafatQdZ8jkEdQkB/41pn5bsW9/BE9SruCQUYwnwy+95T4TxKfW+r&#10;ffJA7kxvhzqooOfnWfNtQI+OHLsGDCA87HsZJrOvMAAu9Qq6G1sgd27aoQK2suTru4Aeb6SXqXQB&#10;3CfMsvhpzQFwqVfQBXRomj1rkDU37VAPp3RlJpyU8u0e9LkQ0A+bpnle+yIBSwtfAocbPrFVQYf0&#10;Ceh5s1UH6nEjz2Xnh/ta3OdV9OPaVwdYSgjmv8ymk70B2qlU0AFGFOcNAXXQMZOhewN689cH+Klj&#10;14BHzAfAvYyfF0NIvYKu8gTkzAR3qIvCQoYeanGfc+wacJ8wAO5oheFvy3qR8mqrPMEXqT9I42Ee&#10;MkJdBPT87D9YQW8cuwZ8L3TV/BgHwA16o5fBGejAX5J+kMajtLtCXRQWMvRoQI8cuwaEtsifZ9PJ&#10;/hqT2ZeV+v5zW34AgGyM0OnIFjwZ0A2Mg6rNB8C93MJ5miroAONSTYP6mD2RmWUq6CGknzhHD6ry&#10;ZQBcnMw+1AC4p6ReQdcaCuRONQ3q432fl/uPWXvAYe2rBZV4H845nk0nOmcAylJFI9oAACAASURB&#10;VGJgFNTH+z4vL5cO6LG99WPtKwYF+xgHwI0xnX0Z+4kvrdZQIGsjzhAB0uV9n5mnjln71lG8iX5W&#10;+8JBQcLws+Mt7DHPnRYxqtd2feoP0gAga6u0uM+fvJ645FCEMFdiEiezpxDOXyXwGh6jgg7kzCwh&#10;qJP7l8ysFNCbv0L6sQ95yNpdnMwe9pmfu5TLcVQJkDltrlAn9y+ZWTmgRwbGQX6+TGaPA+C2NZl9&#10;KW3Xpz7B3UNJAADGttIU97/FdtgzlweyEd6v4Szz40Qrwamfga7yBADA2F6sOiRuURgYd2BgHCQt&#10;DIA7zGByb+oVdAEdAMiRPeiZWbfFfb4f0znJkKYQzH+OA+ByCJcq6ADjclIHVMgMnfysHdCbvy74&#10;SQwCQBpu4wC4VCazL2sv8dfnyw0AgNFt0uI+FwbGfXapYKfu4lnmuR6DmHpA1x4GAMDoNqqgN1/P&#10;Rn/nUsFOLE5mzzWcNxm0uKugAwAwuo0DevP1bPRrlwu2KvXJ7Kt4kfKLm00nKugAAIxuiBb3uTDV&#10;/ZNLBqP7GN5vmQx/AwAAljRIBb35ejb6ewsPo5lPZj8oKZy3Xb+fwMt4jEGYAABsxZAV9CYeuxbO&#10;Rn/u8sFgbuNZ5o7IAQCAgg1WQW++nrN36A8GBjE/Mm2v8HD+MoHX8BgPRgAA2IpBA3qj1R2G8GUy&#10;ewzmpxWsaOoT3IGvnGiQL5+1ABkYPKBHprrD6haPTDuuaP2cgQ6ZcKJB1lLvVgJG0Ha9h3OZGSWg&#10;a3WHlZ3Ng3kBR6atKvWArmIIAOTKw7nMjFVBnz9lf1fqwsFAQjD/cTadHFYYzOdSf7KrYggAwFaM&#10;FtCbv0K6Vne4Xzi666cYzGs/z/xFAq/hQRU/OAEAYMuGPmbtPgexAvXMxYUvwfzYkWnZuK19AYBi&#10;aHOFOtmDnplRK+jNX9WnUB08Km3hYEUh6P08m072hfOv2q7fT+W1PKD27gagHAolUCcP5zIzekBv&#10;/grp4aiojyUtHCyplrPMS6W9Hb6nswQARrKVgB4d+lKnIuHItP9VdJb5uhyxBvnRWZKptutV0qA+&#10;qd9r8Y2tBfQ4aOnABaBwi2eZn7jYT3LEGsD22IsK9RHQM7PNCvr86LX/lbBw8I3FYF7jWebrcsQa&#10;wPYI6FAf7/vMbDWgN3+F9BP70SlMOMv8pWC+Fu2WANvjMxfqk/RxtnxvG8es3ecwVqaeuyZk7Cwe&#10;mWY/ZqEM9oN7he/vV5YmSyppUJG2673nM7T1Cnrzz/3od7kvIFUKZ5n/OJtODoXzjanmQH50CuXL&#10;Zy7UxXs+QzsJ6M3X/ejORycnlwtnmQvmw0j5XN7LBF4DwJAMi4K6eM9naGcBvfl6Pvr7XBePaiwG&#10;cy3PA9F2BbB1thZCXQT0/FzuNKA3f4X0I5UqEiWYjyv1tisT3OF+Pg8z5ix0qMq+y52fXQ2J+9aB&#10;oXEk5DYOfzt1Uapmny1Qoj0PIKEaKugZ2nkFvTE0jnSEYP7LbDrZE863QgUdYPtU0KECcSuh4meG&#10;kgjozdehcQcJvBTqI5jvRup70FXQ4X4eXuVNyyvUwcO4PF0kE9Cbr2cO/5LAS6EOgvlupd52ZVI/&#10;3CN2vZEvLa9QBw/jMpVUQG9Mdmc7BPM0JH2T6Cg9oFDPnaIBVVBBz1RyAb35Otn9LIGXQlkEc5Z1&#10;a6XgUdeWJ2tu3KF83ud5ukoyoDd/hfRDNwAMRDBPU8pfHKrn8Dht7nnT+goFa7t+z4C4bP2RyjFr&#10;D9mP562+SPPlkbjwgOdEKE/Ws4Rfm/ABlExAh7Kpnmcs2Qp683UQzb5KOiu6bJrm59l08lI4T1MG&#10;+x9NqYbHXVifrLl5h7J5CJevdFvc54R0VjAP5vvxRADSlfrNoQo6ULJnbdcL6VAuAT1TIfsmH9Ab&#10;IZ2nhYGCPwnmDEgFHR5nTkP+3MBDgeL+c9uD83TXpN7ivkhI5x4hmP8YBgrOphOBKi8qN5A3AT1/&#10;AjqUyXs7X1/yTDYBvRHS+Ut4svSuaZr/xmDuJjFPSe9B14kBVMBNPJTJeztzWQX0Rkiv2Zej0pqm&#10;CUelHce/A/KV+pA44BEeYhUh7EN3Iw/lOXBNs/XluzX1Y9buFcJZ/FJxBFv5wuC3U9PYi5Nyi7uH&#10;f0AtDkzkh3LE4Y8pH2PLErIM6M3XSvrLtutDcHuTwEtiWGcxmLtxYNt0Z8Byrj0kz54KOpTl0PXM&#10;Wn570O8T9iHHPcnkb76/fD74TTgv117Cv5mBg7AcD7Py9yJOfAbKoL09b1++V7OtoC8Ke5Lbrg/D&#10;wk60dWQpVGFOtLFX5XnCv6zQAcsJ37uvrFX2DuL9E5Cx2N6e8v0VTyujgj4Xw91+HCZGHubnl78U&#10;zkmIkwFgOd4rZVBxgzLYspK5+RDsYgJ689cvdRWHT31M4OVwv/AA5X8Lx6RpJ65MfMKbMqEDluO9&#10;UoZXbdc7WQPyd+QaZu3vIcVFtLgvik8eDtquD3+kv6Xzyqpn6Btzqd8ICh2wHO+VcoQquk42yJT2&#10;9iL8vcWyqAr6otl0EvZT/eTIpJ26/qZaLpzTpB7QZ9OJ0AHLMa+hHCY/Q968h/P3d1dxsQG9+dry&#10;HvZjvE/g5dTiLq73fG/5yXw/BUQpt7jfJfAaIAu2KBXllWnukDWzJPL3d14qrsX9WzEcHrVdfx6n&#10;lDqzdRwfYwv7eYm/HNUQOGA1t9oqi2GaO2So7foDn8NF+LvTuPiAPhfbq1+2XX8chyg4jm1z1/HL&#10;/FyVnBWo0kA5btwYFuNIQIcsaW8vQz0V9G/FM9PDIJQQ1N+k9eqycB0HyZzbq8uaUg7o5iRQndja&#10;PH9f3qz42e4s9HI8D4OmbF2AfMTP79cuWf4WP3urC+jN1yFQh23Xn8SnxW4uHieUAxQk3tQdxbbm&#10;f1TA264PbevHs+lkmanevhPKcqQaB1nxfi3D7eJvUWVAn5sPkWu7fj9W1AX1r4RyxpLykDiVI4oW&#10;g/lTHWQhsH+Ix5UePlFR9Z4pSzim9gfb1iAbAnoZ/pG1qg7oc3F/+n48Q/Co4tb3MOgtDHm7EMoZ&#10;UcrzH9yUUqQQuuL3268r/H5hqOpFeIj9SEj3ninLs3jDby86JK7t+kMzQIrxjy2WAvqCeANyGAfJ&#10;Hcafkv/wbxcCuenroF2XAsWbuJM1H449iyF974Gqqgp6eQyLgzyonpfjH9+v//rzzz9rX5BHxaML&#10;5j+5T36/i09oLrSuswuxS+X3VBd/Np38K4GXAYMYePvW2Ww6ufdmsO16NxLlmXhwD+mKn++fXKJi&#10;/Bw7ur9QQX9C/IL68iWVYVi/jWH8KlbJVTrYtR8SvgK3S/z/QPLig7ChB6C+Cd1lDzzYvTTDpThH&#10;83sfIElHLktR/pHRBPQVfBPWX8agvh+HXu06sF/H9tyreSg35AVWoqOErC05AG4TBw+0PvuuKc+r&#10;uK3B5yIkxtFqxbn7NrMJ6GuK1ei/n3bEwP4yniW7H/859P71u/i/ebMQxv9YbImAxO0n/PKEDLK0&#10;5gC4dTwU0K/cLBbp2B5XSNKxy1KU7zqcBfSBfBvY5+JTrr34L1+u0OJ7s1DRu/EUG0ZnCwhZWQjm&#10;R1vq4nro+8t7p0yPbWsAdiDmilpPmyqVgL5t8Ytt/uWm0k3tUt6DDtmIk9mPt3zSyIsH/n3dJ+VS&#10;RYe0qJ6X57uHoP+ufUWArXqZ8HJ7gEbywuTetuvDl/mHVI4Btc2qaG9ixQ7YMdXzYqmgA0BuBj4y&#10;bV3Xj/zn7go4ipT7qaJDGlTPy/RdQFdBB7Yp5RZ3+2hJTqiYtF1/Gs+73fVRZo+1snv/lEsVHXYs&#10;PqRVPS/PdxPcGxV0YMse2sO6c44lJCVxANxJYjdkj4XwK2ehF00VHXZL9bxM936vqqADNM2tNSAF&#10;IZiHydlxaExq1ZLHpnmb9F22N/E4WWDL2q4/8AC0WPfOcBHQga2IFcFUCRfsXJzMfhPPM09xP/dj&#10;w+C0uJfvvjPwgfF575Xr3vtPAR3YlpSrL9rb2ZkQzBcms6c6aC3sk3uqxZ2yvYr7YIEtiR1VSZzY&#10;wSi0uAM8QLhg6+KRaRcpHZn2iPPH/o9mOFTjtPYFgG2JnYdHFrxcDz34FtCBbUm5xV24YGviZPaL&#10;RCazL2uZs84v03ipjOh52/UCA2zHqeMri/bgd6aADmxLyi3uKuiMbuHItM8ZDvxZJqB7H9XhOPGZ&#10;IpC9uJ3ktStZtAe/Mx2zBgAjWmhTPMq0GhL2ny8zSNGwxTo8i5W9g9oXAsYQvzNsJynfg9+ZKujA&#10;tqRccVH5YxQLR6alOpl9Gcu+P7yP6vHawDgYzZHBcFV48DtTQAe2JdkWdwOuGNrCZPacg/ncMu3t&#10;jYBenVOt7jCstutfxu8NCjebTh78bhXQgdpd174ADCdOZr/KZDL7spZqXY8Puu6SeMVsQ/j7PrbS&#10;MCit7XV49N5TQAe2JdVKi+o5GwtVj4XJ7C8KW9FV9parotflrVZ3GEbb9ScFfn9wv0e/KwV0YFtS&#10;/dIR0FnbwmT23zOczL6sVUL3su3wlEOrO2woPuh6ax2r8ej3qinuQO1U/FhZDCTHNdxQrTijwST3&#10;+sxb3Z2PDmswtb1Kjz7MVkEHRqe6QinC3/LCZPYaqh2r7in3wKtOWt1hfaemttdlNp1ocQd2LtkJ&#10;7lpyWVaYzB4DaAmT2Ze1UuB+6qaDop17GAurabs+dJ68tmxVuXzql9XiDgCPiJVBFY7lXRa8H5+H&#10;hYdW503TqKTDEuKRar9Zq+o8+SBbBR2onYof94pHps0nswvny/OeqteruAUEeETsNjm3RlUS0IEk&#10;JFtRWXEAFhVYmMz+SSV4LQbF1e1X+9HhSbqy6vXk1koBHajZravPXBwAF26aPjdN88bCrE0FHfvR&#10;4QGxy8S+8zrdzaaTJx9iC+hAzVT6+HYyu2C+odl0YvAizwzghO/FYaO/WppqLfUAW0AHtiHVdkft&#10;7ZWLN0s3lU1m34br8n9FnvAidqQAX4fCnViLqi314FJAB2qmFbdSbdcftF0fgvkHwXwU3lsEb+JD&#10;MKha3PJx4fumegI6ACxamMzeG9CzlHX3EWtvZu5DeCBmNaiVcM4CLe5AMl4meilU+SoRJ7NfmMy+&#10;shdr/ue8t1h0Gtt7oUbnG3yWUo7rZU8OEtCBbUj1qbE96IVbODLts2C+PbPpREBn0ZehcSa7U5v4&#10;/eO7h2aVzjIBHaiZKe6FWpjMfmUy+2bCQ441/wsuU/kdSIKQTlViOPf9w9zSD64FdGBUG9zcj26Z&#10;syjJT9v1RyazD2rd97AqOt96IaRTg/g9JJyzaOkK+n8sGzCyVAP6XQKvgQHFadHHhr8Nbt33cLgZ&#10;eZvw78VuvIh7clM9fhM2Er+LfrOKLLhdpSikgg7USnWvEHEy+1U8Mk04H54KOkN75Yx0ShTD+QcX&#10;l2+s9H0ooANj08rIKMJU6IXJ7Cbkjmet6duxWqBThYe8EdIpiXDOI1Y6elRAB8bmiDUGtTCZ/XfT&#10;cbdik20qzkPnMUI6RRDOeYKADrAER6xlZmEy+2fDd7Zqk+4EAZ2nCOlkTTjnCXerHj0qoAO1MsE9&#10;EwvBfD6ZnS0L2wnW/F/UqcIyvoR0093JTXy4JJzzmJW/BwV0YGypTuoV0DMQKxNXjkzbuXX3oaug&#10;s6w3jmAjJ845Z0krfw86Zg2A5ITJ7E3TnJrKnoxNZklcmhXAkubnpO/PphPbkEhSfIh0IpyzpJUD&#10;ugo6UCWVvTTFI9Pmk9mF83RsEtC1ubOKeUhPdcAoFYvh/EI4Z1nr3G8K6MDYNpkATSUWJrN/Um1N&#10;0ibXxMMwViWkk5z493jlWE9WcLnOYgnowNhSrIJeJ/Aa+DoA7tRk9vRtEJYEdNbxLIb0Q6vHrrVd&#10;fxA/y3R2sYq1vv8EdKBG9jbu2DeT2QXzPKw18DHuJfZQjHWEkP4hflbATrRdf9Q0TW9QKWtYK6Ab&#10;EgeMJuFpvAL6DsWK2Imbnezsx+u2Dm2hbOLX2MFxaHgc22IYHJtad96RCjowplT3DxpatQOhRbDt&#10;+pt4Zqxwnp9NjkzU5s6mXtuXzrbEvzPD4NjEWvvPGwEdgLEtTGbv7d/L2jP70Nmx+fC4AxeCsSzs&#10;N9f1wybW/t4T0IEaqaBvQZzMfmEye1HW3YceOidua188BhG6b/q269fdbgH3irNRTuw3ZyACOpCk&#10;VFsR7WEc0cKRaZ8F8+JocycVb9uuv9LyzhAWWtrfWlCGsO7+80ZAB0ZmSFxFFiazX9m3VywBnZTM&#10;W96PXBXWFf9+ftfSzoA+bvJfJaAD1ZlNJ1rcB7ZwZNqvWgOLZh86qQmfN7+F7TQJnxxCgha2Yf3m&#10;+jCwjb7vBHRgTG6WCheOTIuT2QXzetiHTorCdpqbeIwjPCpWza9sw2IkGwV056ADY0pxb+B1Aq8h&#10;e2EyezwfVktgfTY5D92xRYwpPCT8EEP6YXwoBH+LHUAngjkjutu0U1MFHaiN/ecbWDgy7ZNwXq3X&#10;G/zi2tzZhhC+ruLWG1ickfK7cM7INv6eE9CB2qiorGFhMrsj05h3UKzj3OqxJaGa/muc9L7JcEMy&#10;F881v4pbsWBsG3/PCejAmFJscRfQV7BwLuxnrcksOFhnMWbTyR+2mbBlodPnU3jAGB40Wvx6hHb2&#10;2PEVzjV/Xvt6sDUbV9DtQQfGZGhYpuI05KP44zryrU2PW7M9gm0LDxgP4gPHk/iwiALFBzHHHiqz&#10;A7dDzL5QQQdq44i1J8QBSyaz85gXGxxpZR86u/Isfq6Z9l6ghX3mV8I5OzLI95sKOjCKhM+jVTV5&#10;QNynd6IVkCWFv5fTNRZLQGfX5tPeQ5g7nk0n6/wdkwgdXyRkkDkrKujAWFLcf94I6N9bmMxunx6r&#10;WPc89PAevLTSJOB5DOoq6hlaqJjr+CIVKugAq9r0bMqSxH16p6ays6ZN96H7uyMVz1XU86FiTqKu&#10;h5ptIaADVMYAHQbyPPwtrTkQ59yRRyRoHtRP4nYfw+QS4ruLxA12jKgWd2AsKba4V328kwE6jGDd&#10;NvfwN3jngpCo+TC5/4vHs6W6ZasKYT5K3IbluE9SNth8FRV0YCwpDomrthISg7l2QIa2v+aguCbe&#10;zLx2RUhcCIRv2q6/jlX1c1X18cVq+WH8MRuF1N3NphMBHYCnxcFHx25wGMkm+9DPBXQyEs7u/xBC&#10;etv157H93UyTgcXvrAOfDWRm0NNJBHSgJtUc7xQms8dqz4sEXg7l2mQfuuPWyNGzhar6bXzQdCqs&#10;ry8e8Tn/0eVFjgbbf94I6MCINqmssaYYzI9NyGaL1mpzD6E+tg17iESuQmfS2/AjrK9GKKcwKugA&#10;a1qnypcF023ZoU33oQvolODbsH4RA/uFPet/f0fta1+nQNdrdpE9SEAHalJcQI/nwZ4I5uzQpvvQ&#10;37p4FOb5vA2++etz+jIG9oshB0mlLH437S+EcnNQKNXg7+l//fnnn/5agMG1XX+VYGXs51JujuLN&#10;z5HJ7CTix3UrCG3X/+FvmMpcxuMuw/fR1dDVt12IR9G9XAjlAjm1GPzeUgUdGEuKbatF7AuMU25P&#10;hBoS4rg1WN6r+POle6Tt+ruFwB7C+k2qD5Pjw+F5GN+L/zTzhFoNerzanIAOVCP3fYCOTCNhLzd4&#10;aY5bo3bPFkL7F23Xh3/Mg/vNNz/NWAF+IYA38Z8/LPxTEId/GuV9KKADtbjL9fc0mZ0MbLoP/YOL&#10;DN/5LrjPxQA/d3nPf/aPB7rG7nuv/mBYI6xl0OPV5uxBBwYX96L9ntjKXs6mk6yOfovreCKYk4n/&#10;rtulkujMCgB4zNrzVx6jgg6M4Qeruj5HppGplxu0+50L6ABkZPDj1eYEdKAWyU/JdWQamdvfMKD/&#10;6g8AgEyMNsjx3/4CgEokG9BDMG+7/ji+RuGcXK29hWQ2nYQW91tXHoBMrHtyyZNU0IExZLXXe1ec&#10;ZU5hNpnk3sQq+lt/FAAk7i4+WB6FCjpQi6TOQI9Hpl3Ftl7hnBI8i4MN15Xkuc8A8I1RprfPCehA&#10;LZI4Az0E87brb+KxUs4zpzRrB/TZdHKe83GIAFRj1ICuxR0Ygynu34hnmZ8K5RRuiDZ3cxgASNmo&#10;HV8COjCGTW/SBzebTnbSPhuD+bGzzKnEpu/9CwEdgIR9nE0no3ZlCugAIxDMqdQQFfQP/ngASNTo&#10;BR970IEabG1fa9v1e23Xh5DxSTinQmFQ3N66v3asSnz0hwNAokbdf96ooAMjWfsGfSSjT3CPoeRY&#10;ey58ef/fbLAM4ebntWUEIDHXs+lkk++3pQjowBiqGYQmmMN39jdsAXTcGgApGr163mhxByox+DCP&#10;tut/aLv+pGmaz8I5/MNGHTSxOnFtSQFIzFYCugo6UIPBWtxDMG+a5ij+PPPXA98ZYotLOJLwN0sL&#10;QCJuZ9PJ6FsmGwEdGNomA6JSJpjD0oY4ZvFcQAcgIVupnjda3IERpBjQNxro0Xb9cfzv+FU4hydt&#10;/B7R5g5AYgR0gAGtFdDbrj9su14whxW1Xb8/wJqdWncAEnA3m062NsBUizvAN0Iwj5PZq5lGDwnS&#10;5g5ACrZWPW9U0IERDLH/dGhLVdAXKuYfhHPYyMZbXbS5A5CIrQZ0FXRgaD+ktqLxRv9BsR03HJn2&#10;YrevFIox1CwK09wB2KXQ3i6gA2xDDOahlf2VBYckaXMHYJe2Gs4bLe5ADb4dWBX+ddv1YdjHJ+Ec&#10;0qXNHYAd23pAV0EHhjbE9OZRxDPaQyv7a1cdsqHNHYBd2dr09jkVdKAGB23Xh5v8z8I5bMWQNzRb&#10;r14AQNM0H2fTyR/bXggBHajB26Zp3rjSkB9t7gDsyE4eEAvoAMCgZtPJ0C2Bp64QAFsmoANFMHQN&#10;6jZGtVubOwDbtJP29kZABwAGNvhAHW3uAGzZzh4MC+gAwJDGakfX5g7AtgjoAED2bmfTydVIv4SA&#10;DsA27Ky9vRHQgSG1XZ/sGejAVhyP9T8Sb5Y+uowAjGync08EdABgCNez6WTsKrdhcQCMTUAHALJ3&#10;tIVfQEAHYEw7bW9vBHRgYD9YUKjS+xHOPv9OvGk68ycGwEh2Pu9EQAeG9NJqQnUuZ9PJNqrnc6ro&#10;AIzhbjad7Pw7RkAHANYVziY/2ObqxZunO1cMgIEl8QBYQAcA1hHC+f6O9uqpogMwNAEdKI496FCH&#10;jzsM58GJvzMABpREe3sjoAMDswcdyvduNp0c7HLK7Ww6uWqa5tbfGgADSaYzS0AHAJYRAvHPs+nk&#10;OJHV2vmkXQCKIaADRVJBhzK9D+/vbRyltgIBHYAhJNPe3gjowFDarg/h/JkFhaKEQXA/hWPUdtnS&#10;fp/ZdHITXx8AbCKpwaP/SeA1AGXY5jnIwLjCMWbHs+kk9WFs4fV9SOB1AJCvpAK6CjqwsbbrwznI&#10;b6wkFOGsaZq9DMJ547g1ADaUVHt7I6ADm4rh3F5QyN91HAJ3mFo7+0Pi6zxL89UBkIHkHvRqcQfW&#10;0nb9D7Gt/VcrCFnLpZ39Iec6eABYU3IB/V9//vlnAi8DyEnb9Yfhhr5pmucuHGQtVJ+TGwC3qrbr&#10;b3weAbCi0N7+Q2qLpoIOLE0wh2Jcx2Ce0rFpmwgVkLf5vnwAdiDJOSYCOvCktuv347TkF1YLspZ7&#10;O/tDTgR0AFaUZEDX4g48KAbzUDF/ZZUge0W0sz+k7foLn1UALCnJ9vZGBR24j2AORbmMwfyq8Mt6&#10;6jMLgCUle0yngA78re36vdgq+tqqQPZuYzt7LccgnsfPr2cJvBYA0pZsQNfiDsyD+bGjiqAIdzGo&#10;npTazv6QtutPfY4B8IRk29sbFXSom2AOxfkY29lvKr20Jz7PAHhC0ieYCOhQobbrf3AjC0Up7di0&#10;tYR99m3X3zoKEoBHJNve3gjoUJcYzI/ij32akL+7GMxr2We+jPDw8bf0XyYAOyKgA7slmEOR3tW4&#10;z3wJpwI6AA/4mPr3poAOBRPMoUhncTp7rfvMHxVuvNquP7OFB4B7JF09bwR0KFfb9UdxAJxgDmW4&#10;jMG86n3mSzoX0AG4R/IB3TFrUJi26w9jMDckCcpQ23nmg2i7/sbnIAALQnv7QeoLooIOhRDMoTh3&#10;cY/5sUu7lvBA49cMXzcA40i+et4I6JA/wRyK9D5WzQ2AW5+ADsCiLAK6FnfIVNv1B/E4IcEcyhH2&#10;mR8aADeMtuvDzdjrEn4XADaSRXt7o4IO+Wm7fj9WzF+5fFCM63ieuQFwwzoV0AHIpXreqKBDPgRz&#10;KJIBcCMzLA6Apmn+m8u2MRV0SJxgDkUyAG577EUHqNtlTjNdBHRIlGAOxTIAbrtOBHSAqmXT3t5o&#10;cYf0COZQrLMYzA2A27K260MV/U1VvzQAcz/m9N2rgg6JEMyhWJcxmBsAtzsCOkCdrnN7MC6gw461&#10;Xb8Xg7mbRyjLbTwyTTDfsXAN2q6/NSwOoDrZDWEV0GFHBHMolsnsaQp70X+rfREAKpPV/vNGQIft&#10;E8yhWCazp+00fvY+q30hACqRXXt78O8EXgNUIQTzOKjos3AOxXnXNM2ecJ6uODU/u0oKAGvLspNN&#10;BR1GpmIORTOZPS8nPosBqpFlQHfMGoxEMIeifWya5kgwz0/b9RdOywAo3sfZdHKQ4y+pgg4DE8yh&#10;aI5My9+pgA5QvGy3NKmgw0AEcyiaI9MK0nb9H4bFARTtv3H2SHZU0GFDgjkUzZFpZQp70X+tfREA&#10;CvUx13DeCOiwPsEcinYXg/mJy1ykUwEdoFhZn9ihxR1W1Hb9fhgO1TTNa2sHxbmL1dWTnJ++87R4&#10;7KUHrADlyba9vVFBh+XFYH5suBAU632smgvmdRDQAcqTdXt7I6DD0wRzKJ6zzCsUBv61XX/psx2g&#10;KNnPjBHQ4QGCORTvMk5mF8zr5cg1gHLczaaTrPefN/agw/cEcyies8z5W9v14QHNcysCkL2z2XRy&#10;mPsvoYIOUdv1h3H42wtrAkW6Du9xwZxvhKGAv1kUgOxlXz1vVNDh72B+q0TmygAAIABJREFUrIIC&#10;xXKWOQ9qu/6HpmlCFf2ZVQLIVmhv/6GEy6eCTrUEcyieYM6TwrTftutPnIsOkLVivusFdKoSKyWh&#10;jf1QMIdiOcucVZ0K6ABZKyaga3GnCgvB/EgbIxRLMGdtbdc7Fx0gT7ez6WSvlGungk7R2q7fW6iY&#10;C+ZQrrM4AE4wZ13HAjpAlk5Kumwq6BQpBnM3W1C+s7jP3FnmbKzt+jAB+LWVBMjKjyXdB6igU5R4&#10;hvmhYA7FC2eZHwrmDOxEQAfIymVp9wICOkWIwTxUzF+5olC0y1gxd5Y5gwt/V23XX/ouAchGcSe1&#10;COhkzVFpUI3bWDEXzBlb+E75ZJUBsnBe2mWyB53sxInsh3H4m2AOZXOWOVvXdv1V0zQvrDxA0s5m&#10;08lhaZdIBZ1sOCoNqnIXp7IL5uxC2Iv+wcoDJK246nmjgk4OTGSHqjjLnCS0XX+jSwsgWUWdfb5I&#10;BZ1kGfwGVRHMSc2xKjpAsoqsnjcq6KQoDn47sv8PquEsc5Kkig6QrKLOPl+kgk4SFvaXH7oZgmoI&#10;5qROFR0gPdcl3zuooLNTC/vLDwx+g2o4y5xsqKIDJOeXkofIqqCzE7FifmLwG1RFMCdHqugAaSl2&#10;/3mjgs4uxKr5uT3mUI3beGRa0V+olEsVHSAZRZ59vkgFna1qu/5l0zQX2tmhCrexYu4sc3Knig6Q&#10;huLvKVTQ2Zo4nd0NDpTvLh6XduxaUwpVdICdK/bs80X/TuelULK261UfoHwhmL9rmmZPOKdA/qYB&#10;dquKjjwVdEZlGBxU431sZ//DJadUqugAO1Xs2eeL7EFnNDGcXxgGB0Vzljk10Q0GsBsfa7nXUEFn&#10;FIbBQfHCkWmHgjm1UUUH2IlJLafBqKAzuLbrD+IeEeEcyuMsc2qnig6wXbc1HdVqSByDipPae+Ec&#10;inPdNM3Ps+lkXzinZvHYwGt/BABbU9VxrSroDKbt+lPD4KA4zjKH7x01TfPJugBsRVX3IPags7E4&#10;DC60nbyymlCMcGTakWAO92u7/sL3HsDownC4g5qWWYs7G2m7fi8Og3OTAmVYPMtcOIeHORcdYHzV&#10;3YuooLM2k9qhKCGYn4QfZ5nDclTRAUYVhsPt1bbE9qCzljgM7kQ4hyI4yxzWE/ai/27tAEZRZSef&#10;Cjori+HcETOQP8EcNmRAKsBo/ltjV58KOitxIwJFcJY5DOfY9yLA4M5q3XInoLOUOKk9hPPXVgyy&#10;JZjDwEIHStv175umeWttAQZT7aBaLe48KYbzcEP/wmpBlm7jkWnnLh8ML35P3pjLAjCIKofDzTlm&#10;jUfFSe03wjlkKQTzX8KXnHAO44ltmCeWGGAQVR9jqcWdB7Vdv980zbmKAGTnLrayCwywPeH9Foao&#10;PrfmAGu7i/mjWiro3CtOav8knENWwpfau6Zp9oRz2K5YRa+66gMwgNNah8PN2YPOd9quDzcYv1oZ&#10;yMr7WDWv+ksNdq3t+ivbwgDW9mPtx79qcecfHKMG2XGWOaTlKHagAbCaj+5nVNCJ4gTasN/jlTWB&#10;LHyMk9mr/yKD1LRdf+H7FGBlPzsKVgUdx6hBbpxlDukLc1w+u04AS7t1b/MXQ+Iq5xg1yMZlfLK8&#10;7wsM0hY7W85cJoClGbIZqaBXzDFqkIXbWDE/dbkgK2Ev+oHvWIAnVX+02iIV9Eo5Rg2SF4L5L7Pp&#10;ZE84h/zEExUcdwjwtBOn0HxlSFyFHKMGSbuLX1RavaAAbdeHdvfnriXAg6o/Wm2RCnpl4jFqwjmk&#10;JwTzd03T7AnnUJQjlxPgQWfC+T+poFciTmoP4fx17WsBCXof95lr74ICOXYN4EE/zaaTK8vzlSFx&#10;FXCMGiTrLAZzT46hbKGK/rtrDPAPl8L597S4Fy4eo3YlnENSzuJ+q0PhHMoXb0AduwbwT7b03UMF&#10;vWAxnF+Y1A7JuIwVc+eYQ30cuwbw1a37ofupoBcqHqMmnEMaQjD/eTad7Psygjo5dg3gH1TPH2BI&#10;XIFiOP9Q+zpAAsJZ5kez6eTcxQAax64BNLF6vmcl7qfFvTDxGLU3ta8D7NhtbGU/dSGAb4RW996i&#10;ABVzf/QIFfSCCOewc3exYu6LB3iQY9eAioV7pT1Hyz5MBb0AjlGDnbuLe0tPfOEASwhb0T5bKKBC&#10;7pWeoIKeubbrw/6Nc+EcdkIwB9bSdn347Hhr9YDK/Nc90+NU0DPmGDXYqbPYzu5LBljHcayk+w4H&#10;anHmvulpjlnLVNv1B8I57EQI5j/OppNDXzLAuuLnx5EFBCriaLUlaHHPkGPUYCc+xor5jeUHhtJ2&#10;/ZVtakAFQvX80IV+mhb3zNizBlt3GY9Mu7D0wAhCFf2ThQUKp3q+JBX0jDhGDbZKMAe2wvc7UDjV&#10;8xWooGfAMWqwVbexlf3csgNbEipLB+bKAIVSPV+BIXGJW5jULpzDuEIw/2U2newJ58A2xdkWJxYd&#10;KNBH83tWo8U9YY5Rg624ja3sp5Yb2KW268NN7HMXASjIz7YLrkYFPVFxUvvvwjmM5q5pmndN07wU&#10;zoFE2KMJlORSOF+dCnqC2q4P+zR+rX0dYCR3sZX0xDnmQGrarg83s69cGKAAqudrMCQuIXEY3IlJ&#10;rjCad4I5kLhQRf/sIgGZUz1fkxb3RCxMahfOYXjhyLQfZ9PJsXAOpCwOU3rnIgGZM7l9TSroCTAM&#10;Dkb1v9l0YjoykJOTWEk3MA7Iker5BlTQd8wwOBjVL8I5kJvY6aP6BOTK59cGBPQdars+TI7+UO0C&#10;wLh+MZ0dyFX8/Lp0AYHMnKmeb0aL+w60Xb/XNM150zQvqvvlYTs+CudAAY5ilx1ALlTPN6SCvmVt&#10;1+83TXMlnMOojiwvkLvZdBLuF85cSCATZ3HQJRsQ0Leo7fqwF/aT/eYwqmtfDkBBwgPHOxcUyIDq&#10;+QAE9C0IU9rbrg9Pwd8W/8vC7p27BkApDIwDMqF6PhABfWRt1x/FI9S0tMN2GEwCFCWeRnHrqgIJ&#10;8yBxIIbEjSSebR6+UF8V+QtCujy9BUp0GLfJAaTmner5cP71559/lvK7JKHt+h9iMH9T+1rALsym&#10;k39ZeKBEbddfePAPJCbMyNiL23EYgAr6QOLRaYdxmIshcADA0MJ9xmerCiTkRDgfloC+gVgtD8em&#10;HaiYAwBjCi2kbde/N3QWSMRd7BxmQAL6kuKe8vOF/a0/GPwGAGzZcayk69YDdu1I9Xx49qCvoO16&#10;iwWJswcdKF08IeY3FxrYodvZdLLnAgzPMWsAABlx7BqQgCMXYRwC+mp8GQIAKTh0FYAduZxNJ+cW&#10;fxwC+mqc7wcA7NxsOglHrl26EsAOHFv08QjoQFHikYcANdBiCmzbWXxAyEgE9NVc5fRioVICOlCF&#10;2XQS7kvOXG1gi1TPRyagr8YxAgBAStwsA9vybjad2PI7MgEdACBT8Wb5nesHjOyuaZoTizw+AX01&#10;9lsAAKk5iTfPAGM5mk0nuom3QEAHAMhYvGlW2QLGcj2bTk6t7nYI6AAA+VNFB8bixIgtEtBX4EgB&#10;ACBFsYpuYBwwtI8y0HYJ6MAyrq0SQNpm00moot+6TMBA7lTPt09AX532MWpy2TTNz03T7LvqAFlQ&#10;RQeGcuJYte0T0Fd3ldsLhjWECsxkNp3sh7am2Dp5mclCvkzgNQDsRBzkpIoObOp2Np144LcD/6nu&#10;NwYeE27qjh+Y1BkeTr3KYPV+SOA1AOxSuKn+4AoAG9DaviMq6KvT5kGJwtaNd6H6/MgxGv72ATKg&#10;ig5s6HI2nZxbxN1QQV+dkEJp3seq+R9P/F62dwDkQxUdWNehldsdFXSo11nTND/OppOjJcI5ABlR&#10;RQfW9M5guN1SQV+dKiK5C8PeQij3twxQtnDs2m+uMbAkg+ESIKCvTqWRXF3HYH7hCgJU4TS2uj9z&#10;uYElaG1PgBZ3KF9ocfxlNp283DCc72WyUqa4A/zV5v5HrKIDPOWjIk4aBPT/b+8Orts4kjAAjzcB&#10;KQPRSEDcCERHIOKGm6kMqAiWzIDMQLzhBjIDIYIVE8ATMjAi0L62m15JBkkQmAGqu7/vvT2uHzAj&#10;jeZHVVe9kD+4FGSVzxEdPTGZ/SVKCej2oAP8n4AOPGeleh6HgA71eViZduQcEUDbchX9pvXrADxp&#10;k20+7Ikz6NtZOc9FUDf5ITvE9M1SKugA/ChV0X93TYA10s5znTaBqKBvx/RropnnlWlnA67GENAB&#10;CpS3dszdO2CNcxclFhV0KNs8V8zNRgDgKWkWyTtXCPjOpbW78aigb8cZDQ4tTWYfL6bjE+EcgOfk&#10;YaFLFwrI7DwPSkDfjl+aOJRVXpmWBsDdugtrqRABrNfHRg+gDqa2ByWgQxm+n8x+qBcsZ9AByiag&#10;A8m1Dsy4BPTtDDWEC9a5fliZduAVGG/cHYBy5SGihsVB29JRF63tgRkStx0BnX0YcmUaAG0yLA7a&#10;dmbneWwCOsSTqhvnpmoCMIDbvBf9lYsLzdHaXgAt7tsRnBhCCua/5cns/oztYDSZOS8PsEaunBky&#10;Cu3R2l4IAX0L2kLomZVp/RPQAR4noEN7tLYXQkCHw1mWsjJtNJmdBPgYAPQg/5uzci2hGVrbCyKg&#10;b88UVLb1sDLt+IAr0wBomyo6tEFre2EMiYP9uskD4LQYAXBIKaD/7g5A9bS2F0ZA354/6LzEPD8g&#10;rUzbj9ctfEmAHWh3hfppbS+QFvftmbLNJpbfTWYXzvfnuJUvCrCNXFFzXA/qda+1vUwq6DCMdM78&#10;ajEd1/JgNBUdoD6pzf2d+wpV0tpeKAF9e6qhPKbGc+YCOkB9tL5CnS4X07Fu30Jpcd+egM7PUqvg&#10;vxfTsV8sAQgvv8BbtwZ1mVfUwdkkFXTY3SpXzK1Mi0PFH2AzqYr+3rWCKqR30jO3smwq6NtTQSe5&#10;TmFQOA9HQAfYjDZYqMe5ocTlE9C35A9/8x7a2VvZaW5tGUCdnEOHOtwpGNVBizu8TKvt7NaWAdRJ&#10;BR3Kt9TaXg8V9N3cl/zheTHt7ABUJXeBLd1VKNqpAcX1UEHfjb8IbbjPuyRVGcphry/A5tK/b29c&#10;LyjSR++odRHQ4XGpnf1iMR1fuUYAVOyLSe5QpLn31Ppocd+NwSr1usvt7B56ANTO4FsoTyoknbpv&#10;9VFBhx8tczu7H19+ZEgcQL0EdCiPc+eVUkHfjb8UdblcTMdHwvlarwJ+pieNJjM/KgBsRkCHslx6&#10;X62XgL4bAxnqkHaa/7qYji9avxCVsbsdYAOL6VhAh3LMvbPWTYs7LWt1pzkAAOVZOndePxX03fjF&#10;uVw3dpoDwN/mLgWE59x5AwT0HWgJK1L65fG3xXR85gG3mdFkVmqruDPoAEAt7DtvhBZ3WnLpzM5W&#10;Sg26zqADADW4sfq3HSrou7sv/Qs0wBA4AHiarkCIKWWNc/emHSrou9MmHZchcACwGQEd4knvso5l&#10;NkYFnVpdGwLXPGfQAYCSnTl33h4V9N2lvzTvSv8SFbnPVfPPrV8InEEHAIqVZifdun3tEdB3p+Uk&#10;htQCdOWc+SBUogEA9ufOO227BHRqMM8tQM7PDUMlGgBgP1I36Jlr3S4BfXeplfo/pX+JQi1zO7v2&#10;H9ZR+QcASpI6Qk8NhWubIXGUKg2BOxbOecIrFwcAKMipjlBU0HfnF679muequYmWAADU4oMhx3QC&#10;+u5SUBxNZqV/jRLYaX44zqADAAznxjsuD7S4U4IbO80Pqtiz3KPJ7CTAxwAAeMx8MR0bCsffVND7&#10;kYaVvanhiwRjpzkAALVK77qn7i7fE9D78VVA71VqZ79YTMdXFX0nAAB4YGI7awnoRHOTq+YeVvTh&#10;yFUE2Ih5I7A/KZyfmNjOOgJ6P9JE8Xc1fJEDMp2dIQjoAJspdt4IFMg7L48S0Puh2rs909njE3IB&#10;APrxwXsvTzHFnUO6NJ29COYrAADszjo1nqWC3o80Zfw/NXyRPUnt7GfO3bAHWjYBgAhurFNjEwI6&#10;+7TMwdzaNPbF0COAzZilA8O5F87ZlIDOPjhnDgBAi9Ku8xN3nk05g94DFeFHrZwz58BU0AGAQ1nm&#10;dWoGSrMxFXSGkvaZXzhnXrbRZFb6BPe3AT4DQGijycy8DuhfKlSdCue8lIDen/SX8FUtX2YH9pnX&#10;xYo1gPrpNoJ+rXLl3PswLyag9+dL4wNW5rlirt0fAICWCedszRl0dpXO1owX0/GJcE5EWjcBnuU5&#10;Cf35IJyzCxX0/nxtrIK+zBVzw9+ITusmwNM8J6EfH7wbsysBvT+tDEMTzAGgLuaNwO6Ec3ohoLMp&#10;wbxNNby0efEEeJrnJOxGOKc3Anp/aj1rIpi3TUAHAHjcpfdk+iSg96e2HYf3XdddeeAAQPVa3kID&#10;u7hZTMcXriB9EtD5mXVpAADwtBTOz1wj+iag9yQF2tFkVvJXuMkVc2shqM2JOwqw3mgy84yElxPO&#10;GYyAzl3XdeeL6biVKfQAALAt4ZxBCej9WnVd96qgz3q2mI5vA3wW4rIbF6BuKuiwOeGcwf3LJe5V&#10;Ke3h6Zz5kXDOBo4ruEg1fAeAofghFjYjnLMXKujt+biYjq9avwg0pZSuFoBD8CMmPE84Z28E9H5F&#10;XrWWWtpPTWcHAL5z5GLAk4Rz9kqLe7+itrinnebHwjmtGk1mWjgB1nvjusCjPgrn7JuAXr80pf3E&#10;lHYap4UT4CejycyzER73wbFQDkGLe7+iheDrxXR8HuBzAADxaG+H9VI4/+TacAgCer8iBXQPFvqg&#10;ugJQL894+Cfv0ByUFvf6pGFwv3mw0JNaJqDb8wvwTyro8H8r4ZwIVND7deghcat83ryUfewAwOEI&#10;6PAX79CEoYLeo8V0fMg1a2lS+5EHCwCwoXcuFAjnxCKg12GeHyyR97DDITlnCfCd0WSmeg5dtxTO&#10;iUaLe//me/5F+sZ+RniWPegAP/LDJa27V+AiIhX0sl0L5wDAFgR0WiacE5aA3r99/UX/YMc5QxpN&#10;ZjW9vGnlBPiRgE6r7oRzItPi3r90huX9gP/9NMji3AoI9qCmtvA3AT4DQCQCOi1yNJTwBPSymDIJ&#10;APTBD5e0RjinCFrc+/d1oP/uvXAO2xtNZgbFAfz1PDxxHWjMB+GcUgjo/RsioAvnsDvtnAB/8Tyk&#10;JR8cDaUkAnp8NwZZAAA9EtBpQToa+ptwTmmcQe9fnxX0a5PaAYCeCejUztwmiqWC3rPFdNxXQLdG&#10;jUOr7cy2M5cAf3nrOlCxdDT0WDinVCro8fjFjyhUWAAqY0Aclbt3NJTSqaAP437L/6pf/ACAIfnx&#10;lVqZ20QVVNCHsc2DIT1Uzj1UYDBeSgE8C6mTHedUQ0CPwfoHGJ496AACOvXxHk1VtLgP4/OG/9Vl&#10;13X/9lABAIY2msxeGxBHRVbCOTVSQT8cLe2wX0euN9A41XNqYagy1RLQh/FU6E4PlLPFdHxb8heE&#10;Ar1x04DGmeBODdJQ5dMeVxtDKFrch/HYr3nXqYonnAMAByCgU7p5rpwL51RLBX0/Ujv7hYcJhfEi&#10;B1AXLe6UzKR2mqCCPoyvuf0mVcx/TQ8T4RwObzSZ+dEBaNJoMkvh/JW7T6E+Cue0QgV9ADmM+5Ua&#10;AIjCD5SUaJWHKpvUTjMEdACA+ikcUBqT2mmSFnegJV5QgVapoFOSdFT0WDinRQI60JLX7jbQmtFk&#10;dmTVJAW5M6mdlmlxBwCom+o5pbheTMfn7hYtE9CBlhy520CDBHRK8MEwOBDQgbYI6ECLBHQiMwwO&#10;vuMMOvAYYRagcM6fE5xhcPATAR14jBc6gPKpnhOVYXCwhhZ3oCXv3G2gMQI6EV0upuMLdwb+SUAH&#10;AKiXgE4k6bz5uWFw8DgBHQCgQs6fE8yy67pT583hac6gA00ZTWbH7jjQCNVzopgbBgebUUEHWvPa&#10;HQcaIaATwc1iOj5zJ2AzKugAAHUS0Dm0D8I5vIwKOtAaFXSgevk4j/PnHMoqr1DT0g4vpIIOtMYZ&#10;dKAFquccyn3XdUfCOWxHBR0AoD4COofgvDnsSAUdAKA+791T9mjlvDn0QwUd+Ie8O7dWWtyBqo0m&#10;M9Vz9sl+c+iRCjqwTs0B3ZA4oHan7jB7Yr859EwFHQCgLiro7MPlYjq+cKWhXwI60BoVdKBa+YjS&#10;W3eYAaXz5meL6fjWRYb+CehAa7y4AjVTPWdI9/m8+VdXGYbhDDoAQD2cP2coN+kHIOEchqWCDgBQ&#10;D+vVGEJaofbJlYXhqaADzal8jRzQqNFkpnpO39IKtX8L57A/AjrQIgEdqJHz5/Tpzgo12D8t7gAA&#10;dVBBpy8fF9PxlasJ+yegAwAUbjSZHXdd98Z9ZEfLPKVd1RwORIs70KJjdx2ojPZ2dqWlHQJQQQda&#10;9NpdBypz5oayAy3tEISADgBQsLyZ4q17yBa0tEMwWtwBAMqmvZ1taGmHgFTQgRZZswbUxPR2XkpL&#10;OwQloAMtEtCBKowmszRT4727yYa0tENwWtwBAMqles6mtLRDAVTQAQDK5fw5z1l1XXe+mI4/uVIQ&#10;n4AOAFAuFXSecp9W8KmaQzkEdACAAo0msxTOX7l3POJ6MR2fuzhQFgEdAKBMquess8pV81tXB8oj&#10;oAPrmHIOEJ+Azs/meUr7H64MlElAB9apPaC/DvAZALamvZ017DaHCgjoQIveuutA4VTPeWAQHFTE&#10;HnQAgPII6CTXadWecA71UEEHACiI9nYMgoN6qaADAJRF9bxtd2lWjHAOdVJBBwAoi4DeplQ1vzAI&#10;DuomoAMAFEJ7e7PmuaX9a+sXAmonoAMAlEP1vD2Xi+n4ovWLAK0Q0AEACjCazF4L6E2xPg0aJKAD&#10;AJRBe3s7rhfT8XnrFwFaJKADAJRB9bx+y1w1/9z6hYBWWbMGABBcbm9/7z5V7brrumPhHNqmgg6s&#10;84erAhCK6nm9VM2Bv6mgA+vUPpBmFeAzALyE88h1UjUHfqCCDrTIRFygGKPJ7KjrurfuWFVUzYG1&#10;VNABAGI7c3+qomoOPEoFHWiRM/ZASQT0OqiaA89SQQdapMUdKMJoMjvuuu6Nu1U8VXNgIyroQIu+&#10;uutAIQyHK5uqOfAiKuhAi1TQgVJYr1YuVXPgxVTQgeYspmMBHQhvNJmls+ev3KniqJoDWxPQgdbM&#10;3XGgEKrn5blcTMcXrV8EYHsCOtAaFQ0gvLz7/L07VYz7XDXXoQXsREAHWiOgAyVQPS/Dquu6i8V0&#10;fNX6hQD6IaADLVk5EwgUwvT2+Oa5am4zCNAbAR1oya27DUQ3msxO7D4PbZWDuX9TgN5Zswa0xMsU&#10;UIIzdymsm67rjoRzYCgq6EArll6ogOhGk9lr589DsjoN2AsBHWiFcA6U4NTu83CsTgP2RkAHWmHC&#10;LlACw+HiMAQO2DsBHWjBnRcsILrRZHbcdd1bN+rgDIEDDsaQOKAFqudACVTPD+/aEDjgkFTQgdrN&#10;DfUBojMc7uBSO/v5Yjr+0vh1AA5MQAdqZ7APUALD4Q5jlYP5pxa/PBCPFnegZqrnQCm0t+/fQzu7&#10;cA6E8cu3b9/cDeAfRpNZDQ+HXw2HA6LLw+H+60btjXZ2ICwt7kCtroVzoBCq5/uhnR0IT4s7UKOl&#10;s+dACQyH2xvt7EARVNCBGqUKyR/uLFCAM8PhBjXPO811VAFFENCB2tzZXwsURHv7MJb5x1r/HgBF&#10;EdCBmixzNQogvNFkdtJ13Rt3qlfpnPnVYjp2zAkokoAO1ORMaztQENXzft2k+SPa2YGSCehALS7t&#10;PAdKMZrMjrque++G9WKeg7l/A4DiCehADe60MwKFUT3f3TIHc5PZgWoI6MBjUkXiXQFX5965c6Ak&#10;ebWa59b2nDMHqiWgAyVLL2mnzp0DhTm1Wm1rN1ZpAjUT0IFSpXB+YhgQUCCV35e7y8HcMx+omoAO&#10;PCZydeIhnH8J8FkANma12osZAAc0RUAHHvMl8IThc+EcKJThcJsxAA5okoAOlGSVd53fumtAaaxW&#10;28gqB/OrAj4rQO8EdOAx0SrU2tqB0jl7/rg/J7Pn6ewGwAHNEtCBx0R6QRLOgaLl1Wqn7uJa17lq&#10;LpgDzRPQgbXSQJ7RZBbh4tzncO7FDSjZudVq/3CTg7nJ7ACZgA48ZXXgF0r7boFanLmTfxPMAR4h&#10;oANPSS3l7w50hT4aEgTUYDSZnVmt9icr0wCeIaADTzlEQL/Pk9qdNwdq0fpwOMEcYEMCOvCUfYdk&#10;g4KAqowms5OGq+eCOcALCejAU/b1UnWfz5p7iQNq02L1XDAH2NIv3759c+2AR40msz8GHBS3yi9x&#10;zpoD1RlNZsdd1/23oTsrmAPsSAUdeM5t13W/93yVUjBPofxKOztQsfNGbq5gDtATAR14zqceA7pg&#10;DjRhNJkdDfDjZjSCOUDPBHTgSenFazSZzXec5n6fg/mtYA40ouaz54I5wEAEdGATZ3mi+0vOoi9z&#10;e/wnK9OAlowms9eVVs9vcgeUZzrAQAR04FmL6fhrXhV09UQlfZWnvv/5Py9wQMNqO3t+kyvmXwN8&#10;FoCqmeIOvEieSpz+d5T/fymQf/XiBvB39fzrgNsv9mWVZ5Bceb4D7I8KOvAiuTKuOg6w3nnh4dww&#10;T4ADUkEHAOhB4dXzZW5j/xTgswA0SwUdAKAfJVbP57lafhvgswA0T0AHAOhHScPhTGQHCEhABwDY&#10;0WgyOyugev5wvvyTwW8AMQnoAAC7uwh8De9ztdz5coDgBHQAgB3k6vmbgNfwJlfLPwf4LABsQEAH&#10;ANhNpOr5Mu8v18YOUCABHQBgS4Gq56axA1RAQAcA2N4hq+epWn6bg7lqOUAFBHQAgC0csHp+l1vY&#10;VcsBKiOgAwBsZ5/V82VekXarWg5QLwEdAOCF9lQ9X+UWdpPYARohoAMAvNyQ1fO7XCm3txygMQI6&#10;AMALjCaziwGq5/fftbD/4X4AtOmXb9++ufUAABsYTWavu65LZ8Bf9XC97vPOcufKAfiTCjoAwObO&#10;dwznQjkAj1JBBwDYwA7V83ke9iaUA/AkFXQAgM1sWj1P09c/fxfHBwqSAAAC/UlEQVTKnSkHYCMq&#10;6AAAz9igen7/EMqtRANgWyroAADPu/opnD/sKE9h/LPWdQD6oIIOAPCE0WR21HXdl4cwngP5F9cM&#10;gL4J6AAAABDAv9wEAAAAODwBHQAAAAIQ0AEAACAAAR0AAAACENABAAAgAAEdAAAAAhDQAQAAIAAB&#10;HQAAAAIQ0AEAACAAAR0AAAACENABAAAgAAEdAAAAAhDQAQAAIAABHQAAAAIQ0AEAACAAAR0AAAAC&#10;ENABAAAgAAEdAAAAAhDQAQAAIAABHQAAAAIQ0AEAACAAAR0AAAACENABAAAgAAEdAAAAAhDQAQAA&#10;IAABHQAAAAIQ0AEAACAAAR0AAAACENABAAAgAAEdAAAAAhDQAQAAIAABHQAAAAIQ0AEAACAAAR0A&#10;AAACENABAAAgAAEdAAAAAhDQAQAAIAABHQAAAAIQ0AEAACAAAR0AAAACENABAAAgAAEdAAAAAhDQ&#10;AQAAIAABHQAAAAIQ0AEAACAAAR0AAAACENABAAAgAAEdAAAAAhDQAQAAIAABHQAAAAIQ0AEAACAA&#10;AR0AAAACENABAAAgAAEdAAAAAhDQAQAAIAABHQAAAAIQ0AEAACAAAR0AAAACENABAAAgAAEdAAAA&#10;AhDQAQAAIAABHQAAAAIQ0AEAACAAAR0AAAACENABAAAgAAEdAAAAAhDQAQAAIAABHQAAAAIQ0AEA&#10;ACAAAR0AAAACENABAAAgAAEdAAAAAhDQAQAAIAABHQAAAAIQ0AEAACAAAR0AAAACENABAAAgAAEd&#10;AAAAAhDQAQAAIAABHQAAAAIQ0AEAACAAAR0AAAACENABAAAgAAEdAAAAAhDQAQAAIAABHQAAAAIQ&#10;0AEAACAAAR0AAAACENABAAAgAAEdAAAAAhDQAQAAIAABHQAAAAIQ0AEAACAAAR0AAAACENABAAAg&#10;AAEdAAAAAhDQAQAAIAABHQAAAAIQ0AEAACAAAR0AAAACENABAAAgAAEdAAAAAhDQAQAAIAABHQAA&#10;AAIQ0AEAAODQuq77H8RjbC9zXl8rAAAAAElFTkSuQmCC"/>
+  <p:tag name="ISPRING_COMPANY_LOGO" val="ISPRING_PRESENTER_PHOTO_0"/>
+  <p:tag name="FLASHSPRING_PRESENTATION_REFERENCES" val=""/>
+  <p:tag name="ISPRING_WEBLINKS_TARGET" val="_blank"/>
+  <p:tag name="ISPRING_WEBLINKS_TARGETMJT" val="_self"/>
+  <p:tag name="ISPRING_PLAYERS_CUSTOMIZATION_2" val="UEsDBBQAAgAIAM2TPVFrXzME1QIAAPcHAAAPAAAAbm9uZS9wbGF5ZXIueG1spVVbb9owFH6mUv9D5PfaMLStQqHVVAntYa0qdbe3yCQm8erYnu2Qsl+/Y+cCSYFtGhLIOTnfd26fD/HtSymiLTOWK7lEMzxFEZOpyrjMl+jL59XVNbq9ubyItaA7ZiKeLZFUkqEoYzY1XDvAPVJXLNGBAQMpirThynC3A9op0PZB5lN0eTEBF2mXqHBOLwip6xpzCwiZWyUqT2JxqkqiDbNMOmZIkwGKOuzC/RkN31JJ4naa2QOkdv8euCXpOV4sH5DUc6xMTt5MpzPy/f7TU1qwkl5xaR2VKfQLmjgJXVzT9PleZZVg1tsmcZPkE3POJxFsk9gt+OxaRtakS9Q4JCWzlubMYiFzRHq/jrMjaDCdNaEySyTd8pz62hLbeoUR7UlsoYxLK9ein9lurajJkt5+4B+TIxnHG0Ft0fLZQS2B/5m3xQS/xD8fzSVUVK0FtwW8OoTsrceLIMOocRl6HBT7AIpdeRIUGfaz4oZl4fFrr/vpDDWxZCVEyA7bOgUbnFY0dcrs7gABgm3Fgnt94EYfOIA8PBwe4PDYTWZPgroqN4y6yrCuRZN4yzOmHqgxYU43Gyosi8nI2oLJEB2TptZ2OvtJxIUrxdu/GIr3G83khz03kgD4z4l8BI6+H1xm7GXF4bVjJXTUMWi1t2GnBfbh9unYal0eXKCBaa9+GAnUEDlqcgb3PaOOkr2dnIKujaot6KLSGqT/muL1+z4vMk5sNJh+GjE5sgjitLJOlfxXGPVgQ7hFmOkZ8V5eRKc+HeiD5j3k/fQcorkIMKFkkFJ3LTbnsHAttpzVTx3FVWvAGpbWkd3mT6OF5k2P/nZ128gbEt1YxnuLuUo3Xp18Kz3yydiGVsLdHdYyXJYBOqr1+J48xvUNdKrqJ/6LRTXP/F/hbA4NjgrG8wJk8+56fsAgVErFMHwwnYq4UbLrA8YkPDW/YRLdRm4V0ojrhJDiVv5w/A1QSwMEFAACAAgAan++UlytsfihAwAA7wwAABgAAABub25lL2NvbW1vbl9tZXNzYWdlcy5sbmetV11zmzoQfe9M/4OGmb7dpr1v98Ehg0HJ1RgjCjhO+qJRQHE0BeQicOr76+9KOK7dNoM/8sIYydo9u+fsrhhd/ahKtBKNlqq+dP6++OwgUeeqkPXi0pll1x//cZBueV3wUtXi0qmVg67c9+9GJa8XHV8I+P3+HUKjSmgNr9o1bz/fkSwunXjMPN/HaUrGIWbeLCCURV6SeBmhEQu9MQ4d1+sKqVDNm4a3AGb0aWNh2GAcevc4YamPwagxTTOWzuKYJhkOHDd7EkjLqiutXSQ1qlWLdLdcqqYVBZI1auEvPM/Bg3yQpWzXqFKFOAJCOiERA/c2vs0yCUl2z6Y0wI6La/5QAoy8EaJGjeCFaM7xEdFk6oUb44HU51u/JQH+Ayu3shCnsTL3Mgwgk0kP3E8wLARsTrJ/HdcHkCb3z7J9QjJdNqA3JFa87HqSNooccjf2/AnLKPPimI1nWfYT95jn34ZO+zTKEhqy2ItwyCJ8lzmueR53Lk7wreOa5+C5WZLgCLQZQq4ZSa1QfTqNQ2yFeq869MRXArUKraR4trIUdSsb4LYEIsxGrmCh7gapDejUg7QnOM0S4htKHTdVTbP+q1d71z6pBtxpVPTyKaxPw4PZXzZCg+ueDWUqBOqmUBWX9cWQa4gRyjH20nROk8CIvwU9crTkWj+rptiLb9fRkGES+RRS6Gc7xk11bw0DRgndq2lE3g4bA5SezcyGkTmJAjpnmRWCIaPqdAsJr5alaIVFK00oPLdZeRCPCpgpBV/1WQPvlqbBBE2hRrwbzMb0DjQAoqPHnKATx6WTY07c4xQCwunQmci7JTd9+YM6X6TzIs2cGyWU602nNMytpOo0rBg2QUA2en1xnJsUf5mBYogXvlIBvdWXNr2QK+hxQLZoBh1BUfo4INEN+zIjX9m1R0LbgX6lma/tSODFite5AGJz3mmB1rBXyMLuGYlZ/987+R/i7aYgP2xqOQrw3Ydj8eyV/yvq420rqmU75NokbAP/FBSmnF6FcEjop/nfTuw3YWZnxp/Nz95d4hiOBkGcmanD2XpTJFYpB3dJK5TT2+POzNprYxnJQrjuRGBwsb3LlbKScJM4wOZsik1GU2g2ffPZi2SuurKwwirlN9uAYDB1lfh9Gj42qrKrJdcvie0b4NU5KPrgkt5pfMRU3GrjYH52pHE6S+lsbDGnjF5fw0R6fBw6kRGI/U0uJLwvtkpVsPQL0u2btp8mo087Xyr/A1BLAwQUAAIACABqf75SFR5gG6MAAAB/AQAAKQAAAG5vbmUvcGxheWJhY2tfYW5kX25hdmlnYXRpb25fc2V0dGluZ3MueG1sdZBBCoMwEEX3nsIbCF2HQNelRagXGHGUQJIJmVHw9k1EbWnTZd77P8OMYhQxfmJd1bWCWegpEEVLnFE173e2DAtevXEghnzCgrznSiY3LFFoIzJ62ZQewXLK//BjeGthPT/iI14w5UJnHOpLqbCZXPKwmGlj3RpQjxHTgC+Yc+iht3jDtSeIw+MM7Bv/1bmbNpsd3mlAHSK5IKr5QFW613H0F1BLAwQUAAIACABqf75SH1SKajADAADHDgAAIgAAAG5vbmUvZmxhc2hfcHVibGlzaGluZ19zZXR0aW5ncy54bWzll91P2zAQwN/7V1iZeFwD2iZNKC1i/ZCqjYJIYfCE3NhtTjh25o925a/fOW5L2coWviS2PVRN7Lvfne/O5zg5+F4IMuPagJKtaK+5GxEuM8VATlvR2aj/9mNEjKWSUaEkb0VSReSg3UhKNxZg8pRbi6KGIEaa/dK2otzacj+O5/N5E0yp/awSziLfNDNVxKXmhkvLdVwKusA/uyi5iZaEGgD8FUou1dqNBiFJIB0p5gQnwFrREJ3tC2ryKA4SY5pdT7VyknWUUJro6bgVven0unvddyuZQOlCwaUPh2njoB+2+5Qx8A5QkcINJzmHaY6eYrDmwGzun2IvncS/MipyWDP1jI7CxUu7hOOEcjrjS2M4Qq2lWY761rQnVBiexJtDKzHwIaSZhRl6dqse/J04IVJXlkrbttUOET8NrijxPZhkojaMLd/JWAmMbeUUlkkx5mxICx6inV6D7KPQXkQmtACxaEXHJZckpRKTC5YKyNa6xo2NBVsltb+UPtRABTmTgNXHyVEa3VoPi8pyqg3f9Go1Y3xks/ZX5QQjC+WIgGtOrCIYXVfgU87JZgrIRKuiGsUSscQIQIsz4HPODqpQLYH3GbpEE4VDTSzFUnAbLHxzcEPGfKI0cjmdYeHiOJjAbz4IXFJjbqF05eNO+mXQ7V0Nht3exY5fIGUzKrMHwrGceFHaF+HTBZHKrvQwHBl1hldJYcCquTpraz4+DeuKxjw/Uzbu8A0UTtDnxK8DsoF+wZS/jJWHJP6PHtQ2m9NZtdH95q3QuMUBUxKYOJFhSwK57IA1gBmVREmxIDTDpmx825iBcgZHQoMIaPN4D4M+lmn1NoUZNkmlGde/R7KFxEaZ9ZUufDIZ8edfK+p2RhizUe/0sDManA9Gl1ej3sUonEZr9Xhr90xi39S393h/aLzGFn9y2juvE/khBqFWhnppLdxxHanjz3WkTsOZdLJxHtVyAXvMNOwZ7DICCsAieEUV85SvglBtz1wxf82G+QdW//o+CWuvP+0dDT4df+n+77vgqXEIb6s7U3znXpPEWy9AfqYACQVeq/yhuL41tT+8303i7VONBtLuXj7bjR9QSwMEFAACAAgAan++UnFXlJ0VAQAA0QIAABwAAABub25lL2ZsYXNoX3NraW5fc2V0dGluZ3MueG1sjZLRToMwFIbvfQqC95BNjZqwJm7ojdEs2V7gAAfSDHpIeyDh7a2FDVSI61X7///X0542MiepvBa1kaQ2/soXN54XpVSSPiCzVIX5Vs6aJ7ONnzTMpIKUFKPiQJGuoPTF7ZsbUeiS/1Fka17L5JDiWOZh/bSNr0KGGvfbx3j3vATUUGCQQHoqNDUqs/nda7yK7yb5YTptSGR+dgcapgODZsG6wSgc171voMUXJStg22drMJohOef0TElU7zUa2y5nihxKY4k/+niEfQndZTNzBmacJeQoKxTrOcQ5PaaglYVTj12NItdoi/wS+yQqSEp8xy4h0NnnJTLcfdHuaXvHpsIPylDUmqqao3AiuYcZn8HO7VcWX1BLAwQUAAIACABqf75S15twlisDAABvDgAAIQAAAG5vbmUvaHRtbF9wdWJsaXNoaW5nX3NldHRpbmdzLnhtbN1XTU8bMRC951dYW3FstqiXCiVBNB9qVEgQGyickLN2siO89tYfScOv73idhEADXSgRqIco2fHMm/Gb8XO2cfgrF2TGtQElm9F+/VNEuEwVAzltRuej3scvETGWSkaFkrwZSRWRw1atUbixAJMl3Fp0NQRhpDkobDPKrC0O4ng+n9fBFNqvKuEs4pt6qvK40NxwabmOC0EX+GUXBTfREqECAH5yJZdhrVqNkEZAOlHMCU6ANaMBFvvN5iKKg8OYpjdTrZxkbSWUJno6bkYf2t3OfufzyieAdCDn0rNhWmj0ZntAGQOfn4oEbjnJOEwzLBS5mgOzmf8Ve+9G/CdGiRy2TD1GW+HepV2C44JyOuXLZGih1tI0w3hrWhMqDG/Em6aVG3gGaWphhpXdhYd6J06IxBWF0rZltUOIB8YVSvwITGOiNpItn8lYCaS2LAqnJB9zNqA5zsRpT0ZkQnMQi2Y0LLgkCZXYUbBUQLqOMG5sLNiyk72l95EGKsi5BBw5Tk6S6C5n2EqaUW34Zi2rFeP5TFs/lBOMLJQjAm44sYogpy7HXxknm8STiVZ5aRXUWGIEYMYZ8DlnhyVBS8DHEl1hitxhJM5fIbgNGX46uCVjPlEacTmd4bSiHUzArz8LuKDG3IHSVY17yXG/073uDzrdyz2/QcpmVKbPBMch4nlhd4JPF0Qqu4pDOlLqDC+bwoCVa1X2Vn95G9ZzjH1+pW7cwzeQO0FfE35NyAb0Dlu+myzPafxfK6icNqOz8qD7w1tC4xEHbEnAxIUU1QrkUvcqAKZUEiXFgtAUpdh42ZiBcgYtQSACtHl5hSEex7R8msIMRVJpxvXTkGwhUSjTntK5byYj/tJrRp32CDkbdc+O2qP+RX90dT3qXo7CHbQOj7eqZyP2Ur5d2f1V8VDYx2+n7Kdn3YsqhA9w75Ua000qwQ2reA2/V/E6C1fR6cY1VKkElJZpOCooLgJywN6/o0HZ+hcAnpyUMFuvPCjv4Hj897ve2muzTRZIwnPwQbvWh8oEJN2T/tfhcWenTEA1Kt52FP6VifC0eiWK7722NOKt7zc1tN9/SWzVfgNQSwMEFAACAAgAan++Uo5z9vpqAAAA5QAAABoAAABub25lL2h0bWxfc2tpbl9zZXR0aW5ncy5qc6vmUgACpRwlBSuFajAbzE8qLSnJz9NLzs8rSc0r0cvLL8pNBKtRUnYDAyUdnIrzy1KLCChNS0xORTHU1MjCyQWnSoSJJk7mLs6WyOoKEtNT9ZISk7PTi/JL81IgypxdXQxdjJXAqmq5agFQSwMEFAACAAgAan++Urx9NfdKAAAASQAAABcAAABub25lL2xvY2FsX3NldHRpbmdzLnhtbLOxr8jNUShLLSrOzM+zVTLUM1BSSM1Lzk/JzEu3VQoNcdO1UFIoLknMS0nMyc9LtVXKy1dSsLfjssnJT07MCU4tKQEqLNa34wIAUEsDBBQAAgAIAMyTPVE2YVgCRwMAAOEJAAAUAAAAdW5pdmVyc2FsL3BsYXllci54bWytVl1P2zAUfS4S/yHyO3FLxwYoATEktIcxIXVse6vc5DbxmtiZ7RC6X78b5zukbEir1Cq5vuf4fhxf17t+ThPnCZTmUvhk4c6JAyKQIReRTx6/3p2ck+ur4yMvS9gelMNDn+SClwCWECcEHSieGQQ/MBP7pGdwkZk4meJScbP3yXKO3O1Oyzk5Ppqhi9A+iY3JLiktisLlGhEi0jLJSxLtBjKlmQINwoCiVRjEabCX5u9o/KZSULPPQPeQmXn7xjVJy/Gs+YCkWLpSRfR0Pl/QH/efV0EMKTvhQhsmAiAOVnJmS7lhwe5ehnkCurTNvCrIFRhTBmFtM89c8sW5cLQKfFI5rFPQmkWg3UREhLZ+DWdDUGEa65qJcC3YE49Ymdta1162RR2JjqUyQW5q9A72G8lUuG7tPX+PTkTsbROm45pPD3Kx/DteJ2P91uX7ZCw2o3yTcB3jUh/SWaeToMNdvdTW2Mr2sZHtXclEHAW/cq4gtK/f2hMwX5Bqw1bmNk5XFwEu4NMdC4xU+1uEoXRr2bitUtxKKa4FtRxuu/uqoyBNtltgJlfQlGrmPfEQ5BemlO3XlVE5eHRkrLF0CPZolXLdpK4hXmzS5OwfelP6jVrzU7/WGQv4H435hERtTbgI4fmOo4+BFGtqAItd2lyTJW65ZxeTzjdp7zANTN1JwKZgIo5hKgI8+yEzjHZ2eggKiml0CXI1wvYWDoJjHsUJfs0kw3j1IE3K1G6SobdwEJzIYDcBbc0HgRslC8xQ51mGA+Bl8V6utx2h45aMdNmK0aMT49ALcm1kyn9bpQ/mpLm0kn7l9B4fOYc+Degm4y3kw/w1xGgSDOJq5sL2NQKcC08citWA56S2uhkO8YlZXz6NBnxpeihnTDOdS8M6qyzjOQ4mzyqv5hzn2cgnhC3LE3PbT2h4eVjoKOHpe2OK6zueVVms+G9wCh6Wfw0WSyy1E0Opd5+8P1/2GFCLOBkH21vToR23UjR1cF1q36pf247mhqq1UsnskKS8uhcVppoHH1GOkZK5CEcCsA2r6XWC8/hGAXMS2GJGi1M8HjLzyTt8qHO+OLvoUv6wuGiwNq6HauMqljdcR3XAnfxofZDaRLx6ruHjH1BLAwQUAAIACABbfr5SnF4yCBQGAAA3FwAAHQAAAHVuaXZlcnNhbC9jb21tb25fbWVzc2FnZXMubG5nrVjbbuM2EH0vsP9AGAjQAtvsboFdFEXiBS0xsRBZ9Ep0vGlRCIxE20Qk0dXFifvUr+mH9Us6pGTH3gskJXmwYVGeM0PynJkhzz4+pAnaiLyQKjsfvDt9O0Aii1Qss+X5YMYufv51gIqSZzFPVCbOB5kaoI/DVz+cJTxbVnwp4PerHxA6S0VRwGMx1E+Pz0jG54PpKMSWRYLAGbkkxDPboaGHfR8zh3qhi0fEHQxxFUuFMp7nvIRgzt40CO2AUxffED8MLAKgGpqyMJhNp9RnxB4M2UqgQqZVYnCRLFCmSlRU67XKSxEjmaES/sKjCDzIW5nIcotSFYseIQRXjheCezO/ZthxHXYTTqhNBkOS8dsEwohyITKUCx6L/Dk+POpPsNuA27J4IfSpTwLiMVjM6ZgyOhhOc1GIrAS49UqVqg+e69gQZ0gvQovOPDYYBomMBTr5NCOB2XdvNhkR/wSpBTphlMF0dq+Ckx6OrsHPN+h0Dc6eRqc5hgWYYP+qXhPLJzBgh3OHjQdDC1ZXk+Zeliskg3UOQkFiw5OqZlcjpTZ3I2xdhYyGeDoNRzPGHuMe8eiuzdqikyn2bkKXXtJw5FxCWCpd82yLXLVUP/7y4cPDu/cffuoFEwCf3GMgZJDev+0A5DGfuiGgETf0yGfYbf3dz47OmOt4wOfmRz9roO418BW+W+1mvg8kbxjqBCZf6LVwickXN6pCK74RqFRoI8W9yQ4gApmDxAyH4UWkYCCrWhVm0wkGEoGumO9YmqAgBJXn29d10qnKlcrBXYHiWsWx8alZpd+va/3V3FI6UUH6ilXKZXba7nruuRTbhmQTYDe+hMVl+0kB0hG8ofRGy+Y1uLjPEsVjtICUgiQNEF+vExk1KbTh/TTh29YofDx3vEsgO3UDSF/2bkQnxRjZOdeT7Yni44D4AJDzQuRPsA0N1405wknSD2HsXI5d+DAdwlguVwl8yr5xTAkwYSpaM0WTjnEQzKlv60XT2ZijNS+Ke5XHRyw93M82YMezKAjBYgfgulTugYEfElqBPBdR2Q4GUWLD70ZXMFUgYMhMMtCSSquiBNmk60SUwkQr9VR4ZCh1KxYK9JUIvqm5D96N2Fpp7uKZZ43DEdunUJdXWbTqaAfi/KY+DtVQAU0OOd8aU4MWjuhnyC6QDGkfC3oFOfCqj8UNCWCRSdBm4+Fr57Iuk5D3dklpl/QirnNMsm1aIc2mjVRVASN6SSA1mR0pTvu5CQjUdY852P1Obq1Rd33YUm6giQECirzVEaR7i9haVJ9mzu/hBXZcU6m/pB7fmp6PxxueRQLIFnG9p1t4F8vYvNO0N/7/quTfiJdNqj9pqoRnk88nfeM5KizfUQQvS5GuyzbXesGa8J8ShZb4d0PoMvWn+d+35C+yMwdN/LP35+iw0GePWoN45kp1362XjqTp/Ak0LLo4Qo+RdLcaa7cjh+qK2H7ueLRzvIujY4aTLVR3a482AJ5CT8UIxrDGJvIAWp0UqlB3W3P2OAzfnDq628/JKHAYVJ25uC1k2erZ6LlzfTVyfnphPehZj4oNc5gLIXsAuNwfqROZQvxxB8zZhOxWoC4RRzOZqyqJjfwTeWfKBKxtlYqvu+FFrlIzmvBiR/+6TH18ThT15Pza6bRHP7VXcOf9ORDw03cpINiHNsbCnqV7H0urPeloBPLRS+GyYNc6gY5SXkYrKMcLVWVxR6D6CGaTCwxgzZwDwfP2LqwB+CKMehQ1o7/1AtEdHSRRsgf7w1OlKP7sDaKnsceoLy9K8VC2A81GhkVBSC8uoJNbLNosGB4dh2weulg1R+WdXceTM3OA/S9yJOV1UUxVCkOn7X6Zvq4zZMGMYWs8Af0FRm6qyqHp7IOwo5tFZz4c6RrlWgAEDQSTZSIQeeBab31Q9cUPZGZzSBsMJzy/g7TOlEp6xWY2UMup7DenxzuQqkxk1ivy5xVVPWHmTENs2+ZCCFYSzvt3dQ8Rw4Ezam6GErXsDGaNsQdV4ws8EcuyL6BPyP7CR19qmAsEV3F9Uf3fP/+22deXhE1OhrRXPz8mvc3XdXv/VJgr7rM3Bzfe/wNQSwMEFAACAAgAW36+UhUeYBujAAAAfwEAAC4AAAB1bml2ZXJzYWwvcGxheWJhY2tfYW5kX25hdmlnYXRpb25fc2V0dGluZ3MueG1sdZBBCoMwEEX3nsIbCF2HQNelRagXGHGUQJIJmVHw9k1EbWnTZd77P8OMYhQxfmJd1bWCWegpEEVLnFE173e2DAtevXEghnzCgrznSiY3LFFoIzJ62ZQewXLK//BjeGthPT/iI14w5UJnHOpLqbCZXPKwmGlj3RpQjxHTgC+Yc+iht3jDtSeIw+MM7Bv/1bmbNpsd3mlAHSK5IKr5QFW613H0F1BLAwQUAAIACABbfr5SWZ4wiZUDAADeEAAAJwAAAHVuaXZlcnNhbC9mbGFzaF9wdWJsaXNoaW5nX3NldHRpbmdzLnhtbO1YzXIaRxC+8xRTm/LRrGTLsaNaUDmwVChLQGk3tnVSDTsDO6X52cwPGJ/8NH6wPEl6dgBDJNsr2ySqSg4UbE/3199093TvkJy9ExwtqDZMyU503D6KEJWFIkzOO9Hv+eDxiwgZiyXBXEnaiaSK0Fm3lVRuypkpM2otqBoEMNKcVrYTldZWp3G8XC7bzFTaryruLOCbdqFEXGlqqLRUxxXHK/iyq4qaaI3QAAA+Qsm1WbfVQigJSBeKOE4RI8BcMr8pzAccmzKKg9oUFzdzrZwkPcWVRno+7UQ/9dL+cf/pRidA9Zmg0sfEdEHoxfYUE8I8C8wz9p6ikrJ5CXSfnERoyYgt65+x10/i2yg1dtg69ig9BTGQdg0vqMUEWxwegz9L31mzEQQRWUksWJHDCvL770T9/Pq3q0l6eT4cvbrOx+PzfDgJJGqbeB8nifcdJUBIOV3QrZ8EW4uLEniDzQxzQ5N4V7RRYz6DuLBsATGhf6M5c5xnrqqUtl2rHa1p7Aq39D4Dk8yU3Nu7f0ZTxSG1NSmoUjGlZIQF3Ul2dsPkADSPIzSDOPFVJxpXVKIMSygwZjFnxRbAuKmxzNaFNVhrv9QMcwR4cAIousiiTxTCzooSa0N3qW1WjE9r0X2jHCdopRzi7IYiqxCE2An4VVK0m38000rUUqhQiwxn4HHB6JKSszpea8DPOboCF8KBJRyHilMbPPzh2Hs0pTOlAZfiBRwekDMT8Nv3Aq6wMZ9A8Ybjo+x82E+vh6N++vaR3yAmCyyLe4JDTVFR2YPg4xWSym7sIBwFdobWSSGM1GtN9tb+9jRsyxry/IOysYdvmHAc/0j4bUB2oA+Y8sN4uU/iv8qgsdsSL+qD7g9vDQ1HnEFKAiYsFNCSmFy3wQaABZZISb5CuIDObHzbWDDlDEhCgwjQ5tsZBnso0/ppDu0TPGpCdSPIo+MnT0+e/fz8xS+n7fjPDx8ff9FoPbMmHHt3YWj1vji1btkOlBa+esiO/XCUp5cve/nw9TC/us7Tt/k+QM3pdrtOYj9K7p4sflQ92MEyuUxfN0nOCCLRqC7SrBHcuInW+FUTrcswCSc7U7ARBehs83BSobdxJhhUwsHq9B+qte9+iwnFephae8iB+95D+l+N28N+bT5Q5LL0Yvjr+Lz//5n9tyIYnrbXz737ZhLfeSH2K4JJJiCs/j1le4vuPjs5ghvsnUutFqDt/yfRbf0FUEsDBBQAAgAIAFt+vlLDSa+YbQMAAP8LAAAhAAAAdW5pdmVyc2FsL2ZsYXNoX3NraW5fc2V0dGluZ3MueG1slVZdb9owFH0evwKxd1gpG62UItGWStVYW62Mdye5gIVjR7ZDx7/ftRMnDoQmI6oU33tOfD+OrxuoPeX9A0hFBb8bjAez3pcgyqQErleQpIxo6IdEwXN8N3j6s1wORhYhmJDvoDXlW4WGwtKniIpEkhJ+XIqtGIYk2m+lyHg8mH19ujZPMLLQE9LumIJklO8R9318c//41IxjVOlnDclwQyIYCgwcCYurxXgx7kJIJSgFJpjbx/l4/qOFw0gIzO0ymU5uJvNOjGqbJ/vrRDpQRbUlTcfT6+mkmYSlRWy9rp/skcM1/NUtGaQizdLu/Uql2JokTxhT87QwmCAxygbhj7fmaYGjBI9mkxZhdEmRbKEebwTxVXwpQ9wXZB2/sb9mfJhpLfgwElzj2RlyIRPC/o9TCK0Dw4q53ALrEsYdCE7I4TSOLpRdMRpjkYSMLRS+maeCFm/eyQ9M8FKwNyO02kQweg4ZzDaEKQhGbmlcaic+XjON5710+yYHecMWvJFMwUzLrMBUNof6DR+Uxx6kMDj/WrAsgYc8TA9Wtzv0w8O9rZgfV2krA5NwKExeZJXR4V5QlGc4z+hw76bqr5wdz8CnHsNwR+Oe2O5Vlc5pXqG/BMAJvrvquJV1mc8vzeRR3n6FwQISEcPMCmJFEzCdCUbWZoIYnUQRcHKgW6LxGvllMOHRhq6C0YkjF1GjZgJNNYNzJUUikwqDQOe6LqoGjyHkoldzvYSNdti60ZXeXFN+r+26Rb7Fl/Iq5Yu+xgvsbpAQuQe5EoKpQb+g4GzC8tp78xRu7gk8+CCf+UZ4BLtnI4MLDaoTUuSHqROWaE2iXYKhNIddFs92r7FLQbHfefd4loQgF9hxCk5qdZtB7eh2x/BPryl8QFyHX3Aant7hpzihpYo9g+0xEBntnMLzhbEnGdOUwQHcSPAMJskL6QQKRX2eo1FOXW2epVVqxfSopOCj6o4z+BrjacbnnhYpaxIqm041Ez4fzMVgMzL0EbnBSsX/JDob6oVN8WpHMi3eNZG6aES1tsmSA8w5TewAQbMuRdHkMQwmRFoUwbpcmGd2t7m5UsoPlVk1eJoJZjjOxk0E66nPxhWet9lGAvhz0Rp75bT+CcdQEBm/lIDa+G5wGy5mhteZHbE4mpNUByPPZFtRVh3f8d/+Wa/3D1BLAwQUAAIACABbfr5SGLw3iI0DAABoEAAAJgAAAHVuaXZlcnNhbC9odG1sX3B1Ymxpc2hpbmdfc2V0dGluZ3MueG1s7Vhbk9JIFH7nV3TF8lHiqLvqVGDKhUxJOQPUJF7maapJN6TLvmT7AuKTv8Yf5i/xdBoQHBwzKu5u1T5QpE/3+c7t63MIyck7wdGcasOU7ERH7fsRorJQhMlZJ3qZn957EiFjsSSYK0k7kVQROum2kspNODNlRq2FowYBjDTHle1EpbXVcRwvFos2M5X2u4o7C/imXSgRV5oaKi3VccXxEr7ssqImWiE0AICPUHKl1m21EEoC0rkijlPECHgumQ8K8+dW8CgOpya4eDvTyknSU1xppGeTTnSnl/aP+g/XZwJSnwkqfUpMF4RebI8xIcw7gXnG3lNUUjYrwdsHjyK0YMSW9WPszyfxdZQaO0SOPUpPQQqkXcELajHBFodlsGfpO2vWgiAiS4kFK3LYQT78TtTPr55fjtOLs8HwxVU+Gp3lg3FwotaJd3GSeNdQAg4ppwu6sZNga3FRgt+gM8Xc0CTeFq2PMV9AXFg2h5zQr9ycOs4zV1VK267VjtZubAs37n0DJpkquRO7X6OJ4lDZ2ikgqZhQMsQCcjA+lRGaQmL4shONKipRhiUQilnMWbHRMG5iLLM1kU5Xp59phjkCsgDjKTrPoi82QyhFibWh276sd4yvY9F9rRwnaKkc4uwtRVYhyKkT8FRStF1wNNVK1FKOjUWGM7A4Z3RByUmdoBXgtwxdggnhQBPoX3Fqg4W/HXuPJnSqNOBSPIfLAnJmAn77VsAVNuYLKF77eDc7G/TTq8Gwn7656wPEZI5lcUtwIBEVlT0IPl4iqexaD9JRYGdoXRTCSL3XJLb2j5dhw2Oo8y+qxg6+YcJx/CvhNwnZgj5gyQ9j5TaF/64Hjc2WeF5fdH95a2i44gxKEjBho4BuxeSq7zUALLBESvIlwgW0YuPbxpwpZ0ASGkSANj/uYdAHmtarGcxGsKgJ1Y0g7x89ePjojz8fP3l63I4/ffh470al1ZAac+zNhSnVu3FMXdM9VVp49pAt/cEwTy+e9fLBq0F+eZWnb/JdgNqn6+06if3s2D9K/Gz6epJM/rlRMr5IXzUpxxBib8SENGsEN2pyavSiyamLMPvGW3OvkQvQy2bhbkI340wwqP3BmPmb2LX3hwq7kV6BkIdh1785VXsv4v+paswqs69roYwK5pV+U/s6UNay9Hzw1+isf9D0sWb5+w+S7mfTF1ab98edF8Yk3vtG2wL57r8D3dZnUEsDBBQAAgAIAFt+vlL+q/KHtQEAAG4GAAAfAAAAdW5pdmVyc2FsL2h0bWxfc2tpbl9zZXR0aW5ncy5qc42Uz2+CMBTH7/4VhF0XMpEN3c1FTZZ4WDJvyw6lPJFY2qYtTGb830fxV4HibC/0y4fv63ulbz9wquFi13l19vVzvf5ormsNtKZEDo9NnfTomdZdSdIYVmkGJKXgtpDi/OlFPlwJm7FLa9Oo/NS20vBzmX6zRkSaOLdYCIsmLVphM/yxgDsb+NtI7ZTWMSWjzlGuFKMeZlQBVR5lIkM14z6s62Fm2IJZAeIfdI0wNEyf/XEU95JXxyAKYzwxOcwyjmi5ZAnzIoS3iWA5jY/0YqSnSW9KDqI68e0l7NtsYQIklepdQdYOPB/O/bnfT3IBUsIp7mQ29acvVpigCIiZUBiMg+kNtGG8qMcNukhlqs506IejMDBpjhLoVAlDPIxHTYxWXp1qdoIfOQU71ZcMJ6gE0bHq/hic8ZzfcYBcsERXpIuGelpRwlCc0uTIzSZ6Wjm9WW3b92/ULcOLmIjPpwdPeppMpxiNa8Za12xjubVZX3e5ozUo6+WWrahLW18gNpHaxP6G1havnaqxH9VuNnr9VWWOxBbEijFSNVDHRUohvMmqllIl8G22Bute8d1Ztbc1OPwBUEsDBBQAAgAIAGZ/vlKUE7MiaQAAAG4AAAAcAAAAdW5pdmVyc2FsL2xvY2FsX3NldHRpbmdzLnhtbA3MMQ6DMAxA0Z1TWN4p7daBwMZWltIDWMRFkRwbkYDg9mT7w9Nv+zMKHLylYOrw9XgisM7mgy4Of9NQvxFSJvUkpuxQDaHvqlZsJvlyzgUmWIUu3iaOJTKPFIscdhGo4VNe/8Aem666AVBLAwQUAAIACADBfL5SjHjtXvcAAABlGQAAFwAAAHVuaXZlcnNhbC91bml2ZXJzYWwucG5n6wzwc+flkuJiYGDg9fRwCWJgYNnAwMDcxcEGFOlOX9kFpBiLg9ydGNadk3kJ5LCkO/o6MjBs7Of+k8gK5HMWeEQWMzDwHQZhxuP5K1IYGCR+ebo4hlTEvb3hyNtgwHDA4c/qOY2ZEvIsGyZOsHs3adaLrUCNDApnDjCBqLNUoXKzE3oNVTwnAdES/7e35CJAVhScoqYVo9QoNUqNUqPUKDVKjVKj1Cg1So1So9QoNUqNUqPUKDVKjVKj1Cg1Sg1K6u30RlXwHIHKXLPnNX6Xq6OZuUETBf/SEhiB1ATKKIFt13i3N+jsXX7ktRTIVE9XP5d1TglNAFBLAwQUAAIACADBfL5SYFtLtUkAAABrAAAAGwAAAHVuaXZlcnNhbC91bml2ZXJzYWwucG5nLnhtbLOxr8jNUShLLSrOzM+zVTLUM1Cyt+PlsikoSi3LTC1XqACKAQUhQEmhEsg1QnDLM1NKMkAqzM0QghmpmekZJbZKFhYIlfpAMwFQSwECAAAUAAIACADNkz1Ra18zBNUCAAD3BwAADwAAAAAAAAABAAAAAAAAAAAAbm9uZS9wbGF5ZXIueG1sUEsBAgAAFAACAAgAan++UlytsfihAwAA7wwAABgAAAAAAAAAAQAAAAAAAgMAAG5vbmUvY29tbW9uX21lc3NhZ2VzLmxuZ1BLAQIAABQAAgAIAGp/vlIVHmAbowAAAH8BAAApAAAAAAAAAAEAAAAAANkGAABub25lL3BsYXliYWNrX2FuZF9uYXZpZ2F0aW9uX3NldHRpbmdzLnhtbFBLAQIAABQAAgAIAGp/vlIfVIpqMAMAAMcOAAAiAAAAAAAAAAEAAAAAAMMHAABub25lL2ZsYXNoX3B1Ymxpc2hpbmdfc2V0dGluZ3MueG1sUEsBAgAAFAACAAgAan++UnFXlJ0VAQAA0QIAABwAAAAAAAAAAQAAAAAAMwsAAG5vbmUvZmxhc2hfc2tpbl9zZXR0aW5ncy54bWxQSwECAAAUAAIACABqf75S15twlisDAABvDgAAIQAAAAAAAAABAAAAAACCDAAAbm9uZS9odG1sX3B1Ymxpc2hpbmdfc2V0dGluZ3MueG1sUEsBAgAAFAACAAgAan++Uo5z9vpqAAAA5QAAABoAAAAAAAAAAQAAAAAA7A8AAG5vbmUvaHRtbF9za2luX3NldHRpbmdzLmpzUEsBAgAAFAACAAgAan++Urx9NfdKAAAASQAAABcAAAAAAAAAAQAAAAAAjhAAAG5vbmUvbG9jYWxfc2V0dGluZ3MueG1sUEsBAgAAFAACAAgAzJM9UTZhWAJHAwAA4QkAABQAAAAAAAAAAQAAAAAADREAAHVuaXZlcnNhbC9wbGF5ZXIueG1sUEsBAgAAFAACAAgAW36+UpxeMggUBgAANxcAAB0AAAAAAAAAAQAAAAAAhhQAAHVuaXZlcnNhbC9jb21tb25fbWVzc2FnZXMubG5nUEsBAgAAFAACAAgAW36+UhUeYBujAAAAfwEAAC4AAAAAAAAAAQAAAAAA1RoAAHVuaXZlcnNhbC9wbGF5YmFja19hbmRfbmF2aWdhdGlvbl9zZXR0aW5ncy54bWxQSwECAAAUAAIACABbfr5SWZ4wiZUDAADeEAAAJwAAAAAAAAABAAAAAADEGwAAdW5pdmVyc2FsL2ZsYXNoX3B1Ymxpc2hpbmdfc2V0dGluZ3MueG1sUEsBAgAAFAACAAgAW36+UsNJr5htAwAA/wsAACEAAAAAAAAAAQAAAAAAnh8AAHVuaXZlcnNhbC9mbGFzaF9za2luX3NldHRpbmdzLnhtbFBLAQIAABQAAgAIAFt+vlIYvDeIjQMAAGgQAAAmAAAAAAAAAAEAAAAAAEojAAB1bml2ZXJzYWwvaHRtbF9wdWJsaXNoaW5nX3NldHRpbmdzLnhtbFBLAQIAABQAAgAIAFt+vlL+q/KHtQEAAG4GAAAfAAAAAAAAAAEAAAAAABsnAAB1bml2ZXJzYWwvaHRtbF9za2luX3NldHRpbmdzLmpzUEsBAgAAFAACAAgAZn++UpQTsyJpAAAAbgAAABwAAAAAAAAAAQAAAAAADSkAAHVuaXZlcnNhbC9sb2NhbF9zZXR0aW5ncy54bWxQSwECAAAUAAIACADBfL5SjHjtXvcAAABlGQAAFwAAAAAAAAAAAAAAAACwKQAAdW5pdmVyc2FsL3VuaXZlcnNhbC5wbmdQSwECAAAUAAIACADBfL5SYFtLtUkAAABrAAAAGwAAAAAAAAABAAAAAADcKgAAdW5pdmVyc2FsL3VuaXZlcnNhbC5wbmcueG1sUEsFBgAAAAASABIAVgUAAF4rAAAAAA=="/>
+  <p:tag name="ISPRING_CURRENT_PLAYER_ID" val="none"/>
+  <p:tag name="ISPRING_SCORM_ENDPOINT" val="&lt;endpoint&gt;&lt;enable&gt;0&lt;/enable&gt;&lt;lrs&gt;http://&lt;/lrs&gt;&lt;auth&gt;0&lt;/auth&gt;&lt;login&gt;&lt;/login&gt;&lt;password&gt;&lt;/password&gt;&lt;key&gt;&lt;/key&gt;&lt;name&gt;&lt;/name&gt;&lt;email&gt;&lt;/email&gt;&lt;/endpoint&gt;&#10;"/>
+  <p:tag name="ISPRING_PUBLISH_SETTINGS" val="{&quot;commonSettings&quot;:{&quot;webSettings&quot;:{&quot;useMobileViewer&quot;:&quot;T_FALSE&quot;},&quot;lmsSettings&quot;:{&quot;useMobileViewer&quot;:&quot;T_FALSE&quot;},&quot;cloudSettings&quot;:{&quot;useMobileViewer&quot;:&quot;T_FALSE&quot;},&quot;ispringLmsSettings&quot;:{&quot;useMobileViewer&quot;:&quot;T_FALSE&quot;},&quot;playerId&quot;:&quot;none&quot;,&quot;studioSettings&quot;:{&quot;useMobileViewer&quot;:&quot;T_FALSE&quot;}},&quot;advancedSettings&quot;:{&quot;enableTextAllocation&quot;:&quot;T_TRUE&quot;,&quot;viewingFromLocalDrive&quot;:&quot;T_TRUE&quot;,&quot;contentScale&quot;:75,&quot;contentScaleMode&quot;:&quot;FIT_TO_WINDOW&quot;},&quot;accessibilitySettings&quot;:{&quot;enabled&quot;:&quot;T_FALSE&quot;},&quot;compressionSettings&quot;:{&quot;imageSettings&quot;:{&quot;jpegQuality&quot;:100,&quot;optimizeImageForResolution&quot;:&quot;T_FALSE&quot;},&quot;audioQuality&quot;:100,&quot;videoQuality&quot;:100},&quot;protectionSettings&quot;:{&quot;watermarkEnabled&quot;:&quot;T_FALSE&quot;,&quot;watermarkPosition&quot;:&quot;MIDDLE_CENTER&quot;,&quot;openWatermarkUrl&quot;:&quot;T_FALSE&quot;,&quot;openWatermarkWebPageInNewWindow&quot;:&quot;T_FALSE&quot;,&quot;displayAfterEnabled&quot;:&quot;T_FALSE&quot;,&quot;displayUntilEnabled&quot;:&quot;T_FALSE&quot;,&quot;domainRestrictionEnabled&quot;:&quot;T_FALSE&quot;,&quot;enablePassword&quot;:&quot;T_FALSE&quot;},&quot;videoSettings&quot;:{&quot;videoCompressionSettings&quot;:{&quot;audioQuality&quot;:70,&quot;videoQuality&quot;:75},&quot;secondsOnEachSlide&quot;:5,&quot;hostingSettings&quot;:{}},&quot;ispringOnlineSettings&quot;:{&quot;onlineDestinationFolderId&quot;:&quot;1&quot;},&quot;cloudSettings&quot;:{&quot;onlineDestinationFolderId&quot;:&quot;1&quot;},&quot;wordSettings&quot;:{&quot;printCopies&quot;:1}}"/>
+</p:tagLst>
+</file>
+
+<file path=ppt/tags/tag2.xml><?xml version="1.0" encoding="utf-8"?>
+<p:tagLst xmlns:a="http://schemas.openxmlformats.org/drawingml/2006/main" xmlns:r="http://schemas.openxmlformats.org/officeDocument/2006/relationships" xmlns:p="http://schemas.openxmlformats.org/presentationml/2006/main">
+  <p:tag name="ISPRING_SLIDE_HAS_WEB_OBJECT" val="1"/>
+</p:tagLst>
+</file>
+
+<file path=ppt/tags/tag3.xml><?xml version="1.0" encoding="utf-8"?>
+<p:tagLst xmlns:a="http://schemas.openxmlformats.org/drawingml/2006/main" xmlns:r="http://schemas.openxmlformats.org/officeDocument/2006/relationships" xmlns:p="http://schemas.openxmlformats.org/presentationml/2006/main">
+  <p:tag name="ISPRING_SLIDE_HAS_WEB_OBJECT" val="1"/>
+</p:tagLst>
+</file>
+
+<file path=ppt/tags/tag4.xml><?xml version="1.0" encoding="utf-8"?>
+<p:tagLst xmlns:a="http://schemas.openxmlformats.org/drawingml/2006/main" xmlns:r="http://schemas.openxmlformats.org/officeDocument/2006/relationships" xmlns:p="http://schemas.openxmlformats.org/presentationml/2006/main">
+  <p:tag name="ISPRING_WO_WEB_ADDRESS" val="C:\Users\chap\repos\7map\doc\meetings\general\Projet_7map_final\webobject\wo3\Issues · 7map_7map (5_30_2021 5_24_24 PM).html"/>
+  <p:tag name="ISPRING_WO_WEB_ADDRESS_RELATIVE" val="Projet_7map_final\webobject\wo3\Issues · 7map_7map (5_30_2021 5_24_24 PM).html"/>
+  <p:tag name="ISPRING_WO_DISPLAY_IN_SLIDE" val="1"/>
+  <p:tag name="ISPRING_WO_FULL_SIZE" val="0"/>
+  <p:tag name="ISPRING_WO_WINDOW_WIDTH" val="720"/>
+  <p:tag name="ISPRING_WO_WINDOW_HEIGHT" val="540"/>
+  <p:tag name="ISPRING_WO_SHOW_AFTER" val="0"/>
+  <p:tag name="ISPRING_WO_INCLUDE_FILES_AND_SUBFOLDERS" val="1"/>
+  <p:tag name="ISPRING_WO_SLIDE_POS_X" val="0"/>
+  <p:tag name="ISPRING_WO_SLIDE_POS_Y" val="88"/>
+</p:tagLst>
+</file>
+
+<file path=ppt/tags/tag5.xml><?xml version="1.0" encoding="utf-8"?>
+<p:tagLst xmlns:a="http://schemas.openxmlformats.org/drawingml/2006/main" xmlns:r="http://schemas.openxmlformats.org/officeDocument/2006/relationships" xmlns:p="http://schemas.openxmlformats.org/presentationml/2006/main">
+  <p:tag name="ISPRING_SLIDE_HAS_WEB_OBJECT" val="1"/>
+</p:tagLst>
+</file>
+
+<file path=ppt/tags/tag6.xml><?xml version="1.0" encoding="utf-8"?>
+<p:tagLst xmlns:a="http://schemas.openxmlformats.org/drawingml/2006/main" xmlns:r="http://schemas.openxmlformats.org/officeDocument/2006/relationships" xmlns:p="http://schemas.openxmlformats.org/presentationml/2006/main">
+  <p:tag name="ISPRING_WO_WEB_ADDRESS" val="C:\Users\chap\repos\7map\doc\meetings\general\Projet_7map_final\webobject\wo4\Global Feature progress (5_30_2021 5_26_59 PM).html"/>
+  <p:tag name="ISPRING_WO_WEB_ADDRESS_RELATIVE" val="Projet_7map_final\webobject\wo4\Global Feature progress (5_30_2021 5_26_59 PM).html"/>
+  <p:tag name="ISPRING_WO_DISPLAY_IN_SLIDE" val="1"/>
+  <p:tag name="ISPRING_WO_FULL_SIZE" val="0"/>
+  <p:tag name="ISPRING_WO_WINDOW_WIDTH" val="720"/>
+  <p:tag name="ISPRING_WO_WINDOW_HEIGHT" val="540"/>
+  <p:tag name="ISPRING_WO_SHOW_AFTER" val="0"/>
+  <p:tag name="ISPRING_WO_INCLUDE_FILES_AND_SUBFOLDERS" val="1"/>
+  <p:tag name="ISPRING_WO_SLIDE_POS_X" val="0"/>
+  <p:tag name="ISPRING_WO_SLIDE_POS_Y" val="88"/>
+</p:tagLst>
+</file>
+
+<file path=ppt/tags/tag7.xml><?xml version="1.0" encoding="utf-8"?>
+<p:tagLst xmlns:a="http://schemas.openxmlformats.org/drawingml/2006/main" xmlns:r="http://schemas.openxmlformats.org/officeDocument/2006/relationships" xmlns:p="http://schemas.openxmlformats.org/presentationml/2006/main">
+  <p:tag name="ISPRING_SLIDE_HAS_WEB_OBJECT" val="1"/>
+</p:tagLst>
+</file>
+
+<file path=ppt/tags/tag8.xml><?xml version="1.0" encoding="utf-8"?>
+<p:tagLst xmlns:a="http://schemas.openxmlformats.org/drawingml/2006/main" xmlns:r="http://schemas.openxmlformats.org/officeDocument/2006/relationships" xmlns:p="http://schemas.openxmlformats.org/presentationml/2006/main">
+  <p:tag name="ISPRING_SLIDE_HAS_WEB_OBJECT" val="1"/>
+</p:tagLst>
 </file>
 
 <file path=ppt/theme/theme1.xml><?xml version="1.0" encoding="utf-8"?>
@@ -4640,4 +8735,299 @@
     </a:ext>
   </a:extLst>
 </a:theme>
+</file>
+
+<file path=ppt/theme/theme2.xml><?xml version="1.0" encoding="utf-8"?>
+<a:theme xmlns:a="http://schemas.openxmlformats.org/drawingml/2006/main" name="Thème Office">
+  <a:themeElements>
+    <a:clrScheme name="Office">
+      <a:dk1>
+        <a:sysClr val="windowText" lastClr="000000"/>
+      </a:dk1>
+      <a:lt1>
+        <a:sysClr val="window" lastClr="FFFFFF"/>
+      </a:lt1>
+      <a:dk2>
+        <a:srgbClr val="44546A"/>
+      </a:dk2>
+      <a:lt2>
+        <a:srgbClr val="E7E6E6"/>
+      </a:lt2>
+      <a:accent1>
+        <a:srgbClr val="4472C4"/>
+      </a:accent1>
+      <a:accent2>
+        <a:srgbClr val="ED7D31"/>
+      </a:accent2>
+      <a:accent3>
+        <a:srgbClr val="A5A5A5"/>
+      </a:accent3>
+      <a:accent4>
+        <a:srgbClr val="FFC000"/>
+      </a:accent4>
+      <a:accent5>
+        <a:srgbClr val="5B9BD5"/>
+      </a:accent5>
+      <a:accent6>
+        <a:srgbClr val="70AD47"/>
+      </a:accent6>
+      <a:hlink>
+        <a:srgbClr val="0563C1"/>
+      </a:hlink>
+      <a:folHlink>
+        <a:srgbClr val="954F72"/>
+      </a:folHlink>
+    </a:clrScheme>
+    <a:fontScheme name="Office">
+      <a:majorFont>
+        <a:latin typeface="Calibri Light" panose="020F0302020204030204"/>
+        <a:ea typeface=""/>
+        <a:cs typeface=""/>
+        <a:font script="Jpan" typeface="游ゴシック Light"/>
+        <a:font script="Hang" typeface="맑은 고딕"/>
+        <a:font script="Hans" typeface="等线 Light"/>
+        <a:font script="Hant" typeface="新細明體"/>
+        <a:font script="Arab" typeface="Times New Roman"/>
+        <a:font script="Hebr" typeface="Times New Roman"/>
+        <a:font script="Thai" typeface="Angsana New"/>
+        <a:font script="Ethi" typeface="Nyala"/>
+        <a:font script="Beng" typeface="Vrinda"/>
+        <a:font script="Gujr" typeface="Shruti"/>
+        <a:font script="Khmr" typeface="MoolBoran"/>
+        <a:font script="Knda" typeface="Tunga"/>
+        <a:font script="Guru" typeface="Raavi"/>
+        <a:font script="Cans" typeface="Euphemia"/>
+        <a:font script="Cher" typeface="Plantagenet Cherokee"/>
+        <a:font script="Yiii" typeface="Microsoft Yi Baiti"/>
+        <a:font script="Tibt" typeface="Microsoft Himalaya"/>
+        <a:font script="Thaa" typeface="MV Boli"/>
+        <a:font script="Deva" typeface="Mangal"/>
+        <a:font script="Telu" typeface="Gautami"/>
+        <a:font script="Taml" typeface="Latha"/>
+        <a:font script="Syrc" typeface="Estrangelo Edessa"/>
+        <a:font script="Orya" typeface="Kalinga"/>
+        <a:font script="Mlym" typeface="Kartika"/>
+        <a:font script="Laoo" typeface="DokChampa"/>
+        <a:font script="Sinh" typeface="Iskoola Pota"/>
+        <a:font script="Mong" typeface="Mongolian Baiti"/>
+        <a:font script="Viet" typeface="Times New Roman"/>
+        <a:font script="Uigh" typeface="Microsoft Uighur"/>
+        <a:font script="Geor" typeface="Sylfaen"/>
+        <a:font script="Armn" typeface="Arial"/>
+        <a:font script="Bugi" typeface="Leelawadee UI"/>
+        <a:font script="Bopo" typeface="Microsoft JhengHei"/>
+        <a:font script="Java" typeface="Javanese Text"/>
+        <a:font script="Lisu" typeface="Segoe UI"/>
+        <a:font script="Mymr" typeface="Myanmar Text"/>
+        <a:font script="Nkoo" typeface="Ebrima"/>
+        <a:font script="Olck" typeface="Nirmala UI"/>
+        <a:font script="Osma" typeface="Ebrima"/>
+        <a:font script="Phag" typeface="Phagspa"/>
+        <a:font script="Syrn" typeface="Estrangelo Edessa"/>
+        <a:font script="Syrj" typeface="Estrangelo Edessa"/>
+        <a:font script="Syre" typeface="Estrangelo Edessa"/>
+        <a:font script="Sora" typeface="Nirmala UI"/>
+        <a:font script="Tale" typeface="Microsoft Tai Le"/>
+        <a:font script="Talu" typeface="Microsoft New Tai Lue"/>
+        <a:font script="Tfng" typeface="Ebrima"/>
+      </a:majorFont>
+      <a:minorFont>
+        <a:latin typeface="Calibri" panose="020F0502020204030204"/>
+        <a:ea typeface=""/>
+        <a:cs typeface=""/>
+        <a:font script="Jpan" typeface="游ゴシック"/>
+        <a:font script="Hang" typeface="맑은 고딕"/>
+        <a:font script="Hans" typeface="等线"/>
+        <a:font script="Hant" typeface="新細明體"/>
+        <a:font script="Arab" typeface="Arial"/>
+        <a:font script="Hebr" typeface="Arial"/>
+        <a:font script="Thai" typeface="Cordia New"/>
+        <a:font script="Ethi" typeface="Nyala"/>
+        <a:font script="Beng" typeface="Vrinda"/>
+        <a:font script="Gujr" typeface="Shruti"/>
+        <a:font script="Khmr" typeface="DaunPenh"/>
+        <a:font script="Knda" typeface="Tunga"/>
+        <a:font script="Guru" typeface="Raavi"/>
+        <a:font script="Cans" typeface="Euphemia"/>
+        <a:font script="Cher" typeface="Plantagenet Cherokee"/>
+        <a:font script="Yiii" typeface="Microsoft Yi Baiti"/>
+        <a:font script="Tibt" typeface="Microsoft Himalaya"/>
+        <a:font script="Thaa" typeface="MV Boli"/>
+        <a:font script="Deva" typeface="Mangal"/>
+        <a:font script="Telu" typeface="Gautami"/>
+        <a:font script="Taml" typeface="Latha"/>
+        <a:font script="Syrc" typeface="Estrangelo Edessa"/>
+        <a:font script="Orya" typeface="Kalinga"/>
+        <a:font script="Mlym" typeface="Kartika"/>
+        <a:font script="Laoo" typeface="DokChampa"/>
+        <a:font script="Sinh" typeface="Iskoola Pota"/>
+        <a:font script="Mong" typeface="Mongolian Baiti"/>
+        <a:font script="Viet" typeface="Arial"/>
+        <a:font script="Uigh" typeface="Microsoft Uighur"/>
+        <a:font script="Geor" typeface="Sylfaen"/>
+        <a:font script="Armn" typeface="Arial"/>
+        <a:font script="Bugi" typeface="Leelawadee UI"/>
+        <a:font script="Bopo" typeface="Microsoft JhengHei"/>
+        <a:font script="Java" typeface="Javanese Text"/>
+        <a:font script="Lisu" typeface="Segoe UI"/>
+        <a:font script="Mymr" typeface="Myanmar Text"/>
+        <a:font script="Nkoo" typeface="Ebrima"/>
+        <a:font script="Olck" typeface="Nirmala UI"/>
+        <a:font script="Osma" typeface="Ebrima"/>
+        <a:font script="Phag" typeface="Phagspa"/>
+        <a:font script="Syrn" typeface="Estrangelo Edessa"/>
+        <a:font script="Syrj" typeface="Estrangelo Edessa"/>
+        <a:font script="Syre" typeface="Estrangelo Edessa"/>
+        <a:font script="Sora" typeface="Nirmala UI"/>
+        <a:font script="Tale" typeface="Microsoft Tai Le"/>
+        <a:font script="Talu" typeface="Microsoft New Tai Lue"/>
+        <a:font script="Tfng" typeface="Ebrima"/>
+      </a:minorFont>
+    </a:fontScheme>
+    <a:fmtScheme name="Office">
+      <a:fillStyleLst>
+        <a:solidFill>
+          <a:schemeClr val="phClr"/>
+        </a:solidFill>
+        <a:gradFill rotWithShape="1">
+          <a:gsLst>
+            <a:gs pos="0">
+              <a:schemeClr val="phClr">
+                <a:lumMod val="110000"/>
+                <a:satMod val="105000"/>
+                <a:tint val="67000"/>
+              </a:schemeClr>
+            </a:gs>
+            <a:gs pos="50000">
+              <a:schemeClr val="phClr">
+                <a:lumMod val="105000"/>
+                <a:satMod val="103000"/>
+                <a:tint val="73000"/>
+              </a:schemeClr>
+            </a:gs>
+            <a:gs pos="100000">
+              <a:schemeClr val="phClr">
+                <a:lumMod val="105000"/>
+                <a:satMod val="109000"/>
+                <a:tint val="81000"/>
+              </a:schemeClr>
+            </a:gs>
+          </a:gsLst>
+          <a:lin ang="5400000" scaled="0"/>
+        </a:gradFill>
+        <a:gradFill rotWithShape="1">
+          <a:gsLst>
+            <a:gs pos="0">
+              <a:schemeClr val="phClr">
+                <a:satMod val="103000"/>
+                <a:lumMod val="102000"/>
+                <a:tint val="94000"/>
+              </a:schemeClr>
+            </a:gs>
+            <a:gs pos="50000">
+              <a:schemeClr val="phClr">
+                <a:satMod val="110000"/>
+                <a:lumMod val="100000"/>
+                <a:shade val="100000"/>
+              </a:schemeClr>
+            </a:gs>
+            <a:gs pos="100000">
+              <a:schemeClr val="phClr">
+                <a:lumMod val="99000"/>
+                <a:satMod val="120000"/>
+                <a:shade val="78000"/>
+              </a:schemeClr>
+            </a:gs>
+          </a:gsLst>
+          <a:lin ang="5400000" scaled="0"/>
+        </a:gradFill>
+      </a:fillStyleLst>
+      <a:lnStyleLst>
+        <a:ln w="6350" cap="flat" cmpd="sng" algn="ctr">
+          <a:solidFill>
+            <a:schemeClr val="phClr"/>
+          </a:solidFill>
+          <a:prstDash val="solid"/>
+          <a:miter lim="800000"/>
+        </a:ln>
+        <a:ln w="12700" cap="flat" cmpd="sng" algn="ctr">
+          <a:solidFill>
+            <a:schemeClr val="phClr"/>
+          </a:solidFill>
+          <a:prstDash val="solid"/>
+          <a:miter lim="800000"/>
+        </a:ln>
+        <a:ln w="19050" cap="flat" cmpd="sng" algn="ctr">
+          <a:solidFill>
+            <a:schemeClr val="phClr"/>
+          </a:solidFill>
+          <a:prstDash val="solid"/>
+          <a:miter lim="800000"/>
+        </a:ln>
+      </a:lnStyleLst>
+      <a:effectStyleLst>
+        <a:effectStyle>
+          <a:effectLst/>
+        </a:effectStyle>
+        <a:effectStyle>
+          <a:effectLst/>
+        </a:effectStyle>
+        <a:effectStyle>
+          <a:effectLst>
+            <a:outerShdw blurRad="57150" dist="19050" dir="5400000" algn="ctr" rotWithShape="0">
+              <a:srgbClr val="000000">
+                <a:alpha val="63000"/>
+              </a:srgbClr>
+            </a:outerShdw>
+          </a:effectLst>
+        </a:effectStyle>
+      </a:effectStyleLst>
+      <a:bgFillStyleLst>
+        <a:solidFill>
+          <a:schemeClr val="phClr"/>
+        </a:solidFill>
+        <a:solidFill>
+          <a:schemeClr val="phClr">
+            <a:tint val="95000"/>
+            <a:satMod val="170000"/>
+          </a:schemeClr>
+        </a:solidFill>
+        <a:gradFill rotWithShape="1">
+          <a:gsLst>
+            <a:gs pos="0">
+              <a:schemeClr val="phClr">
+                <a:tint val="93000"/>
+                <a:satMod val="150000"/>
+                <a:shade val="98000"/>
+                <a:lumMod val="102000"/>
+              </a:schemeClr>
+            </a:gs>
+            <a:gs pos="50000">
+              <a:schemeClr val="phClr">
+                <a:tint val="98000"/>
+                <a:satMod val="130000"/>
+                <a:shade val="90000"/>
+                <a:lumMod val="103000"/>
+              </a:schemeClr>
+            </a:gs>
+            <a:gs pos="100000">
+              <a:schemeClr val="phClr">
+                <a:shade val="63000"/>
+                <a:satMod val="120000"/>
+              </a:schemeClr>
+            </a:gs>
+          </a:gsLst>
+          <a:lin ang="5400000" scaled="0"/>
+        </a:gradFill>
+      </a:bgFillStyleLst>
+    </a:fmtScheme>
+  </a:themeElements>
+  <a:objectDefaults/>
+  <a:extraClrSchemeLst/>
+  <a:extLst>
+    <a:ext uri="{05A4C25C-085E-4340-85A3-A5531E510DB2}">
+      <thm15:themeFamily xmlns:thm15="http://schemas.microsoft.com/office/thememl/2012/main" name="Office Theme" id="{62F939B6-93AF-4DB8-9C6B-D6C7DFDC589F}" vid="{4A3C46E8-61CC-4603-A589-7422A47A8E4A}"/>
+    </a:ext>
+  </a:extLst>
+</a:theme>
 </file>